--- a/Figures/figure_making.pptx
+++ b/Figures/figure_making.pptx
@@ -105,6 +105,11 @@
       </a:defRPr>
     </a:lvl9pPr>
   </p:defaultTextStyle>
+  <p:extLst>
+    <p:ext uri="{EFAFB233-063F-42B5-8137-9DF3F51BA10A}">
+      <p15:sldGuideLst xmlns:p15="http://schemas.microsoft.com/office/powerpoint/2012/main"/>
+    </p:ext>
+  </p:extLst>
 </p:presentation>
 </file>
 
@@ -255,7 +260,7 @@
           <a:p>
             <a:fld id="{9A0015C3-2E44-486C-A5F2-7FA6CB10593F}" type="datetimeFigureOut">
               <a:rPr lang="en-US" smtClean="0"/>
-              <a:t>8/3/2021</a:t>
+              <a:t>8/26/2021</a:t>
             </a:fld>
             <a:endParaRPr lang="en-US"/>
           </a:p>
@@ -453,7 +458,7 @@
           <a:p>
             <a:fld id="{9A0015C3-2E44-486C-A5F2-7FA6CB10593F}" type="datetimeFigureOut">
               <a:rPr lang="en-US" smtClean="0"/>
-              <a:t>8/3/2021</a:t>
+              <a:t>8/26/2021</a:t>
             </a:fld>
             <a:endParaRPr lang="en-US"/>
           </a:p>
@@ -661,7 +666,7 @@
           <a:p>
             <a:fld id="{9A0015C3-2E44-486C-A5F2-7FA6CB10593F}" type="datetimeFigureOut">
               <a:rPr lang="en-US" smtClean="0"/>
-              <a:t>8/3/2021</a:t>
+              <a:t>8/26/2021</a:t>
             </a:fld>
             <a:endParaRPr lang="en-US"/>
           </a:p>
@@ -859,7 +864,7 @@
           <a:p>
             <a:fld id="{9A0015C3-2E44-486C-A5F2-7FA6CB10593F}" type="datetimeFigureOut">
               <a:rPr lang="en-US" smtClean="0"/>
-              <a:t>8/3/2021</a:t>
+              <a:t>8/26/2021</a:t>
             </a:fld>
             <a:endParaRPr lang="en-US"/>
           </a:p>
@@ -1134,7 +1139,7 @@
           <a:p>
             <a:fld id="{9A0015C3-2E44-486C-A5F2-7FA6CB10593F}" type="datetimeFigureOut">
               <a:rPr lang="en-US" smtClean="0"/>
-              <a:t>8/3/2021</a:t>
+              <a:t>8/26/2021</a:t>
             </a:fld>
             <a:endParaRPr lang="en-US"/>
           </a:p>
@@ -1399,7 +1404,7 @@
           <a:p>
             <a:fld id="{9A0015C3-2E44-486C-A5F2-7FA6CB10593F}" type="datetimeFigureOut">
               <a:rPr lang="en-US" smtClean="0"/>
-              <a:t>8/3/2021</a:t>
+              <a:t>8/26/2021</a:t>
             </a:fld>
             <a:endParaRPr lang="en-US"/>
           </a:p>
@@ -1811,7 +1816,7 @@
           <a:p>
             <a:fld id="{9A0015C3-2E44-486C-A5F2-7FA6CB10593F}" type="datetimeFigureOut">
               <a:rPr lang="en-US" smtClean="0"/>
-              <a:t>8/3/2021</a:t>
+              <a:t>8/26/2021</a:t>
             </a:fld>
             <a:endParaRPr lang="en-US"/>
           </a:p>
@@ -1952,7 +1957,7 @@
           <a:p>
             <a:fld id="{9A0015C3-2E44-486C-A5F2-7FA6CB10593F}" type="datetimeFigureOut">
               <a:rPr lang="en-US" smtClean="0"/>
-              <a:t>8/3/2021</a:t>
+              <a:t>8/26/2021</a:t>
             </a:fld>
             <a:endParaRPr lang="en-US"/>
           </a:p>
@@ -2065,7 +2070,7 @@
           <a:p>
             <a:fld id="{9A0015C3-2E44-486C-A5F2-7FA6CB10593F}" type="datetimeFigureOut">
               <a:rPr lang="en-US" smtClean="0"/>
-              <a:t>8/3/2021</a:t>
+              <a:t>8/26/2021</a:t>
             </a:fld>
             <a:endParaRPr lang="en-US"/>
           </a:p>
@@ -2376,7 +2381,7 @@
           <a:p>
             <a:fld id="{9A0015C3-2E44-486C-A5F2-7FA6CB10593F}" type="datetimeFigureOut">
               <a:rPr lang="en-US" smtClean="0"/>
-              <a:t>8/3/2021</a:t>
+              <a:t>8/26/2021</a:t>
             </a:fld>
             <a:endParaRPr lang="en-US"/>
           </a:p>
@@ -2664,7 +2669,7 @@
           <a:p>
             <a:fld id="{9A0015C3-2E44-486C-A5F2-7FA6CB10593F}" type="datetimeFigureOut">
               <a:rPr lang="en-US" smtClean="0"/>
-              <a:t>8/3/2021</a:t>
+              <a:t>8/26/2021</a:t>
             </a:fld>
             <a:endParaRPr lang="en-US"/>
           </a:p>
@@ -2905,7 +2910,7 @@
           <a:p>
             <a:fld id="{9A0015C3-2E44-486C-A5F2-7FA6CB10593F}" type="datetimeFigureOut">
               <a:rPr lang="en-US" smtClean="0"/>
-              <a:t>8/3/2021</a:t>
+              <a:t>8/26/2021</a:t>
             </a:fld>
             <a:endParaRPr lang="en-US"/>
           </a:p>
@@ -3566,10 +3571,10 @@
       </p:grpSpPr>
       <p:pic>
         <p:nvPicPr>
-          <p:cNvPr id="3" name="Picture 2">
-            <a:extLst>
-              <a:ext uri="{FF2B5EF4-FFF2-40B4-BE49-F238E27FC236}">
-                <a16:creationId xmlns:a16="http://schemas.microsoft.com/office/drawing/2014/main" id="{56C57B6E-12E3-4111-8C48-692FFEB2AE77}"/>
+          <p:cNvPr id="8" name="Picture 7">
+            <a:extLst>
+              <a:ext uri="{FF2B5EF4-FFF2-40B4-BE49-F238E27FC236}">
+                <a16:creationId xmlns:a16="http://schemas.microsoft.com/office/drawing/2014/main" id="{FE995C2F-8A20-4F58-B0E4-E2AC0B3EB43E}"/>
               </a:ext>
             </a:extLst>
           </p:cNvPr>
@@ -3586,13 +3591,13 @@
               </a:ext>
             </a:extLst>
           </a:blip>
-          <a:srcRect t="15254" b="17096"/>
+          <a:srcRect t="16757" b="16757"/>
           <a:stretch/>
         </p:blipFill>
         <p:spPr>
           <a:xfrm>
-            <a:off x="1433126" y="58039"/>
-            <a:ext cx="9170001" cy="6131293"/>
+            <a:off x="1298059" y="157807"/>
+            <a:ext cx="9249036" cy="6077908"/>
           </a:xfrm>
           <a:prstGeom prst="rect">
             <a:avLst/>
@@ -3672,7 +3677,7 @@
         </p:blipFill>
         <p:spPr>
           <a:xfrm>
-            <a:off x="6269425" y="2767698"/>
+            <a:off x="6145632" y="2755098"/>
             <a:ext cx="442382" cy="711974"/>
           </a:xfrm>
           <a:prstGeom prst="rect">
@@ -3713,7 +3718,7 @@
         </p:blipFill>
         <p:spPr>
           <a:xfrm>
-            <a:off x="1970343" y="1319704"/>
+            <a:off x="1831477" y="1269028"/>
             <a:ext cx="1073191" cy="541979"/>
           </a:xfrm>
           <a:prstGeom prst="rect">
@@ -3754,7 +3759,7 @@
         </p:blipFill>
         <p:spPr>
           <a:xfrm rot="16200000" flipH="1">
-            <a:off x="2284894" y="2600928"/>
+            <a:off x="2215462" y="2624608"/>
             <a:ext cx="444087" cy="1212057"/>
           </a:xfrm>
           <a:prstGeom prst="rect">

--- a/Figures/figure_making.pptx
+++ b/Figures/figure_making.pptx
@@ -260,7 +260,7 @@
           <a:p>
             <a:fld id="{9A0015C3-2E44-486C-A5F2-7FA6CB10593F}" type="datetimeFigureOut">
               <a:rPr lang="en-US" smtClean="0"/>
-              <a:t>8/26/2021</a:t>
+              <a:t>9/21/2021</a:t>
             </a:fld>
             <a:endParaRPr lang="en-US"/>
           </a:p>
@@ -458,7 +458,7 @@
           <a:p>
             <a:fld id="{9A0015C3-2E44-486C-A5F2-7FA6CB10593F}" type="datetimeFigureOut">
               <a:rPr lang="en-US" smtClean="0"/>
-              <a:t>8/26/2021</a:t>
+              <a:t>9/21/2021</a:t>
             </a:fld>
             <a:endParaRPr lang="en-US"/>
           </a:p>
@@ -666,7 +666,7 @@
           <a:p>
             <a:fld id="{9A0015C3-2E44-486C-A5F2-7FA6CB10593F}" type="datetimeFigureOut">
               <a:rPr lang="en-US" smtClean="0"/>
-              <a:t>8/26/2021</a:t>
+              <a:t>9/21/2021</a:t>
             </a:fld>
             <a:endParaRPr lang="en-US"/>
           </a:p>
@@ -864,7 +864,7 @@
           <a:p>
             <a:fld id="{9A0015C3-2E44-486C-A5F2-7FA6CB10593F}" type="datetimeFigureOut">
               <a:rPr lang="en-US" smtClean="0"/>
-              <a:t>8/26/2021</a:t>
+              <a:t>9/21/2021</a:t>
             </a:fld>
             <a:endParaRPr lang="en-US"/>
           </a:p>
@@ -1139,7 +1139,7 @@
           <a:p>
             <a:fld id="{9A0015C3-2E44-486C-A5F2-7FA6CB10593F}" type="datetimeFigureOut">
               <a:rPr lang="en-US" smtClean="0"/>
-              <a:t>8/26/2021</a:t>
+              <a:t>9/21/2021</a:t>
             </a:fld>
             <a:endParaRPr lang="en-US"/>
           </a:p>
@@ -1404,7 +1404,7 @@
           <a:p>
             <a:fld id="{9A0015C3-2E44-486C-A5F2-7FA6CB10593F}" type="datetimeFigureOut">
               <a:rPr lang="en-US" smtClean="0"/>
-              <a:t>8/26/2021</a:t>
+              <a:t>9/21/2021</a:t>
             </a:fld>
             <a:endParaRPr lang="en-US"/>
           </a:p>
@@ -1816,7 +1816,7 @@
           <a:p>
             <a:fld id="{9A0015C3-2E44-486C-A5F2-7FA6CB10593F}" type="datetimeFigureOut">
               <a:rPr lang="en-US" smtClean="0"/>
-              <a:t>8/26/2021</a:t>
+              <a:t>9/21/2021</a:t>
             </a:fld>
             <a:endParaRPr lang="en-US"/>
           </a:p>
@@ -1957,7 +1957,7 @@
           <a:p>
             <a:fld id="{9A0015C3-2E44-486C-A5F2-7FA6CB10593F}" type="datetimeFigureOut">
               <a:rPr lang="en-US" smtClean="0"/>
-              <a:t>8/26/2021</a:t>
+              <a:t>9/21/2021</a:t>
             </a:fld>
             <a:endParaRPr lang="en-US"/>
           </a:p>
@@ -2070,7 +2070,7 @@
           <a:p>
             <a:fld id="{9A0015C3-2E44-486C-A5F2-7FA6CB10593F}" type="datetimeFigureOut">
               <a:rPr lang="en-US" smtClean="0"/>
-              <a:t>8/26/2021</a:t>
+              <a:t>9/21/2021</a:t>
             </a:fld>
             <a:endParaRPr lang="en-US"/>
           </a:p>
@@ -2381,7 +2381,7 @@
           <a:p>
             <a:fld id="{9A0015C3-2E44-486C-A5F2-7FA6CB10593F}" type="datetimeFigureOut">
               <a:rPr lang="en-US" smtClean="0"/>
-              <a:t>8/26/2021</a:t>
+              <a:t>9/21/2021</a:t>
             </a:fld>
             <a:endParaRPr lang="en-US"/>
           </a:p>
@@ -2669,7 +2669,7 @@
           <a:p>
             <a:fld id="{9A0015C3-2E44-486C-A5F2-7FA6CB10593F}" type="datetimeFigureOut">
               <a:rPr lang="en-US" smtClean="0"/>
-              <a:t>8/26/2021</a:t>
+              <a:t>9/21/2021</a:t>
             </a:fld>
             <a:endParaRPr lang="en-US"/>
           </a:p>
@@ -2910,7 +2910,7 @@
           <a:p>
             <a:fld id="{9A0015C3-2E44-486C-A5F2-7FA6CB10593F}" type="datetimeFigureOut">
               <a:rPr lang="en-US" smtClean="0"/>
-              <a:t>8/26/2021</a:t>
+              <a:t>9/21/2021</a:t>
             </a:fld>
             <a:endParaRPr lang="en-US"/>
           </a:p>
@@ -3571,10 +3571,10 @@
       </p:grpSpPr>
       <p:pic>
         <p:nvPicPr>
-          <p:cNvPr id="8" name="Picture 7">
-            <a:extLst>
-              <a:ext uri="{FF2B5EF4-FFF2-40B4-BE49-F238E27FC236}">
-                <a16:creationId xmlns:a16="http://schemas.microsoft.com/office/drawing/2014/main" id="{FE995C2F-8A20-4F58-B0E4-E2AC0B3EB43E}"/>
+          <p:cNvPr id="3" name="Picture 2">
+            <a:extLst>
+              <a:ext uri="{FF2B5EF4-FFF2-40B4-BE49-F238E27FC236}">
+                <a16:creationId xmlns:a16="http://schemas.microsoft.com/office/drawing/2014/main" id="{3B09AA8C-68E5-45C5-910B-495B7F530D51}"/>
               </a:ext>
             </a:extLst>
           </p:cNvPr>
@@ -3596,8 +3596,8 @@
         </p:blipFill>
         <p:spPr>
           <a:xfrm>
-            <a:off x="1298059" y="157807"/>
-            <a:ext cx="9249036" cy="6077908"/>
+            <a:off x="1455184" y="218162"/>
+            <a:ext cx="9157191" cy="6017553"/>
           </a:xfrm>
           <a:prstGeom prst="rect">
             <a:avLst/>
@@ -3606,10 +3606,50 @@
       </p:pic>
       <p:pic>
         <p:nvPicPr>
-          <p:cNvPr id="6" name="Picture 5">
-            <a:extLst>
-              <a:ext uri="{FF2B5EF4-FFF2-40B4-BE49-F238E27FC236}">
-                <a16:creationId xmlns:a16="http://schemas.microsoft.com/office/drawing/2014/main" id="{597F6BFC-8C63-413E-93CD-BB76FFBD0EBE}"/>
+          <p:cNvPr id="15" name="Picture 14">
+            <a:extLst>
+              <a:ext uri="{FF2B5EF4-FFF2-40B4-BE49-F238E27FC236}">
+                <a16:creationId xmlns:a16="http://schemas.microsoft.com/office/drawing/2014/main" id="{A2D7E8FA-BDA1-4B10-99E3-7A817C5A1634}"/>
+              </a:ext>
+            </a:extLst>
+          </p:cNvPr>
+          <p:cNvPicPr>
+            <a:picLocks noChangeAspect="1"/>
+          </p:cNvPicPr>
+          <p:nvPr/>
+        </p:nvPicPr>
+        <p:blipFill rotWithShape="1">
+          <a:blip r:embed="rId3">
+            <a:clrChange>
+              <a:clrFrom>
+                <a:srgbClr val="FFFFFF"/>
+              </a:clrFrom>
+              <a:clrTo>
+                <a:srgbClr val="FFFFFF">
+                  <a:alpha val="0"/>
+                </a:srgbClr>
+              </a:clrTo>
+            </a:clrChange>
+          </a:blip>
+          <a:srcRect r="10573"/>
+          <a:stretch/>
+        </p:blipFill>
+        <p:spPr>
+          <a:xfrm>
+            <a:off x="1831477" y="4382199"/>
+            <a:ext cx="442382" cy="711974"/>
+          </a:xfrm>
+          <a:prstGeom prst="rect">
+            <a:avLst/>
+          </a:prstGeom>
+        </p:spPr>
+      </p:pic>
+      <p:pic>
+        <p:nvPicPr>
+          <p:cNvPr id="16" name="Picture 15">
+            <a:extLst>
+              <a:ext uri="{FF2B5EF4-FFF2-40B4-BE49-F238E27FC236}">
+                <a16:creationId xmlns:a16="http://schemas.microsoft.com/office/drawing/2014/main" id="{40A4AFD2-34F3-46AA-9CDA-66124527A2E6}"/>
               </a:ext>
             </a:extLst>
           </p:cNvPr>
@@ -3619,7 +3659,7 @@
           <p:nvPr/>
         </p:nvPicPr>
         <p:blipFill>
-          <a:blip r:embed="rId3">
+          <a:blip r:embed="rId4">
             <a:clrChange>
               <a:clrFrom>
                 <a:srgbClr val="FFFFFF"/>
@@ -3636,9 +3676,9 @@
           </a:stretch>
         </p:blipFill>
         <p:spPr>
-          <a:xfrm flipH="1">
-            <a:off x="6269425" y="4499812"/>
-            <a:ext cx="644574" cy="531827"/>
+          <a:xfrm>
+            <a:off x="1938009" y="2934746"/>
+            <a:ext cx="1018255" cy="514235"/>
           </a:xfrm>
           <a:prstGeom prst="rect">
             <a:avLst/>
@@ -3647,50 +3687,10 @@
       </p:pic>
       <p:pic>
         <p:nvPicPr>
-          <p:cNvPr id="15" name="Picture 14">
-            <a:extLst>
-              <a:ext uri="{FF2B5EF4-FFF2-40B4-BE49-F238E27FC236}">
-                <a16:creationId xmlns:a16="http://schemas.microsoft.com/office/drawing/2014/main" id="{A2D7E8FA-BDA1-4B10-99E3-7A817C5A1634}"/>
-              </a:ext>
-            </a:extLst>
-          </p:cNvPr>
-          <p:cNvPicPr>
-            <a:picLocks noChangeAspect="1"/>
-          </p:cNvPicPr>
-          <p:nvPr/>
-        </p:nvPicPr>
-        <p:blipFill rotWithShape="1">
-          <a:blip r:embed="rId4">
-            <a:clrChange>
-              <a:clrFrom>
-                <a:srgbClr val="FFFFFF"/>
-              </a:clrFrom>
-              <a:clrTo>
-                <a:srgbClr val="FFFFFF">
-                  <a:alpha val="0"/>
-                </a:srgbClr>
-              </a:clrTo>
-            </a:clrChange>
-          </a:blip>
-          <a:srcRect r="10573"/>
-          <a:stretch/>
-        </p:blipFill>
-        <p:spPr>
-          <a:xfrm>
-            <a:off x="6145632" y="2755098"/>
-            <a:ext cx="442382" cy="711974"/>
-          </a:xfrm>
-          <a:prstGeom prst="rect">
-            <a:avLst/>
-          </a:prstGeom>
-        </p:spPr>
-      </p:pic>
-      <p:pic>
-        <p:nvPicPr>
-          <p:cNvPr id="16" name="Picture 15">
-            <a:extLst>
-              <a:ext uri="{FF2B5EF4-FFF2-40B4-BE49-F238E27FC236}">
-                <a16:creationId xmlns:a16="http://schemas.microsoft.com/office/drawing/2014/main" id="{40A4AFD2-34F3-46AA-9CDA-66124527A2E6}"/>
+          <p:cNvPr id="17" name="Picture 16">
+            <a:extLst>
+              <a:ext uri="{FF2B5EF4-FFF2-40B4-BE49-F238E27FC236}">
+                <a16:creationId xmlns:a16="http://schemas.microsoft.com/office/drawing/2014/main" id="{D8CE6332-EB93-4EFF-B4DF-077000CF3000}"/>
               </a:ext>
             </a:extLst>
           </p:cNvPr>
@@ -3717,9 +3717,9 @@
           </a:stretch>
         </p:blipFill>
         <p:spPr>
-          <a:xfrm>
-            <a:off x="1831477" y="1269028"/>
-            <a:ext cx="1073191" cy="541979"/>
+          <a:xfrm rot="16200000" flipH="1">
+            <a:off x="6691955" y="2620909"/>
+            <a:ext cx="444087" cy="1212057"/>
           </a:xfrm>
           <a:prstGeom prst="rect">
             <a:avLst/>
@@ -3728,10 +3728,10 @@
       </p:pic>
       <p:pic>
         <p:nvPicPr>
-          <p:cNvPr id="17" name="Picture 16">
-            <a:extLst>
-              <a:ext uri="{FF2B5EF4-FFF2-40B4-BE49-F238E27FC236}">
-                <a16:creationId xmlns:a16="http://schemas.microsoft.com/office/drawing/2014/main" id="{D8CE6332-EB93-4EFF-B4DF-077000CF3000}"/>
+          <p:cNvPr id="13" name="Picture 12">
+            <a:extLst>
+              <a:ext uri="{FF2B5EF4-FFF2-40B4-BE49-F238E27FC236}">
+                <a16:creationId xmlns:a16="http://schemas.microsoft.com/office/drawing/2014/main" id="{BF846594-0A0D-48D7-8D58-76DE97EFDBA3}"/>
               </a:ext>
             </a:extLst>
           </p:cNvPr>
@@ -3752,47 +3752,6 @@
                 </a:srgbClr>
               </a:clrTo>
             </a:clrChange>
-          </a:blip>
-          <a:stretch>
-            <a:fillRect/>
-          </a:stretch>
-        </p:blipFill>
-        <p:spPr>
-          <a:xfrm rot="16200000" flipH="1">
-            <a:off x="2215462" y="2624608"/>
-            <a:ext cx="444087" cy="1212057"/>
-          </a:xfrm>
-          <a:prstGeom prst="rect">
-            <a:avLst/>
-          </a:prstGeom>
-        </p:spPr>
-      </p:pic>
-      <p:pic>
-        <p:nvPicPr>
-          <p:cNvPr id="5" name="Picture 4">
-            <a:extLst>
-              <a:ext uri="{FF2B5EF4-FFF2-40B4-BE49-F238E27FC236}">
-                <a16:creationId xmlns:a16="http://schemas.microsoft.com/office/drawing/2014/main" id="{4A26FB9F-7041-4CD1-BA3D-474C496C6E4A}"/>
-              </a:ext>
-            </a:extLst>
-          </p:cNvPr>
-          <p:cNvPicPr>
-            <a:picLocks noChangeAspect="1"/>
-          </p:cNvPicPr>
-          <p:nvPr/>
-        </p:nvPicPr>
-        <p:blipFill>
-          <a:blip r:embed="rId7">
-            <a:clrChange>
-              <a:clrFrom>
-                <a:srgbClr val="FFFFFF"/>
-              </a:clrFrom>
-              <a:clrTo>
-                <a:srgbClr val="FFFFFF">
-                  <a:alpha val="0"/>
-                </a:srgbClr>
-              </a:clrTo>
-            </a:clrChange>
             <a:extLst>
               <a:ext uri="{28A0092B-C50C-407E-A947-70E740481C1C}">
                 <a14:useLocalDpi xmlns:a14="http://schemas.microsoft.com/office/drawing/2010/main" val="0"/>
@@ -3805,7 +3764,7 @@
         </p:blipFill>
         <p:spPr>
           <a:xfrm>
-            <a:off x="4204976" y="2240278"/>
+            <a:off x="4267196" y="3926160"/>
             <a:ext cx="1828804" cy="1188722"/>
           </a:xfrm>
           <a:prstGeom prst="rect">
@@ -3815,10 +3774,10 @@
       </p:pic>
       <p:pic>
         <p:nvPicPr>
-          <p:cNvPr id="9" name="Picture 8">
-            <a:extLst>
-              <a:ext uri="{FF2B5EF4-FFF2-40B4-BE49-F238E27FC236}">
-                <a16:creationId xmlns:a16="http://schemas.microsoft.com/office/drawing/2014/main" id="{890AF6CD-52FE-48A7-BE61-A0A894F2F198}"/>
+          <p:cNvPr id="7" name="Picture 6">
+            <a:extLst>
+              <a:ext uri="{FF2B5EF4-FFF2-40B4-BE49-F238E27FC236}">
+                <a16:creationId xmlns:a16="http://schemas.microsoft.com/office/drawing/2014/main" id="{91199093-F944-4E67-A9FB-B2F2DC33D70B}"/>
               </a:ext>
             </a:extLst>
           </p:cNvPr>
@@ -3828,17 +3787,7 @@
           <p:nvPr/>
         </p:nvPicPr>
         <p:blipFill>
-          <a:blip r:embed="rId8">
-            <a:clrChange>
-              <a:clrFrom>
-                <a:srgbClr val="FFFFFF"/>
-              </a:clrFrom>
-              <a:clrTo>
-                <a:srgbClr val="FFFFFF">
-                  <a:alpha val="0"/>
-                </a:srgbClr>
-              </a:clrTo>
-            </a:clrChange>
+          <a:blip r:embed="rId7">
             <a:extLst>
               <a:ext uri="{28A0092B-C50C-407E-A947-70E740481C1C}">
                 <a14:useLocalDpi xmlns:a14="http://schemas.microsoft.com/office/drawing/2010/main" val="0"/>
@@ -3851,7 +3800,7 @@
         </p:blipFill>
         <p:spPr>
           <a:xfrm>
-            <a:off x="8588941" y="622285"/>
+            <a:off x="4324654" y="2260259"/>
             <a:ext cx="1828804" cy="1188722"/>
           </a:xfrm>
           <a:prstGeom prst="rect">
@@ -3861,10 +3810,46 @@
       </p:pic>
       <p:pic>
         <p:nvPicPr>
-          <p:cNvPr id="11" name="Picture 10">
-            <a:extLst>
-              <a:ext uri="{FF2B5EF4-FFF2-40B4-BE49-F238E27FC236}">
-                <a16:creationId xmlns:a16="http://schemas.microsoft.com/office/drawing/2014/main" id="{A574DD98-EE91-4C3A-BE7D-C9FDAF728F4B}"/>
+          <p:cNvPr id="12" name="Picture 11">
+            <a:extLst>
+              <a:ext uri="{FF2B5EF4-FFF2-40B4-BE49-F238E27FC236}">
+                <a16:creationId xmlns:a16="http://schemas.microsoft.com/office/drawing/2014/main" id="{55D1B51B-C68F-4681-B610-2D1EDE746952}"/>
+              </a:ext>
+            </a:extLst>
+          </p:cNvPr>
+          <p:cNvPicPr>
+            <a:picLocks noChangeAspect="1"/>
+          </p:cNvPicPr>
+          <p:nvPr/>
+        </p:nvPicPr>
+        <p:blipFill>
+          <a:blip r:embed="rId8">
+            <a:extLst>
+              <a:ext uri="{28A0092B-C50C-407E-A947-70E740481C1C}">
+                <a14:useLocalDpi xmlns:a14="http://schemas.microsoft.com/office/drawing/2010/main" val="0"/>
+              </a:ext>
+            </a:extLst>
+          </a:blip>
+          <a:stretch>
+            <a:fillRect/>
+          </a:stretch>
+        </p:blipFill>
+        <p:spPr>
+          <a:xfrm>
+            <a:off x="8652767" y="3905451"/>
+            <a:ext cx="1828804" cy="1188722"/>
+          </a:xfrm>
+          <a:prstGeom prst="rect">
+            <a:avLst/>
+          </a:prstGeom>
+        </p:spPr>
+      </p:pic>
+      <p:pic>
+        <p:nvPicPr>
+          <p:cNvPr id="18" name="Picture 17">
+            <a:extLst>
+              <a:ext uri="{FF2B5EF4-FFF2-40B4-BE49-F238E27FC236}">
+                <a16:creationId xmlns:a16="http://schemas.microsoft.com/office/drawing/2014/main" id="{9E5BC0B3-BD8D-47B6-8DFF-8B7DA3367093}"/>
               </a:ext>
             </a:extLst>
           </p:cNvPr>
@@ -3897,7 +3882,7 @@
         </p:blipFill>
         <p:spPr>
           <a:xfrm>
-            <a:off x="4207313" y="554798"/>
+            <a:off x="4267196" y="594358"/>
             <a:ext cx="1828804" cy="1188722"/>
           </a:xfrm>
           <a:prstGeom prst="rect">
@@ -3907,10 +3892,10 @@
       </p:pic>
       <p:pic>
         <p:nvPicPr>
-          <p:cNvPr id="13" name="Picture 12">
-            <a:extLst>
-              <a:ext uri="{FF2B5EF4-FFF2-40B4-BE49-F238E27FC236}">
-                <a16:creationId xmlns:a16="http://schemas.microsoft.com/office/drawing/2014/main" id="{BF846594-0A0D-48D7-8D58-76DE97EFDBA3}"/>
+          <p:cNvPr id="23" name="Picture 22">
+            <a:extLst>
+              <a:ext uri="{FF2B5EF4-FFF2-40B4-BE49-F238E27FC236}">
+                <a16:creationId xmlns:a16="http://schemas.microsoft.com/office/drawing/2014/main" id="{B3CC4C02-5B2D-4EC6-8F57-71CACA4788D4}"/>
               </a:ext>
             </a:extLst>
           </p:cNvPr>
@@ -3921,16 +3906,6 @@
         </p:nvPicPr>
         <p:blipFill>
           <a:blip r:embed="rId10">
-            <a:clrChange>
-              <a:clrFrom>
-                <a:srgbClr val="FFFFFF"/>
-              </a:clrFrom>
-              <a:clrTo>
-                <a:srgbClr val="FFFFFF">
-                  <a:alpha val="0"/>
-                </a:srgbClr>
-              </a:clrTo>
-            </a:clrChange>
             <a:extLst>
               <a:ext uri="{28A0092B-C50C-407E-A947-70E740481C1C}">
                 <a14:useLocalDpi xmlns:a14="http://schemas.microsoft.com/office/drawing/2010/main" val="0"/>
@@ -3943,7 +3918,7 @@
         </p:blipFill>
         <p:spPr>
           <a:xfrm>
-            <a:off x="8588941" y="2237417"/>
+            <a:off x="8652767" y="2262813"/>
             <a:ext cx="1828804" cy="1188722"/>
           </a:xfrm>
           <a:prstGeom prst="rect">
@@ -3953,10 +3928,10 @@
       </p:pic>
       <p:pic>
         <p:nvPicPr>
-          <p:cNvPr id="19" name="Picture 18">
-            <a:extLst>
-              <a:ext uri="{FF2B5EF4-FFF2-40B4-BE49-F238E27FC236}">
-                <a16:creationId xmlns:a16="http://schemas.microsoft.com/office/drawing/2014/main" id="{D9F5D41C-13E8-4F6D-9933-2CA1093A32BD}"/>
+          <p:cNvPr id="25" name="Picture 24">
+            <a:extLst>
+              <a:ext uri="{FF2B5EF4-FFF2-40B4-BE49-F238E27FC236}">
+                <a16:creationId xmlns:a16="http://schemas.microsoft.com/office/drawing/2014/main" id="{5235AFD1-3B54-441E-BAE7-D74211F32AA0}"/>
               </a:ext>
             </a:extLst>
           </p:cNvPr>
@@ -3967,16 +3942,6 @@
         </p:nvPicPr>
         <p:blipFill>
           <a:blip r:embed="rId11">
-            <a:clrChange>
-              <a:clrFrom>
-                <a:srgbClr val="FFFFFF"/>
-              </a:clrFrom>
-              <a:clrTo>
-                <a:srgbClr val="FFFFFF">
-                  <a:alpha val="0"/>
-                </a:srgbClr>
-              </a:clrTo>
-            </a:clrChange>
             <a:extLst>
               <a:ext uri="{28A0092B-C50C-407E-A947-70E740481C1C}">
                 <a14:useLocalDpi xmlns:a14="http://schemas.microsoft.com/office/drawing/2010/main" val="0"/>
@@ -3989,95 +3954,8 @@
         </p:blipFill>
         <p:spPr>
           <a:xfrm>
-            <a:off x="8588941" y="3905451"/>
+            <a:off x="8652767" y="622285"/>
             <a:ext cx="1828804" cy="1188722"/>
-          </a:xfrm>
-          <a:prstGeom prst="rect">
-            <a:avLst/>
-          </a:prstGeom>
-        </p:spPr>
-      </p:pic>
-      <p:pic>
-        <p:nvPicPr>
-          <p:cNvPr id="21" name="Picture 20">
-            <a:extLst>
-              <a:ext uri="{FF2B5EF4-FFF2-40B4-BE49-F238E27FC236}">
-                <a16:creationId xmlns:a16="http://schemas.microsoft.com/office/drawing/2014/main" id="{8AAEDECD-7310-4282-8B9E-D614F01520D8}"/>
-              </a:ext>
-            </a:extLst>
-          </p:cNvPr>
-          <p:cNvPicPr>
-            <a:picLocks noChangeAspect="1"/>
-          </p:cNvPicPr>
-          <p:nvPr/>
-        </p:nvPicPr>
-        <p:blipFill>
-          <a:blip r:embed="rId12">
-            <a:clrChange>
-              <a:clrFrom>
-                <a:srgbClr val="FFFFFF"/>
-              </a:clrFrom>
-              <a:clrTo>
-                <a:srgbClr val="FFFFFF">
-                  <a:alpha val="0"/>
-                </a:srgbClr>
-              </a:clrTo>
-            </a:clrChange>
-            <a:extLst>
-              <a:ext uri="{28A0092B-C50C-407E-A947-70E740481C1C}">
-                <a14:useLocalDpi xmlns:a14="http://schemas.microsoft.com/office/drawing/2010/main" val="0"/>
-              </a:ext>
-            </a:extLst>
-          </a:blip>
-          <a:stretch>
-            <a:fillRect/>
-          </a:stretch>
-        </p:blipFill>
-        <p:spPr>
-          <a:xfrm>
-            <a:off x="4204976" y="3905451"/>
-            <a:ext cx="1828804" cy="1188722"/>
-          </a:xfrm>
-          <a:prstGeom prst="rect">
-            <a:avLst/>
-          </a:prstGeom>
-        </p:spPr>
-      </p:pic>
-      <p:pic>
-        <p:nvPicPr>
-          <p:cNvPr id="22" name="Picture 21">
-            <a:extLst>
-              <a:ext uri="{FF2B5EF4-FFF2-40B4-BE49-F238E27FC236}">
-                <a16:creationId xmlns:a16="http://schemas.microsoft.com/office/drawing/2014/main" id="{019CC013-E6E0-4E06-87B8-2BD7F2442BA4}"/>
-              </a:ext>
-            </a:extLst>
-          </p:cNvPr>
-          <p:cNvPicPr>
-            <a:picLocks noChangeAspect="1"/>
-          </p:cNvPicPr>
-          <p:nvPr/>
-        </p:nvPicPr>
-        <p:blipFill>
-          <a:blip r:embed="rId13">
-            <a:clrChange>
-              <a:clrFrom>
-                <a:srgbClr val="FFFFFF"/>
-              </a:clrFrom>
-              <a:clrTo>
-                <a:srgbClr val="FFFFFF">
-                  <a:alpha val="0"/>
-                </a:srgbClr>
-              </a:clrTo>
-            </a:clrChange>
-          </a:blip>
-          <a:stretch>
-            <a:fillRect/>
-          </a:stretch>
-        </p:blipFill>
-        <p:spPr>
-          <a:xfrm>
-            <a:off x="6168508" y="1149159"/>
-            <a:ext cx="896605" cy="614587"/>
           </a:xfrm>
           <a:prstGeom prst="rect">
             <a:avLst/>

--- a/Figures/figure_making.pptx
+++ b/Figures/figure_making.pptx
@@ -7,6 +7,9 @@
   <p:sldIdLst>
     <p:sldId id="256" r:id="rId2"/>
     <p:sldId id="257" r:id="rId3"/>
+    <p:sldId id="258" r:id="rId4"/>
+    <p:sldId id="259" r:id="rId5"/>
+    <p:sldId id="260" r:id="rId6"/>
   </p:sldIdLst>
   <p:sldSz cx="12192000" cy="6858000"/>
   <p:notesSz cx="6858000" cy="9144000"/>
@@ -260,7 +263,7 @@
           <a:p>
             <a:fld id="{9A0015C3-2E44-486C-A5F2-7FA6CB10593F}" type="datetimeFigureOut">
               <a:rPr lang="en-US" smtClean="0"/>
-              <a:t>9/21/2021</a:t>
+              <a:t>10/21/2021</a:t>
             </a:fld>
             <a:endParaRPr lang="en-US"/>
           </a:p>
@@ -458,7 +461,7 @@
           <a:p>
             <a:fld id="{9A0015C3-2E44-486C-A5F2-7FA6CB10593F}" type="datetimeFigureOut">
               <a:rPr lang="en-US" smtClean="0"/>
-              <a:t>9/21/2021</a:t>
+              <a:t>10/21/2021</a:t>
             </a:fld>
             <a:endParaRPr lang="en-US"/>
           </a:p>
@@ -666,7 +669,7 @@
           <a:p>
             <a:fld id="{9A0015C3-2E44-486C-A5F2-7FA6CB10593F}" type="datetimeFigureOut">
               <a:rPr lang="en-US" smtClean="0"/>
-              <a:t>9/21/2021</a:t>
+              <a:t>10/21/2021</a:t>
             </a:fld>
             <a:endParaRPr lang="en-US"/>
           </a:p>
@@ -864,7 +867,7 @@
           <a:p>
             <a:fld id="{9A0015C3-2E44-486C-A5F2-7FA6CB10593F}" type="datetimeFigureOut">
               <a:rPr lang="en-US" smtClean="0"/>
-              <a:t>9/21/2021</a:t>
+              <a:t>10/21/2021</a:t>
             </a:fld>
             <a:endParaRPr lang="en-US"/>
           </a:p>
@@ -1139,7 +1142,7 @@
           <a:p>
             <a:fld id="{9A0015C3-2E44-486C-A5F2-7FA6CB10593F}" type="datetimeFigureOut">
               <a:rPr lang="en-US" smtClean="0"/>
-              <a:t>9/21/2021</a:t>
+              <a:t>10/21/2021</a:t>
             </a:fld>
             <a:endParaRPr lang="en-US"/>
           </a:p>
@@ -1404,7 +1407,7 @@
           <a:p>
             <a:fld id="{9A0015C3-2E44-486C-A5F2-7FA6CB10593F}" type="datetimeFigureOut">
               <a:rPr lang="en-US" smtClean="0"/>
-              <a:t>9/21/2021</a:t>
+              <a:t>10/21/2021</a:t>
             </a:fld>
             <a:endParaRPr lang="en-US"/>
           </a:p>
@@ -1816,7 +1819,7 @@
           <a:p>
             <a:fld id="{9A0015C3-2E44-486C-A5F2-7FA6CB10593F}" type="datetimeFigureOut">
               <a:rPr lang="en-US" smtClean="0"/>
-              <a:t>9/21/2021</a:t>
+              <a:t>10/21/2021</a:t>
             </a:fld>
             <a:endParaRPr lang="en-US"/>
           </a:p>
@@ -1957,7 +1960,7 @@
           <a:p>
             <a:fld id="{9A0015C3-2E44-486C-A5F2-7FA6CB10593F}" type="datetimeFigureOut">
               <a:rPr lang="en-US" smtClean="0"/>
-              <a:t>9/21/2021</a:t>
+              <a:t>10/21/2021</a:t>
             </a:fld>
             <a:endParaRPr lang="en-US"/>
           </a:p>
@@ -2070,7 +2073,7 @@
           <a:p>
             <a:fld id="{9A0015C3-2E44-486C-A5F2-7FA6CB10593F}" type="datetimeFigureOut">
               <a:rPr lang="en-US" smtClean="0"/>
-              <a:t>9/21/2021</a:t>
+              <a:t>10/21/2021</a:t>
             </a:fld>
             <a:endParaRPr lang="en-US"/>
           </a:p>
@@ -2381,7 +2384,7 @@
           <a:p>
             <a:fld id="{9A0015C3-2E44-486C-A5F2-7FA6CB10593F}" type="datetimeFigureOut">
               <a:rPr lang="en-US" smtClean="0"/>
-              <a:t>9/21/2021</a:t>
+              <a:t>10/21/2021</a:t>
             </a:fld>
             <a:endParaRPr lang="en-US"/>
           </a:p>
@@ -2669,7 +2672,7 @@
           <a:p>
             <a:fld id="{9A0015C3-2E44-486C-A5F2-7FA6CB10593F}" type="datetimeFigureOut">
               <a:rPr lang="en-US" smtClean="0"/>
-              <a:t>9/21/2021</a:t>
+              <a:t>10/21/2021</a:t>
             </a:fld>
             <a:endParaRPr lang="en-US"/>
           </a:p>
@@ -2910,7 +2913,7 @@
           <a:p>
             <a:fld id="{9A0015C3-2E44-486C-A5F2-7FA6CB10593F}" type="datetimeFigureOut">
               <a:rPr lang="en-US" smtClean="0"/>
-              <a:t>9/21/2021</a:t>
+              <a:t>10/21/2021</a:t>
             </a:fld>
             <a:endParaRPr lang="en-US"/>
           </a:p>
@@ -3975,6 +3978,637 @@
 </p:sld>
 </file>
 
+<file path=ppt/slides/slide3.xml><?xml version="1.0" encoding="utf-8"?>
+<p:sld xmlns:a="http://schemas.openxmlformats.org/drawingml/2006/main" xmlns:r="http://schemas.openxmlformats.org/officeDocument/2006/relationships" xmlns:p="http://schemas.openxmlformats.org/presentationml/2006/main">
+  <p:cSld>
+    <p:spTree>
+      <p:nvGrpSpPr>
+        <p:cNvPr id="1" name=""/>
+        <p:cNvGrpSpPr/>
+        <p:nvPr/>
+      </p:nvGrpSpPr>
+      <p:grpSpPr>
+        <a:xfrm>
+          <a:off x="0" y="0"/>
+          <a:ext cx="0" cy="0"/>
+          <a:chOff x="0" y="0"/>
+          <a:chExt cx="0" cy="0"/>
+        </a:xfrm>
+      </p:grpSpPr>
+      <p:pic>
+        <p:nvPicPr>
+          <p:cNvPr id="5" name="Picture 4">
+            <a:extLst>
+              <a:ext uri="{FF2B5EF4-FFF2-40B4-BE49-F238E27FC236}">
+                <a16:creationId xmlns:a16="http://schemas.microsoft.com/office/drawing/2014/main" id="{9CDE8C2A-A629-4B71-A72D-7849C66DA06E}"/>
+              </a:ext>
+            </a:extLst>
+          </p:cNvPr>
+          <p:cNvPicPr>
+            <a:picLocks noChangeAspect="1"/>
+          </p:cNvPicPr>
+          <p:nvPr/>
+        </p:nvPicPr>
+        <p:blipFill>
+          <a:blip r:embed="rId2">
+            <a:extLst>
+              <a:ext uri="{28A0092B-C50C-407E-A947-70E740481C1C}">
+                <a14:useLocalDpi xmlns:a14="http://schemas.microsoft.com/office/drawing/2010/main" val="0"/>
+              </a:ext>
+            </a:extLst>
+          </a:blip>
+          <a:stretch>
+            <a:fillRect/>
+          </a:stretch>
+        </p:blipFill>
+        <p:spPr>
+          <a:xfrm>
+            <a:off x="2621273" y="640074"/>
+            <a:ext cx="6949454" cy="5577851"/>
+          </a:xfrm>
+          <a:prstGeom prst="rect">
+            <a:avLst/>
+          </a:prstGeom>
+        </p:spPr>
+      </p:pic>
+      <p:sp>
+        <p:nvSpPr>
+          <p:cNvPr id="6" name="Freeform: Shape 5">
+            <a:extLst>
+              <a:ext uri="{FF2B5EF4-FFF2-40B4-BE49-F238E27FC236}">
+                <a16:creationId xmlns:a16="http://schemas.microsoft.com/office/drawing/2014/main" id="{0E69B681-7AB7-4B1D-AE7D-4C715C1420AE}"/>
+              </a:ext>
+            </a:extLst>
+          </p:cNvPr>
+          <p:cNvSpPr/>
+          <p:nvPr/>
+        </p:nvSpPr>
+        <p:spPr>
+          <a:xfrm>
+            <a:off x="3154680" y="1380744"/>
+            <a:ext cx="6336792" cy="3913632"/>
+          </a:xfrm>
+          <a:custGeom>
+            <a:avLst/>
+            <a:gdLst>
+              <a:gd name="connsiteX0" fmla="*/ 0 w 6336792"/>
+              <a:gd name="connsiteY0" fmla="*/ 3776472 h 3913632"/>
+              <a:gd name="connsiteX1" fmla="*/ 9144 w 6336792"/>
+              <a:gd name="connsiteY1" fmla="*/ 3913632 h 3913632"/>
+              <a:gd name="connsiteX2" fmla="*/ 6336792 w 6336792"/>
+              <a:gd name="connsiteY2" fmla="*/ 3913632 h 3913632"/>
+              <a:gd name="connsiteX3" fmla="*/ 6327648 w 6336792"/>
+              <a:gd name="connsiteY3" fmla="*/ 0 h 3913632"/>
+              <a:gd name="connsiteX4" fmla="*/ 0 w 6336792"/>
+              <a:gd name="connsiteY4" fmla="*/ 3776472 h 3913632"/>
+            </a:gdLst>
+            <a:ahLst/>
+            <a:cxnLst>
+              <a:cxn ang="0">
+                <a:pos x="connsiteX0" y="connsiteY0"/>
+              </a:cxn>
+              <a:cxn ang="0">
+                <a:pos x="connsiteX1" y="connsiteY1"/>
+              </a:cxn>
+              <a:cxn ang="0">
+                <a:pos x="connsiteX2" y="connsiteY2"/>
+              </a:cxn>
+              <a:cxn ang="0">
+                <a:pos x="connsiteX3" y="connsiteY3"/>
+              </a:cxn>
+              <a:cxn ang="0">
+                <a:pos x="connsiteX4" y="connsiteY4"/>
+              </a:cxn>
+            </a:cxnLst>
+            <a:rect l="l" t="t" r="r" b="b"/>
+            <a:pathLst>
+              <a:path w="6336792" h="3913632">
+                <a:moveTo>
+                  <a:pt x="0" y="3776472"/>
+                </a:moveTo>
+                <a:lnTo>
+                  <a:pt x="9144" y="3913632"/>
+                </a:lnTo>
+                <a:lnTo>
+                  <a:pt x="6336792" y="3913632"/>
+                </a:lnTo>
+                <a:lnTo>
+                  <a:pt x="6327648" y="0"/>
+                </a:lnTo>
+                <a:lnTo>
+                  <a:pt x="0" y="3776472"/>
+                </a:lnTo>
+                <a:close/>
+              </a:path>
+            </a:pathLst>
+          </a:custGeom>
+          <a:solidFill>
+            <a:srgbClr val="FF0000">
+              <a:alpha val="25000"/>
+            </a:srgbClr>
+          </a:solidFill>
+        </p:spPr>
+        <p:style>
+          <a:lnRef idx="2">
+            <a:schemeClr val="accent1">
+              <a:shade val="50000"/>
+            </a:schemeClr>
+          </a:lnRef>
+          <a:fillRef idx="1">
+            <a:schemeClr val="accent1"/>
+          </a:fillRef>
+          <a:effectRef idx="0">
+            <a:schemeClr val="accent1"/>
+          </a:effectRef>
+          <a:fontRef idx="minor">
+            <a:schemeClr val="lt1"/>
+          </a:fontRef>
+        </p:style>
+        <p:txBody>
+          <a:bodyPr rtlCol="0" anchor="ctr"/>
+          <a:lstStyle/>
+          <a:p>
+            <a:pPr algn="ctr"/>
+            <a:endParaRPr lang="en-US"/>
+          </a:p>
+        </p:txBody>
+      </p:sp>
+      <p:sp>
+        <p:nvSpPr>
+          <p:cNvPr id="8" name="Freeform: Shape 7">
+            <a:extLst>
+              <a:ext uri="{FF2B5EF4-FFF2-40B4-BE49-F238E27FC236}">
+                <a16:creationId xmlns:a16="http://schemas.microsoft.com/office/drawing/2014/main" id="{BE864A6F-095C-4389-9D6B-B97B6F6F8491}"/>
+              </a:ext>
+            </a:extLst>
+          </p:cNvPr>
+          <p:cNvSpPr/>
+          <p:nvPr/>
+        </p:nvSpPr>
+        <p:spPr>
+          <a:xfrm>
+            <a:off x="3158836" y="720436"/>
+            <a:ext cx="6326909" cy="4405746"/>
+          </a:xfrm>
+          <a:custGeom>
+            <a:avLst/>
+            <a:gdLst>
+              <a:gd name="connsiteX0" fmla="*/ 0 w 6326909"/>
+              <a:gd name="connsiteY0" fmla="*/ 0 h 4405746"/>
+              <a:gd name="connsiteX1" fmla="*/ 6317673 w 6326909"/>
+              <a:gd name="connsiteY1" fmla="*/ 0 h 4405746"/>
+              <a:gd name="connsiteX2" fmla="*/ 6326909 w 6326909"/>
+              <a:gd name="connsiteY2" fmla="*/ 600364 h 4405746"/>
+              <a:gd name="connsiteX3" fmla="*/ 0 w 6326909"/>
+              <a:gd name="connsiteY3" fmla="*/ 4405746 h 4405746"/>
+              <a:gd name="connsiteX4" fmla="*/ 0 w 6326909"/>
+              <a:gd name="connsiteY4" fmla="*/ 0 h 4405746"/>
+            </a:gdLst>
+            <a:ahLst/>
+            <a:cxnLst>
+              <a:cxn ang="0">
+                <a:pos x="connsiteX0" y="connsiteY0"/>
+              </a:cxn>
+              <a:cxn ang="0">
+                <a:pos x="connsiteX1" y="connsiteY1"/>
+              </a:cxn>
+              <a:cxn ang="0">
+                <a:pos x="connsiteX2" y="connsiteY2"/>
+              </a:cxn>
+              <a:cxn ang="0">
+                <a:pos x="connsiteX3" y="connsiteY3"/>
+              </a:cxn>
+              <a:cxn ang="0">
+                <a:pos x="connsiteX4" y="connsiteY4"/>
+              </a:cxn>
+            </a:cxnLst>
+            <a:rect l="l" t="t" r="r" b="b"/>
+            <a:pathLst>
+              <a:path w="6326909" h="4405746">
+                <a:moveTo>
+                  <a:pt x="0" y="0"/>
+                </a:moveTo>
+                <a:lnTo>
+                  <a:pt x="6317673" y="0"/>
+                </a:lnTo>
+                <a:lnTo>
+                  <a:pt x="6326909" y="600364"/>
+                </a:lnTo>
+                <a:lnTo>
+                  <a:pt x="0" y="4405746"/>
+                </a:lnTo>
+                <a:lnTo>
+                  <a:pt x="0" y="0"/>
+                </a:lnTo>
+                <a:close/>
+              </a:path>
+            </a:pathLst>
+          </a:custGeom>
+          <a:solidFill>
+            <a:schemeClr val="accent1">
+              <a:alpha val="25000"/>
+            </a:schemeClr>
+          </a:solidFill>
+        </p:spPr>
+        <p:style>
+          <a:lnRef idx="2">
+            <a:schemeClr val="accent1">
+              <a:shade val="50000"/>
+            </a:schemeClr>
+          </a:lnRef>
+          <a:fillRef idx="1">
+            <a:schemeClr val="accent1"/>
+          </a:fillRef>
+          <a:effectRef idx="0">
+            <a:schemeClr val="accent1"/>
+          </a:effectRef>
+          <a:fontRef idx="minor">
+            <a:schemeClr val="lt1"/>
+          </a:fontRef>
+        </p:style>
+        <p:txBody>
+          <a:bodyPr rtlCol="0" anchor="ctr"/>
+          <a:lstStyle/>
+          <a:p>
+            <a:pPr algn="ctr"/>
+            <a:endParaRPr lang="en-US"/>
+          </a:p>
+        </p:txBody>
+      </p:sp>
+    </p:spTree>
+    <p:extLst>
+      <p:ext uri="{BB962C8B-B14F-4D97-AF65-F5344CB8AC3E}">
+        <p14:creationId xmlns:p14="http://schemas.microsoft.com/office/powerpoint/2010/main" val="2494750978"/>
+      </p:ext>
+    </p:extLst>
+  </p:cSld>
+  <p:clrMapOvr>
+    <a:masterClrMapping/>
+  </p:clrMapOvr>
+</p:sld>
+</file>
+
+<file path=ppt/slides/slide4.xml><?xml version="1.0" encoding="utf-8"?>
+<p:sld xmlns:a="http://schemas.openxmlformats.org/drawingml/2006/main" xmlns:r="http://schemas.openxmlformats.org/officeDocument/2006/relationships" xmlns:p="http://schemas.openxmlformats.org/presentationml/2006/main">
+  <p:cSld>
+    <p:spTree>
+      <p:nvGrpSpPr>
+        <p:cNvPr id="1" name=""/>
+        <p:cNvGrpSpPr/>
+        <p:nvPr/>
+      </p:nvGrpSpPr>
+      <p:grpSpPr>
+        <a:xfrm>
+          <a:off x="0" y="0"/>
+          <a:ext cx="0" cy="0"/>
+          <a:chOff x="0" y="0"/>
+          <a:chExt cx="0" cy="0"/>
+        </a:xfrm>
+      </p:grpSpPr>
+      <p:pic>
+        <p:nvPicPr>
+          <p:cNvPr id="3" name="Picture 2">
+            <a:extLst>
+              <a:ext uri="{FF2B5EF4-FFF2-40B4-BE49-F238E27FC236}">
+                <a16:creationId xmlns:a16="http://schemas.microsoft.com/office/drawing/2014/main" id="{1674548D-CDC4-4B1E-955D-0800966F4CFC}"/>
+              </a:ext>
+            </a:extLst>
+          </p:cNvPr>
+          <p:cNvPicPr>
+            <a:picLocks noChangeAspect="1"/>
+          </p:cNvPicPr>
+          <p:nvPr/>
+        </p:nvPicPr>
+        <p:blipFill rotWithShape="1">
+          <a:blip r:embed="rId2">
+            <a:extLst>
+              <a:ext uri="{28A0092B-C50C-407E-A947-70E740481C1C}">
+                <a14:useLocalDpi xmlns:a14="http://schemas.microsoft.com/office/drawing/2010/main" val="0"/>
+              </a:ext>
+            </a:extLst>
+          </a:blip>
+          <a:srcRect l="61829" t="33897" r="22754" b="62625"/>
+          <a:stretch/>
+        </p:blipFill>
+        <p:spPr>
+          <a:xfrm>
+            <a:off x="6918036" y="2530764"/>
+            <a:ext cx="1071420" cy="193963"/>
+          </a:xfrm>
+          <a:prstGeom prst="rect">
+            <a:avLst/>
+          </a:prstGeom>
+        </p:spPr>
+      </p:pic>
+    </p:spTree>
+    <p:extLst>
+      <p:ext uri="{BB962C8B-B14F-4D97-AF65-F5344CB8AC3E}">
+        <p14:creationId xmlns:p14="http://schemas.microsoft.com/office/powerpoint/2010/main" val="932018249"/>
+      </p:ext>
+    </p:extLst>
+  </p:cSld>
+  <p:clrMapOvr>
+    <a:masterClrMapping/>
+  </p:clrMapOvr>
+</p:sld>
+</file>
+
+<file path=ppt/slides/slide5.xml><?xml version="1.0" encoding="utf-8"?>
+<p:sld xmlns:a="http://schemas.openxmlformats.org/drawingml/2006/main" xmlns:r="http://schemas.openxmlformats.org/officeDocument/2006/relationships" xmlns:p="http://schemas.openxmlformats.org/presentationml/2006/main">
+  <p:cSld>
+    <p:spTree>
+      <p:nvGrpSpPr>
+        <p:cNvPr id="1" name=""/>
+        <p:cNvGrpSpPr/>
+        <p:nvPr/>
+      </p:nvGrpSpPr>
+      <p:grpSpPr>
+        <a:xfrm>
+          <a:off x="0" y="0"/>
+          <a:ext cx="0" cy="0"/>
+          <a:chOff x="0" y="0"/>
+          <a:chExt cx="0" cy="0"/>
+        </a:xfrm>
+      </p:grpSpPr>
+      <p:sp>
+        <p:nvSpPr>
+          <p:cNvPr id="4" name="Freeform: Shape 3">
+            <a:extLst>
+              <a:ext uri="{FF2B5EF4-FFF2-40B4-BE49-F238E27FC236}">
+                <a16:creationId xmlns:a16="http://schemas.microsoft.com/office/drawing/2014/main" id="{33DD9314-3B6F-495A-A294-ED0DBFC08E7D}"/>
+              </a:ext>
+            </a:extLst>
+          </p:cNvPr>
+          <p:cNvSpPr/>
+          <p:nvPr/>
+        </p:nvSpPr>
+        <p:spPr>
+          <a:xfrm>
+            <a:off x="3149600" y="730250"/>
+            <a:ext cx="6337300" cy="4413250"/>
+          </a:xfrm>
+          <a:custGeom>
+            <a:avLst/>
+            <a:gdLst>
+              <a:gd name="connsiteX0" fmla="*/ 6350 w 6337300"/>
+              <a:gd name="connsiteY0" fmla="*/ 0 h 4413250"/>
+              <a:gd name="connsiteX1" fmla="*/ 6337300 w 6337300"/>
+              <a:gd name="connsiteY1" fmla="*/ 0 h 4413250"/>
+              <a:gd name="connsiteX2" fmla="*/ 6337300 w 6337300"/>
+              <a:gd name="connsiteY2" fmla="*/ 615950 h 4413250"/>
+              <a:gd name="connsiteX3" fmla="*/ 0 w 6337300"/>
+              <a:gd name="connsiteY3" fmla="*/ 4413250 h 4413250"/>
+              <a:gd name="connsiteX4" fmla="*/ 6350 w 6337300"/>
+              <a:gd name="connsiteY4" fmla="*/ 0 h 4413250"/>
+            </a:gdLst>
+            <a:ahLst/>
+            <a:cxnLst>
+              <a:cxn ang="0">
+                <a:pos x="connsiteX0" y="connsiteY0"/>
+              </a:cxn>
+              <a:cxn ang="0">
+                <a:pos x="connsiteX1" y="connsiteY1"/>
+              </a:cxn>
+              <a:cxn ang="0">
+                <a:pos x="connsiteX2" y="connsiteY2"/>
+              </a:cxn>
+              <a:cxn ang="0">
+                <a:pos x="connsiteX3" y="connsiteY3"/>
+              </a:cxn>
+              <a:cxn ang="0">
+                <a:pos x="connsiteX4" y="connsiteY4"/>
+              </a:cxn>
+            </a:cxnLst>
+            <a:rect l="l" t="t" r="r" b="b"/>
+            <a:pathLst>
+              <a:path w="6337300" h="4413250">
+                <a:moveTo>
+                  <a:pt x="6350" y="0"/>
+                </a:moveTo>
+                <a:lnTo>
+                  <a:pt x="6337300" y="0"/>
+                </a:lnTo>
+                <a:lnTo>
+                  <a:pt x="6337300" y="615950"/>
+                </a:lnTo>
+                <a:lnTo>
+                  <a:pt x="0" y="4413250"/>
+                </a:lnTo>
+                <a:cubicBezTo>
+                  <a:pt x="4233" y="2946400"/>
+                  <a:pt x="8467" y="1479550"/>
+                  <a:pt x="6350" y="0"/>
+                </a:cubicBezTo>
+                <a:close/>
+              </a:path>
+            </a:pathLst>
+          </a:custGeom>
+          <a:solidFill>
+            <a:srgbClr val="F02F00">
+              <a:alpha val="40000"/>
+            </a:srgbClr>
+          </a:solidFill>
+          <a:ln>
+            <a:solidFill>
+              <a:srgbClr val="F02F00">
+                <a:alpha val="40000"/>
+              </a:srgbClr>
+            </a:solidFill>
+          </a:ln>
+        </p:spPr>
+        <p:style>
+          <a:lnRef idx="2">
+            <a:schemeClr val="accent1">
+              <a:shade val="50000"/>
+            </a:schemeClr>
+          </a:lnRef>
+          <a:fillRef idx="1">
+            <a:schemeClr val="accent1"/>
+          </a:fillRef>
+          <a:effectRef idx="0">
+            <a:schemeClr val="accent1"/>
+          </a:effectRef>
+          <a:fontRef idx="minor">
+            <a:schemeClr val="lt1"/>
+          </a:fontRef>
+        </p:style>
+        <p:txBody>
+          <a:bodyPr rtlCol="0" anchor="ctr"/>
+          <a:lstStyle/>
+          <a:p>
+            <a:pPr algn="ctr"/>
+            <a:endParaRPr lang="en-US"/>
+          </a:p>
+        </p:txBody>
+      </p:sp>
+      <p:sp>
+        <p:nvSpPr>
+          <p:cNvPr id="7" name="Freeform: Shape 6">
+            <a:extLst>
+              <a:ext uri="{FF2B5EF4-FFF2-40B4-BE49-F238E27FC236}">
+                <a16:creationId xmlns:a16="http://schemas.microsoft.com/office/drawing/2014/main" id="{CB9878E4-FD1C-408F-BE58-30E8E450F0E6}"/>
+              </a:ext>
+            </a:extLst>
+          </p:cNvPr>
+          <p:cNvSpPr/>
+          <p:nvPr/>
+        </p:nvSpPr>
+        <p:spPr>
+          <a:xfrm>
+            <a:off x="3136900" y="1358900"/>
+            <a:ext cx="6350000" cy="3937000"/>
+          </a:xfrm>
+          <a:custGeom>
+            <a:avLst/>
+            <a:gdLst>
+              <a:gd name="connsiteX0" fmla="*/ 6350000 w 6350000"/>
+              <a:gd name="connsiteY0" fmla="*/ 0 h 3937000"/>
+              <a:gd name="connsiteX1" fmla="*/ 6350000 w 6350000"/>
+              <a:gd name="connsiteY1" fmla="*/ 3937000 h 3937000"/>
+              <a:gd name="connsiteX2" fmla="*/ 0 w 6350000"/>
+              <a:gd name="connsiteY2" fmla="*/ 3937000 h 3937000"/>
+              <a:gd name="connsiteX3" fmla="*/ 12700 w 6350000"/>
+              <a:gd name="connsiteY3" fmla="*/ 3803650 h 3937000"/>
+              <a:gd name="connsiteX4" fmla="*/ 6350000 w 6350000"/>
+              <a:gd name="connsiteY4" fmla="*/ 0 h 3937000"/>
+            </a:gdLst>
+            <a:ahLst/>
+            <a:cxnLst>
+              <a:cxn ang="0">
+                <a:pos x="connsiteX0" y="connsiteY0"/>
+              </a:cxn>
+              <a:cxn ang="0">
+                <a:pos x="connsiteX1" y="connsiteY1"/>
+              </a:cxn>
+              <a:cxn ang="0">
+                <a:pos x="connsiteX2" y="connsiteY2"/>
+              </a:cxn>
+              <a:cxn ang="0">
+                <a:pos x="connsiteX3" y="connsiteY3"/>
+              </a:cxn>
+              <a:cxn ang="0">
+                <a:pos x="connsiteX4" y="connsiteY4"/>
+              </a:cxn>
+            </a:cxnLst>
+            <a:rect l="l" t="t" r="r" b="b"/>
+            <a:pathLst>
+              <a:path w="6350000" h="3937000">
+                <a:moveTo>
+                  <a:pt x="6350000" y="0"/>
+                </a:moveTo>
+                <a:lnTo>
+                  <a:pt x="6350000" y="3937000"/>
+                </a:lnTo>
+                <a:lnTo>
+                  <a:pt x="0" y="3937000"/>
+                </a:lnTo>
+                <a:lnTo>
+                  <a:pt x="12700" y="3803650"/>
+                </a:lnTo>
+                <a:lnTo>
+                  <a:pt x="6350000" y="0"/>
+                </a:lnTo>
+                <a:close/>
+              </a:path>
+            </a:pathLst>
+          </a:custGeom>
+          <a:solidFill>
+            <a:srgbClr val="55A7BA">
+              <a:alpha val="40000"/>
+            </a:srgbClr>
+          </a:solidFill>
+          <a:ln>
+            <a:solidFill>
+              <a:srgbClr val="55A7BA">
+                <a:alpha val="40000"/>
+              </a:srgbClr>
+            </a:solidFill>
+          </a:ln>
+        </p:spPr>
+        <p:style>
+          <a:lnRef idx="2">
+            <a:schemeClr val="accent1">
+              <a:shade val="50000"/>
+            </a:schemeClr>
+          </a:lnRef>
+          <a:fillRef idx="1">
+            <a:schemeClr val="accent1"/>
+          </a:fillRef>
+          <a:effectRef idx="0">
+            <a:schemeClr val="accent1"/>
+          </a:effectRef>
+          <a:fontRef idx="minor">
+            <a:schemeClr val="lt1"/>
+          </a:fontRef>
+        </p:style>
+        <p:txBody>
+          <a:bodyPr rtlCol="0" anchor="ctr"/>
+          <a:lstStyle/>
+          <a:p>
+            <a:pPr algn="ctr"/>
+            <a:endParaRPr lang="en-US"/>
+          </a:p>
+        </p:txBody>
+      </p:sp>
+      <p:pic>
+        <p:nvPicPr>
+          <p:cNvPr id="3" name="Picture 2">
+            <a:extLst>
+              <a:ext uri="{FF2B5EF4-FFF2-40B4-BE49-F238E27FC236}">
+                <a16:creationId xmlns:a16="http://schemas.microsoft.com/office/drawing/2014/main" id="{1674548D-CDC4-4B1E-955D-0800966F4CFC}"/>
+              </a:ext>
+            </a:extLst>
+          </p:cNvPr>
+          <p:cNvPicPr>
+            <a:picLocks noChangeAspect="1"/>
+          </p:cNvPicPr>
+          <p:nvPr/>
+        </p:nvPicPr>
+        <p:blipFill>
+          <a:blip r:embed="rId2">
+            <a:clrChange>
+              <a:clrFrom>
+                <a:srgbClr val="FFFFFF"/>
+              </a:clrFrom>
+              <a:clrTo>
+                <a:srgbClr val="FFFFFF">
+                  <a:alpha val="0"/>
+                </a:srgbClr>
+              </a:clrTo>
+            </a:clrChange>
+            <a:extLst>
+              <a:ext uri="{28A0092B-C50C-407E-A947-70E740481C1C}">
+                <a14:useLocalDpi xmlns:a14="http://schemas.microsoft.com/office/drawing/2010/main" val="0"/>
+              </a:ext>
+            </a:extLst>
+          </a:blip>
+          <a:stretch>
+            <a:fillRect/>
+          </a:stretch>
+        </p:blipFill>
+        <p:spPr>
+          <a:xfrm>
+            <a:off x="2621273" y="640074"/>
+            <a:ext cx="6949454" cy="5577851"/>
+          </a:xfrm>
+          <a:prstGeom prst="rect">
+            <a:avLst/>
+          </a:prstGeom>
+        </p:spPr>
+      </p:pic>
+    </p:spTree>
+    <p:extLst>
+      <p:ext uri="{BB962C8B-B14F-4D97-AF65-F5344CB8AC3E}">
+        <p14:creationId xmlns:p14="http://schemas.microsoft.com/office/powerpoint/2010/main" val="1134530135"/>
+      </p:ext>
+    </p:extLst>
+  </p:cSld>
+  <p:clrMapOvr>
+    <a:masterClrMapping/>
+  </p:clrMapOvr>
+</p:sld>
+</file>
+
 <file path=ppt/theme/theme1.xml><?xml version="1.0" encoding="utf-8"?>
 <a:theme xmlns:a="http://schemas.openxmlformats.org/drawingml/2006/main" name="Office Theme">
   <a:themeElements>

--- a/Figures/figure_making.pptx
+++ b/Figures/figure_making.pptx
@@ -2,7 +2,7 @@
 <file path=ppt/presentation.xml><?xml version="1.0" encoding="utf-8"?>
 <p:presentation xmlns:a="http://schemas.openxmlformats.org/drawingml/2006/main" xmlns:r="http://schemas.openxmlformats.org/officeDocument/2006/relationships" xmlns:p="http://schemas.openxmlformats.org/presentationml/2006/main" saveSubsetFonts="1">
   <p:sldMasterIdLst>
-    <p:sldMasterId id="2147483648" r:id="rId1"/>
+    <p:sldMasterId id="2147483660" r:id="rId1"/>
   </p:sldMasterIdLst>
   <p:sldIdLst>
     <p:sldId id="256" r:id="rId2"/>
@@ -11,13 +11,13 @@
     <p:sldId id="259" r:id="rId5"/>
     <p:sldId id="260" r:id="rId6"/>
   </p:sldIdLst>
-  <p:sldSz cx="12192000" cy="6858000"/>
+  <p:sldSz cx="9153525" cy="5943600"/>
   <p:notesSz cx="6858000" cy="9144000"/>
   <p:defaultTextStyle>
     <a:defPPr>
       <a:defRPr lang="en-US"/>
     </a:defPPr>
-    <a:lvl1pPr marL="0" algn="l" defTabSz="914400" rtl="0" eaLnBrk="1" latinLnBrk="0" hangingPunct="1">
+    <a:lvl1pPr marL="0" algn="l" defTabSz="457200" rtl="0" eaLnBrk="1" latinLnBrk="0" hangingPunct="1">
       <a:defRPr sz="1800" kern="1200">
         <a:solidFill>
           <a:schemeClr val="tx1"/>
@@ -27,7 +27,7 @@
         <a:cs typeface="+mn-cs"/>
       </a:defRPr>
     </a:lvl1pPr>
-    <a:lvl2pPr marL="457200" algn="l" defTabSz="914400" rtl="0" eaLnBrk="1" latinLnBrk="0" hangingPunct="1">
+    <a:lvl2pPr marL="457200" algn="l" defTabSz="457200" rtl="0" eaLnBrk="1" latinLnBrk="0" hangingPunct="1">
       <a:defRPr sz="1800" kern="1200">
         <a:solidFill>
           <a:schemeClr val="tx1"/>
@@ -37,7 +37,7 @@
         <a:cs typeface="+mn-cs"/>
       </a:defRPr>
     </a:lvl2pPr>
-    <a:lvl3pPr marL="914400" algn="l" defTabSz="914400" rtl="0" eaLnBrk="1" latinLnBrk="0" hangingPunct="1">
+    <a:lvl3pPr marL="914400" algn="l" defTabSz="457200" rtl="0" eaLnBrk="1" latinLnBrk="0" hangingPunct="1">
       <a:defRPr sz="1800" kern="1200">
         <a:solidFill>
           <a:schemeClr val="tx1"/>
@@ -47,7 +47,7 @@
         <a:cs typeface="+mn-cs"/>
       </a:defRPr>
     </a:lvl3pPr>
-    <a:lvl4pPr marL="1371600" algn="l" defTabSz="914400" rtl="0" eaLnBrk="1" latinLnBrk="0" hangingPunct="1">
+    <a:lvl4pPr marL="1371600" algn="l" defTabSz="457200" rtl="0" eaLnBrk="1" latinLnBrk="0" hangingPunct="1">
       <a:defRPr sz="1800" kern="1200">
         <a:solidFill>
           <a:schemeClr val="tx1"/>
@@ -57,7 +57,7 @@
         <a:cs typeface="+mn-cs"/>
       </a:defRPr>
     </a:lvl4pPr>
-    <a:lvl5pPr marL="1828800" algn="l" defTabSz="914400" rtl="0" eaLnBrk="1" latinLnBrk="0" hangingPunct="1">
+    <a:lvl5pPr marL="1828800" algn="l" defTabSz="457200" rtl="0" eaLnBrk="1" latinLnBrk="0" hangingPunct="1">
       <a:defRPr sz="1800" kern="1200">
         <a:solidFill>
           <a:schemeClr val="tx1"/>
@@ -67,7 +67,7 @@
         <a:cs typeface="+mn-cs"/>
       </a:defRPr>
     </a:lvl5pPr>
-    <a:lvl6pPr marL="2286000" algn="l" defTabSz="914400" rtl="0" eaLnBrk="1" latinLnBrk="0" hangingPunct="1">
+    <a:lvl6pPr marL="2286000" algn="l" defTabSz="457200" rtl="0" eaLnBrk="1" latinLnBrk="0" hangingPunct="1">
       <a:defRPr sz="1800" kern="1200">
         <a:solidFill>
           <a:schemeClr val="tx1"/>
@@ -77,7 +77,7 @@
         <a:cs typeface="+mn-cs"/>
       </a:defRPr>
     </a:lvl6pPr>
-    <a:lvl7pPr marL="2743200" algn="l" defTabSz="914400" rtl="0" eaLnBrk="1" latinLnBrk="0" hangingPunct="1">
+    <a:lvl7pPr marL="2743200" algn="l" defTabSz="457200" rtl="0" eaLnBrk="1" latinLnBrk="0" hangingPunct="1">
       <a:defRPr sz="1800" kern="1200">
         <a:solidFill>
           <a:schemeClr val="tx1"/>
@@ -87,7 +87,7 @@
         <a:cs typeface="+mn-cs"/>
       </a:defRPr>
     </a:lvl7pPr>
-    <a:lvl8pPr marL="3200400" algn="l" defTabSz="914400" rtl="0" eaLnBrk="1" latinLnBrk="0" hangingPunct="1">
+    <a:lvl8pPr marL="3200400" algn="l" defTabSz="457200" rtl="0" eaLnBrk="1" latinLnBrk="0" hangingPunct="1">
       <a:defRPr sz="1800" kern="1200">
         <a:solidFill>
           <a:schemeClr val="tx1"/>
@@ -97,7 +97,7 @@
         <a:cs typeface="+mn-cs"/>
       </a:defRPr>
     </a:lvl8pPr>
-    <a:lvl9pPr marL="3657600" algn="l" defTabSz="914400" rtl="0" eaLnBrk="1" latinLnBrk="0" hangingPunct="1">
+    <a:lvl9pPr marL="3657600" algn="l" defTabSz="457200" rtl="0" eaLnBrk="1" latinLnBrk="0" hangingPunct="1">
       <a:defRPr sz="1800" kern="1200">
         <a:solidFill>
           <a:schemeClr val="tx1"/>
@@ -135,13 +135,7 @@
       </p:grpSpPr>
       <p:sp>
         <p:nvSpPr>
-          <p:cNvPr id="2" name="Title 1">
-            <a:extLst>
-              <a:ext uri="{FF2B5EF4-FFF2-40B4-BE49-F238E27FC236}">
-                <a16:creationId xmlns:a16="http://schemas.microsoft.com/office/drawing/2014/main" id="{CB05B89E-EE92-45B2-92E1-48ABFA1A0E44}"/>
-              </a:ext>
-            </a:extLst>
-          </p:cNvPr>
+          <p:cNvPr id="2" name="Title 1"/>
           <p:cNvSpPr>
             <a:spLocks noGrp="1"/>
           </p:cNvSpPr>
@@ -151,15 +145,15 @@
         </p:nvSpPr>
         <p:spPr>
           <a:xfrm>
-            <a:off x="1524000" y="1122363"/>
-            <a:ext cx="9144000" cy="2387600"/>
+            <a:off x="686515" y="972715"/>
+            <a:ext cx="7780496" cy="2069253"/>
           </a:xfrm>
         </p:spPr>
         <p:txBody>
           <a:bodyPr anchor="b"/>
           <a:lstStyle>
             <a:lvl1pPr algn="ctr">
-              <a:defRPr sz="6000"/>
+              <a:defRPr sz="5200"/>
             </a:lvl1pPr>
           </a:lstStyle>
           <a:p>
@@ -167,18 +161,13 @@
               <a:rPr lang="en-US"/>
               <a:t>Click to edit Master title style</a:t>
             </a:r>
-          </a:p>
-        </p:txBody>
-      </p:sp>
-      <p:sp>
-        <p:nvSpPr>
-          <p:cNvPr id="3" name="Subtitle 2">
-            <a:extLst>
-              <a:ext uri="{FF2B5EF4-FFF2-40B4-BE49-F238E27FC236}">
-                <a16:creationId xmlns:a16="http://schemas.microsoft.com/office/drawing/2014/main" id="{CAE59463-6DC2-401A-AC43-7FA10D563EB5}"/>
-              </a:ext>
-            </a:extLst>
-          </p:cNvPr>
+            <a:endParaRPr lang="en-US" dirty="0"/>
+          </a:p>
+        </p:txBody>
+      </p:sp>
+      <p:sp>
+        <p:nvSpPr>
+          <p:cNvPr id="3" name="Subtitle 2"/>
           <p:cNvSpPr>
             <a:spLocks noGrp="1"/>
           </p:cNvSpPr>
@@ -188,8 +177,8 @@
         </p:nvSpPr>
         <p:spPr>
           <a:xfrm>
-            <a:off x="1524000" y="3602038"/>
-            <a:ext cx="9144000" cy="1655762"/>
+            <a:off x="1144191" y="3121766"/>
+            <a:ext cx="6865144" cy="1434994"/>
           </a:xfrm>
         </p:spPr>
         <p:txBody>
@@ -197,39 +186,39 @@
           <a:lstStyle>
             <a:lvl1pPr marL="0" indent="0" algn="ctr">
               <a:buNone/>
-              <a:defRPr sz="2400"/>
+              <a:defRPr sz="2080"/>
             </a:lvl1pPr>
-            <a:lvl2pPr marL="457200" indent="0" algn="ctr">
-              <a:buNone/>
-              <a:defRPr sz="2000"/>
+            <a:lvl2pPr marL="396255" indent="0" algn="ctr">
+              <a:buNone/>
+              <a:defRPr sz="1733"/>
             </a:lvl2pPr>
-            <a:lvl3pPr marL="914400" indent="0" algn="ctr">
-              <a:buNone/>
-              <a:defRPr sz="1800"/>
+            <a:lvl3pPr marL="792510" indent="0" algn="ctr">
+              <a:buNone/>
+              <a:defRPr sz="1560"/>
             </a:lvl3pPr>
-            <a:lvl4pPr marL="1371600" indent="0" algn="ctr">
-              <a:buNone/>
-              <a:defRPr sz="1600"/>
+            <a:lvl4pPr marL="1188766" indent="0" algn="ctr">
+              <a:buNone/>
+              <a:defRPr sz="1387"/>
             </a:lvl4pPr>
-            <a:lvl5pPr marL="1828800" indent="0" algn="ctr">
-              <a:buNone/>
-              <a:defRPr sz="1600"/>
+            <a:lvl5pPr marL="1585021" indent="0" algn="ctr">
+              <a:buNone/>
+              <a:defRPr sz="1387"/>
             </a:lvl5pPr>
-            <a:lvl6pPr marL="2286000" indent="0" algn="ctr">
-              <a:buNone/>
-              <a:defRPr sz="1600"/>
+            <a:lvl6pPr marL="1981276" indent="0" algn="ctr">
+              <a:buNone/>
+              <a:defRPr sz="1387"/>
             </a:lvl6pPr>
-            <a:lvl7pPr marL="2743200" indent="0" algn="ctr">
-              <a:buNone/>
-              <a:defRPr sz="1600"/>
+            <a:lvl7pPr marL="2377531" indent="0" algn="ctr">
+              <a:buNone/>
+              <a:defRPr sz="1387"/>
             </a:lvl7pPr>
-            <a:lvl8pPr marL="3200400" indent="0" algn="ctr">
-              <a:buNone/>
-              <a:defRPr sz="1600"/>
+            <a:lvl8pPr marL="2773787" indent="0" algn="ctr">
+              <a:buNone/>
+              <a:defRPr sz="1387"/>
             </a:lvl8pPr>
-            <a:lvl9pPr marL="3657600" indent="0" algn="ctr">
-              <a:buNone/>
-              <a:defRPr sz="1600"/>
+            <a:lvl9pPr marL="3170042" indent="0" algn="ctr">
+              <a:buNone/>
+              <a:defRPr sz="1387"/>
             </a:lvl9pPr>
           </a:lstStyle>
           <a:p>
@@ -237,18 +226,13 @@
               <a:rPr lang="en-US"/>
               <a:t>Click to edit Master subtitle style</a:t>
             </a:r>
-          </a:p>
-        </p:txBody>
-      </p:sp>
-      <p:sp>
-        <p:nvSpPr>
-          <p:cNvPr id="4" name="Date Placeholder 3">
-            <a:extLst>
-              <a:ext uri="{FF2B5EF4-FFF2-40B4-BE49-F238E27FC236}">
-                <a16:creationId xmlns:a16="http://schemas.microsoft.com/office/drawing/2014/main" id="{F186A4FC-6650-49CC-815D-8F135C5D3C01}"/>
-              </a:ext>
-            </a:extLst>
-          </p:cNvPr>
+            <a:endParaRPr lang="en-US" dirty="0"/>
+          </a:p>
+        </p:txBody>
+      </p:sp>
+      <p:sp>
+        <p:nvSpPr>
+          <p:cNvPr id="4" name="Date Placeholder 3"/>
           <p:cNvSpPr>
             <a:spLocks noGrp="1"/>
           </p:cNvSpPr>
@@ -263,7 +247,7 @@
           <a:p>
             <a:fld id="{9A0015C3-2E44-486C-A5F2-7FA6CB10593F}" type="datetimeFigureOut">
               <a:rPr lang="en-US" smtClean="0"/>
-              <a:t>10/21/2021</a:t>
+              <a:t>10/27/2021</a:t>
             </a:fld>
             <a:endParaRPr lang="en-US"/>
           </a:p>
@@ -271,13 +255,7 @@
       </p:sp>
       <p:sp>
         <p:nvSpPr>
-          <p:cNvPr id="5" name="Footer Placeholder 4">
-            <a:extLst>
-              <a:ext uri="{FF2B5EF4-FFF2-40B4-BE49-F238E27FC236}">
-                <a16:creationId xmlns:a16="http://schemas.microsoft.com/office/drawing/2014/main" id="{6FC8EA38-498D-4A0C-9886-AE2DDA5E42FF}"/>
-              </a:ext>
-            </a:extLst>
-          </p:cNvPr>
+          <p:cNvPr id="5" name="Footer Placeholder 4"/>
           <p:cNvSpPr>
             <a:spLocks noGrp="1"/>
           </p:cNvSpPr>
@@ -296,13 +274,7 @@
       </p:sp>
       <p:sp>
         <p:nvSpPr>
-          <p:cNvPr id="6" name="Slide Number Placeholder 5">
-            <a:extLst>
-              <a:ext uri="{FF2B5EF4-FFF2-40B4-BE49-F238E27FC236}">
-                <a16:creationId xmlns:a16="http://schemas.microsoft.com/office/drawing/2014/main" id="{1A0443C9-6D12-4CEB-A526-4F7EB7DD62CE}"/>
-              </a:ext>
-            </a:extLst>
-          </p:cNvPr>
+          <p:cNvPr id="6" name="Slide Number Placeholder 5"/>
           <p:cNvSpPr>
             <a:spLocks noGrp="1"/>
           </p:cNvSpPr>
@@ -326,7 +298,7 @@
     </p:spTree>
     <p:extLst>
       <p:ext uri="{BB962C8B-B14F-4D97-AF65-F5344CB8AC3E}">
-        <p14:creationId xmlns:p14="http://schemas.microsoft.com/office/powerpoint/2010/main" val="54196202"/>
+        <p14:creationId xmlns:p14="http://schemas.microsoft.com/office/powerpoint/2010/main" val="3076719449"/>
       </p:ext>
     </p:extLst>
   </p:cSld>
@@ -355,13 +327,7 @@
       </p:grpSpPr>
       <p:sp>
         <p:nvSpPr>
-          <p:cNvPr id="2" name="Title 1">
-            <a:extLst>
-              <a:ext uri="{FF2B5EF4-FFF2-40B4-BE49-F238E27FC236}">
-                <a16:creationId xmlns:a16="http://schemas.microsoft.com/office/drawing/2014/main" id="{0AB178A1-814B-4BFA-B853-78820463920B}"/>
-              </a:ext>
-            </a:extLst>
-          </p:cNvPr>
+          <p:cNvPr id="2" name="Title 1"/>
           <p:cNvSpPr>
             <a:spLocks noGrp="1"/>
           </p:cNvSpPr>
@@ -378,18 +344,13 @@
               <a:rPr lang="en-US"/>
               <a:t>Click to edit Master title style</a:t>
             </a:r>
-          </a:p>
-        </p:txBody>
-      </p:sp>
-      <p:sp>
-        <p:nvSpPr>
-          <p:cNvPr id="3" name="Vertical Text Placeholder 2">
-            <a:extLst>
-              <a:ext uri="{FF2B5EF4-FFF2-40B4-BE49-F238E27FC236}">
-                <a16:creationId xmlns:a16="http://schemas.microsoft.com/office/drawing/2014/main" id="{82EBAA9E-C29D-4B99-BFB8-8446378844E7}"/>
-              </a:ext>
-            </a:extLst>
-          </p:cNvPr>
+            <a:endParaRPr lang="en-US" dirty="0"/>
+          </a:p>
+        </p:txBody>
+      </p:sp>
+      <p:sp>
+        <p:nvSpPr>
+          <p:cNvPr id="3" name="Vertical Text Placeholder 2"/>
           <p:cNvSpPr>
             <a:spLocks noGrp="1"/>
           </p:cNvSpPr>
@@ -435,18 +396,13 @@
               <a:rPr lang="en-US"/>
               <a:t>Fifth level</a:t>
             </a:r>
-          </a:p>
-        </p:txBody>
-      </p:sp>
-      <p:sp>
-        <p:nvSpPr>
-          <p:cNvPr id="4" name="Date Placeholder 3">
-            <a:extLst>
-              <a:ext uri="{FF2B5EF4-FFF2-40B4-BE49-F238E27FC236}">
-                <a16:creationId xmlns:a16="http://schemas.microsoft.com/office/drawing/2014/main" id="{A1829FA1-D8B1-40C9-974E-F734D946CAD8}"/>
-              </a:ext>
-            </a:extLst>
-          </p:cNvPr>
+            <a:endParaRPr lang="en-US" dirty="0"/>
+          </a:p>
+        </p:txBody>
+      </p:sp>
+      <p:sp>
+        <p:nvSpPr>
+          <p:cNvPr id="4" name="Date Placeholder 3"/>
           <p:cNvSpPr>
             <a:spLocks noGrp="1"/>
           </p:cNvSpPr>
@@ -461,7 +417,7 @@
           <a:p>
             <a:fld id="{9A0015C3-2E44-486C-A5F2-7FA6CB10593F}" type="datetimeFigureOut">
               <a:rPr lang="en-US" smtClean="0"/>
-              <a:t>10/21/2021</a:t>
+              <a:t>10/27/2021</a:t>
             </a:fld>
             <a:endParaRPr lang="en-US"/>
           </a:p>
@@ -469,13 +425,7 @@
       </p:sp>
       <p:sp>
         <p:nvSpPr>
-          <p:cNvPr id="5" name="Footer Placeholder 4">
-            <a:extLst>
-              <a:ext uri="{FF2B5EF4-FFF2-40B4-BE49-F238E27FC236}">
-                <a16:creationId xmlns:a16="http://schemas.microsoft.com/office/drawing/2014/main" id="{5CD49BCC-B61B-4B40-B7A5-E20C32369561}"/>
-              </a:ext>
-            </a:extLst>
-          </p:cNvPr>
+          <p:cNvPr id="5" name="Footer Placeholder 4"/>
           <p:cNvSpPr>
             <a:spLocks noGrp="1"/>
           </p:cNvSpPr>
@@ -494,13 +444,7 @@
       </p:sp>
       <p:sp>
         <p:nvSpPr>
-          <p:cNvPr id="6" name="Slide Number Placeholder 5">
-            <a:extLst>
-              <a:ext uri="{FF2B5EF4-FFF2-40B4-BE49-F238E27FC236}">
-                <a16:creationId xmlns:a16="http://schemas.microsoft.com/office/drawing/2014/main" id="{6E40C9EA-F264-4674-9A00-296639F4E0E3}"/>
-              </a:ext>
-            </a:extLst>
-          </p:cNvPr>
+          <p:cNvPr id="6" name="Slide Number Placeholder 5"/>
           <p:cNvSpPr>
             <a:spLocks noGrp="1"/>
           </p:cNvSpPr>
@@ -524,7 +468,7 @@
     </p:spTree>
     <p:extLst>
       <p:ext uri="{BB962C8B-B14F-4D97-AF65-F5344CB8AC3E}">
-        <p14:creationId xmlns:p14="http://schemas.microsoft.com/office/powerpoint/2010/main" val="1328608403"/>
+        <p14:creationId xmlns:p14="http://schemas.microsoft.com/office/powerpoint/2010/main" val="1538228981"/>
       </p:ext>
     </p:extLst>
   </p:cSld>
@@ -553,13 +497,7 @@
       </p:grpSpPr>
       <p:sp>
         <p:nvSpPr>
-          <p:cNvPr id="2" name="Vertical Title 1">
-            <a:extLst>
-              <a:ext uri="{FF2B5EF4-FFF2-40B4-BE49-F238E27FC236}">
-                <a16:creationId xmlns:a16="http://schemas.microsoft.com/office/drawing/2014/main" id="{D094423B-F29F-49B6-B424-94C2FB3FAD16}"/>
-              </a:ext>
-            </a:extLst>
-          </p:cNvPr>
+          <p:cNvPr id="2" name="Vertical Title 1"/>
           <p:cNvSpPr>
             <a:spLocks noGrp="1"/>
           </p:cNvSpPr>
@@ -569,8 +507,8 @@
         </p:nvSpPr>
         <p:spPr>
           <a:xfrm>
-            <a:off x="8724900" y="365125"/>
-            <a:ext cx="2628900" cy="5811838"/>
+            <a:off x="6550492" y="316442"/>
+            <a:ext cx="1973729" cy="5036926"/>
           </a:xfrm>
         </p:spPr>
         <p:txBody>
@@ -581,18 +519,13 @@
               <a:rPr lang="en-US"/>
               <a:t>Click to edit Master title style</a:t>
             </a:r>
-          </a:p>
-        </p:txBody>
-      </p:sp>
-      <p:sp>
-        <p:nvSpPr>
-          <p:cNvPr id="3" name="Vertical Text Placeholder 2">
-            <a:extLst>
-              <a:ext uri="{FF2B5EF4-FFF2-40B4-BE49-F238E27FC236}">
-                <a16:creationId xmlns:a16="http://schemas.microsoft.com/office/drawing/2014/main" id="{B1FA48E1-AD36-4B49-93D7-5C1888DF9B39}"/>
-              </a:ext>
-            </a:extLst>
-          </p:cNvPr>
+            <a:endParaRPr lang="en-US" dirty="0"/>
+          </a:p>
+        </p:txBody>
+      </p:sp>
+      <p:sp>
+        <p:nvSpPr>
+          <p:cNvPr id="3" name="Vertical Text Placeholder 2"/>
           <p:cNvSpPr>
             <a:spLocks noGrp="1"/>
           </p:cNvSpPr>
@@ -602,8 +535,8 @@
         </p:nvSpPr>
         <p:spPr>
           <a:xfrm>
-            <a:off x="838200" y="365125"/>
-            <a:ext cx="7734300" cy="5811838"/>
+            <a:off x="629306" y="316442"/>
+            <a:ext cx="5806767" cy="5036926"/>
           </a:xfrm>
         </p:spPr>
         <p:txBody>
@@ -643,18 +576,13 @@
               <a:rPr lang="en-US"/>
               <a:t>Fifth level</a:t>
             </a:r>
-          </a:p>
-        </p:txBody>
-      </p:sp>
-      <p:sp>
-        <p:nvSpPr>
-          <p:cNvPr id="4" name="Date Placeholder 3">
-            <a:extLst>
-              <a:ext uri="{FF2B5EF4-FFF2-40B4-BE49-F238E27FC236}">
-                <a16:creationId xmlns:a16="http://schemas.microsoft.com/office/drawing/2014/main" id="{182E8E5A-9AC9-4383-A90B-81C4627FC09D}"/>
-              </a:ext>
-            </a:extLst>
-          </p:cNvPr>
+            <a:endParaRPr lang="en-US" dirty="0"/>
+          </a:p>
+        </p:txBody>
+      </p:sp>
+      <p:sp>
+        <p:nvSpPr>
+          <p:cNvPr id="4" name="Date Placeholder 3"/>
           <p:cNvSpPr>
             <a:spLocks noGrp="1"/>
           </p:cNvSpPr>
@@ -669,7 +597,7 @@
           <a:p>
             <a:fld id="{9A0015C3-2E44-486C-A5F2-7FA6CB10593F}" type="datetimeFigureOut">
               <a:rPr lang="en-US" smtClean="0"/>
-              <a:t>10/21/2021</a:t>
+              <a:t>10/27/2021</a:t>
             </a:fld>
             <a:endParaRPr lang="en-US"/>
           </a:p>
@@ -677,13 +605,7 @@
       </p:sp>
       <p:sp>
         <p:nvSpPr>
-          <p:cNvPr id="5" name="Footer Placeholder 4">
-            <a:extLst>
-              <a:ext uri="{FF2B5EF4-FFF2-40B4-BE49-F238E27FC236}">
-                <a16:creationId xmlns:a16="http://schemas.microsoft.com/office/drawing/2014/main" id="{43EC6DEC-3E86-47B5-8077-7F0A6C321E46}"/>
-              </a:ext>
-            </a:extLst>
-          </p:cNvPr>
+          <p:cNvPr id="5" name="Footer Placeholder 4"/>
           <p:cNvSpPr>
             <a:spLocks noGrp="1"/>
           </p:cNvSpPr>
@@ -702,13 +624,7 @@
       </p:sp>
       <p:sp>
         <p:nvSpPr>
-          <p:cNvPr id="6" name="Slide Number Placeholder 5">
-            <a:extLst>
-              <a:ext uri="{FF2B5EF4-FFF2-40B4-BE49-F238E27FC236}">
-                <a16:creationId xmlns:a16="http://schemas.microsoft.com/office/drawing/2014/main" id="{90AFD05D-AC71-4ADD-9F53-C2D80EA5E48A}"/>
-              </a:ext>
-            </a:extLst>
-          </p:cNvPr>
+          <p:cNvPr id="6" name="Slide Number Placeholder 5"/>
           <p:cNvSpPr>
             <a:spLocks noGrp="1"/>
           </p:cNvSpPr>
@@ -732,7 +648,7 @@
     </p:spTree>
     <p:extLst>
       <p:ext uri="{BB962C8B-B14F-4D97-AF65-F5344CB8AC3E}">
-        <p14:creationId xmlns:p14="http://schemas.microsoft.com/office/powerpoint/2010/main" val="1642957348"/>
+        <p14:creationId xmlns:p14="http://schemas.microsoft.com/office/powerpoint/2010/main" val="4141679373"/>
       </p:ext>
     </p:extLst>
   </p:cSld>
@@ -761,13 +677,7 @@
       </p:grpSpPr>
       <p:sp>
         <p:nvSpPr>
-          <p:cNvPr id="2" name="Title 1">
-            <a:extLst>
-              <a:ext uri="{FF2B5EF4-FFF2-40B4-BE49-F238E27FC236}">
-                <a16:creationId xmlns:a16="http://schemas.microsoft.com/office/drawing/2014/main" id="{D926330A-2A5D-4807-BB6F-59221717FEEC}"/>
-              </a:ext>
-            </a:extLst>
-          </p:cNvPr>
+          <p:cNvPr id="2" name="Title 1"/>
           <p:cNvSpPr>
             <a:spLocks noGrp="1"/>
           </p:cNvSpPr>
@@ -784,18 +694,13 @@
               <a:rPr lang="en-US"/>
               <a:t>Click to edit Master title style</a:t>
             </a:r>
-          </a:p>
-        </p:txBody>
-      </p:sp>
-      <p:sp>
-        <p:nvSpPr>
-          <p:cNvPr id="3" name="Content Placeholder 2">
-            <a:extLst>
-              <a:ext uri="{FF2B5EF4-FFF2-40B4-BE49-F238E27FC236}">
-                <a16:creationId xmlns:a16="http://schemas.microsoft.com/office/drawing/2014/main" id="{5A3A7997-F93F-4DA8-85E7-60110E6B6642}"/>
-              </a:ext>
-            </a:extLst>
-          </p:cNvPr>
+            <a:endParaRPr lang="en-US" dirty="0"/>
+          </a:p>
+        </p:txBody>
+      </p:sp>
+      <p:sp>
+        <p:nvSpPr>
+          <p:cNvPr id="3" name="Content Placeholder 2"/>
           <p:cNvSpPr>
             <a:spLocks noGrp="1"/>
           </p:cNvSpPr>
@@ -841,18 +746,13 @@
               <a:rPr lang="en-US"/>
               <a:t>Fifth level</a:t>
             </a:r>
-          </a:p>
-        </p:txBody>
-      </p:sp>
-      <p:sp>
-        <p:nvSpPr>
-          <p:cNvPr id="4" name="Date Placeholder 3">
-            <a:extLst>
-              <a:ext uri="{FF2B5EF4-FFF2-40B4-BE49-F238E27FC236}">
-                <a16:creationId xmlns:a16="http://schemas.microsoft.com/office/drawing/2014/main" id="{7B05FB88-5A28-4E43-A86D-2E92F55E8923}"/>
-              </a:ext>
-            </a:extLst>
-          </p:cNvPr>
+            <a:endParaRPr lang="en-US" dirty="0"/>
+          </a:p>
+        </p:txBody>
+      </p:sp>
+      <p:sp>
+        <p:nvSpPr>
+          <p:cNvPr id="4" name="Date Placeholder 3"/>
           <p:cNvSpPr>
             <a:spLocks noGrp="1"/>
           </p:cNvSpPr>
@@ -867,7 +767,7 @@
           <a:p>
             <a:fld id="{9A0015C3-2E44-486C-A5F2-7FA6CB10593F}" type="datetimeFigureOut">
               <a:rPr lang="en-US" smtClean="0"/>
-              <a:t>10/21/2021</a:t>
+              <a:t>10/27/2021</a:t>
             </a:fld>
             <a:endParaRPr lang="en-US"/>
           </a:p>
@@ -875,13 +775,7 @@
       </p:sp>
       <p:sp>
         <p:nvSpPr>
-          <p:cNvPr id="5" name="Footer Placeholder 4">
-            <a:extLst>
-              <a:ext uri="{FF2B5EF4-FFF2-40B4-BE49-F238E27FC236}">
-                <a16:creationId xmlns:a16="http://schemas.microsoft.com/office/drawing/2014/main" id="{B25FBC88-D53A-41A8-AB37-BF60AA7D9957}"/>
-              </a:ext>
-            </a:extLst>
-          </p:cNvPr>
+          <p:cNvPr id="5" name="Footer Placeholder 4"/>
           <p:cNvSpPr>
             <a:spLocks noGrp="1"/>
           </p:cNvSpPr>
@@ -900,13 +794,7 @@
       </p:sp>
       <p:sp>
         <p:nvSpPr>
-          <p:cNvPr id="6" name="Slide Number Placeholder 5">
-            <a:extLst>
-              <a:ext uri="{FF2B5EF4-FFF2-40B4-BE49-F238E27FC236}">
-                <a16:creationId xmlns:a16="http://schemas.microsoft.com/office/drawing/2014/main" id="{6E6CB346-4DB5-403C-8D68-7F81CCCFFDA0}"/>
-              </a:ext>
-            </a:extLst>
-          </p:cNvPr>
+          <p:cNvPr id="6" name="Slide Number Placeholder 5"/>
           <p:cNvSpPr>
             <a:spLocks noGrp="1"/>
           </p:cNvSpPr>
@@ -930,7 +818,7 @@
     </p:spTree>
     <p:extLst>
       <p:ext uri="{BB962C8B-B14F-4D97-AF65-F5344CB8AC3E}">
-        <p14:creationId xmlns:p14="http://schemas.microsoft.com/office/powerpoint/2010/main" val="154050779"/>
+        <p14:creationId xmlns:p14="http://schemas.microsoft.com/office/powerpoint/2010/main" val="1769398779"/>
       </p:ext>
     </p:extLst>
   </p:cSld>
@@ -959,13 +847,7 @@
       </p:grpSpPr>
       <p:sp>
         <p:nvSpPr>
-          <p:cNvPr id="2" name="Title 1">
-            <a:extLst>
-              <a:ext uri="{FF2B5EF4-FFF2-40B4-BE49-F238E27FC236}">
-                <a16:creationId xmlns:a16="http://schemas.microsoft.com/office/drawing/2014/main" id="{2F46565F-FABA-4993-A316-B47B00BC001A}"/>
-              </a:ext>
-            </a:extLst>
-          </p:cNvPr>
+          <p:cNvPr id="2" name="Title 1"/>
           <p:cNvSpPr>
             <a:spLocks noGrp="1"/>
           </p:cNvSpPr>
@@ -975,15 +857,15 @@
         </p:nvSpPr>
         <p:spPr>
           <a:xfrm>
-            <a:off x="831850" y="1709738"/>
-            <a:ext cx="10515600" cy="2852737"/>
+            <a:off x="624538" y="1481774"/>
+            <a:ext cx="7894915" cy="2472372"/>
           </a:xfrm>
         </p:spPr>
         <p:txBody>
           <a:bodyPr anchor="b"/>
           <a:lstStyle>
             <a:lvl1pPr>
-              <a:defRPr sz="6000"/>
+              <a:defRPr sz="5200"/>
             </a:lvl1pPr>
           </a:lstStyle>
           <a:p>
@@ -991,18 +873,13 @@
               <a:rPr lang="en-US"/>
               <a:t>Click to edit Master title style</a:t>
             </a:r>
-          </a:p>
-        </p:txBody>
-      </p:sp>
-      <p:sp>
-        <p:nvSpPr>
-          <p:cNvPr id="3" name="Text Placeholder 2">
-            <a:extLst>
-              <a:ext uri="{FF2B5EF4-FFF2-40B4-BE49-F238E27FC236}">
-                <a16:creationId xmlns:a16="http://schemas.microsoft.com/office/drawing/2014/main" id="{8B80291F-BABF-416E-8F83-588E4F14F499}"/>
-              </a:ext>
-            </a:extLst>
-          </p:cNvPr>
+            <a:endParaRPr lang="en-US" dirty="0"/>
+          </a:p>
+        </p:txBody>
+      </p:sp>
+      <p:sp>
+        <p:nvSpPr>
+          <p:cNvPr id="3" name="Text Placeholder 2"/>
           <p:cNvSpPr>
             <a:spLocks noGrp="1"/>
           </p:cNvSpPr>
@@ -1012,8 +889,8 @@
         </p:nvSpPr>
         <p:spPr>
           <a:xfrm>
-            <a:off x="831850" y="4589463"/>
-            <a:ext cx="10515600" cy="1500187"/>
+            <a:off x="624538" y="3977536"/>
+            <a:ext cx="7894915" cy="1300162"/>
           </a:xfrm>
         </p:spPr>
         <p:txBody>
@@ -1021,17 +898,15 @@
           <a:lstStyle>
             <a:lvl1pPr marL="0" indent="0">
               <a:buNone/>
-              <a:defRPr sz="2400">
+              <a:defRPr sz="2080">
                 <a:solidFill>
-                  <a:schemeClr val="tx1">
-                    <a:tint val="75000"/>
-                  </a:schemeClr>
+                  <a:schemeClr val="tx1"/>
                 </a:solidFill>
               </a:defRPr>
             </a:lvl1pPr>
-            <a:lvl2pPr marL="457200" indent="0">
-              <a:buNone/>
-              <a:defRPr sz="2000">
+            <a:lvl2pPr marL="396255" indent="0">
+              <a:buNone/>
+              <a:defRPr sz="1733">
                 <a:solidFill>
                   <a:schemeClr val="tx1">
                     <a:tint val="75000"/>
@@ -1039,9 +914,9 @@
                 </a:solidFill>
               </a:defRPr>
             </a:lvl2pPr>
-            <a:lvl3pPr marL="914400" indent="0">
-              <a:buNone/>
-              <a:defRPr sz="1800">
+            <a:lvl3pPr marL="792510" indent="0">
+              <a:buNone/>
+              <a:defRPr sz="1560">
                 <a:solidFill>
                   <a:schemeClr val="tx1">
                     <a:tint val="75000"/>
@@ -1049,9 +924,9 @@
                 </a:solidFill>
               </a:defRPr>
             </a:lvl3pPr>
-            <a:lvl4pPr marL="1371600" indent="0">
-              <a:buNone/>
-              <a:defRPr sz="1600">
+            <a:lvl4pPr marL="1188766" indent="0">
+              <a:buNone/>
+              <a:defRPr sz="1387">
                 <a:solidFill>
                   <a:schemeClr val="tx1">
                     <a:tint val="75000"/>
@@ -1059,9 +934,9 @@
                 </a:solidFill>
               </a:defRPr>
             </a:lvl4pPr>
-            <a:lvl5pPr marL="1828800" indent="0">
-              <a:buNone/>
-              <a:defRPr sz="1600">
+            <a:lvl5pPr marL="1585021" indent="0">
+              <a:buNone/>
+              <a:defRPr sz="1387">
                 <a:solidFill>
                   <a:schemeClr val="tx1">
                     <a:tint val="75000"/>
@@ -1069,9 +944,9 @@
                 </a:solidFill>
               </a:defRPr>
             </a:lvl5pPr>
-            <a:lvl6pPr marL="2286000" indent="0">
-              <a:buNone/>
-              <a:defRPr sz="1600">
+            <a:lvl6pPr marL="1981276" indent="0">
+              <a:buNone/>
+              <a:defRPr sz="1387">
                 <a:solidFill>
                   <a:schemeClr val="tx1">
                     <a:tint val="75000"/>
@@ -1079,9 +954,9 @@
                 </a:solidFill>
               </a:defRPr>
             </a:lvl6pPr>
-            <a:lvl7pPr marL="2743200" indent="0">
-              <a:buNone/>
-              <a:defRPr sz="1600">
+            <a:lvl7pPr marL="2377531" indent="0">
+              <a:buNone/>
+              <a:defRPr sz="1387">
                 <a:solidFill>
                   <a:schemeClr val="tx1">
                     <a:tint val="75000"/>
@@ -1089,9 +964,9 @@
                 </a:solidFill>
               </a:defRPr>
             </a:lvl7pPr>
-            <a:lvl8pPr marL="3200400" indent="0">
-              <a:buNone/>
-              <a:defRPr sz="1600">
+            <a:lvl8pPr marL="2773787" indent="0">
+              <a:buNone/>
+              <a:defRPr sz="1387">
                 <a:solidFill>
                   <a:schemeClr val="tx1">
                     <a:tint val="75000"/>
@@ -1099,9 +974,9 @@
                 </a:solidFill>
               </a:defRPr>
             </a:lvl8pPr>
-            <a:lvl9pPr marL="3657600" indent="0">
-              <a:buNone/>
-              <a:defRPr sz="1600">
+            <a:lvl9pPr marL="3170042" indent="0">
+              <a:buNone/>
+              <a:defRPr sz="1387">
                 <a:solidFill>
                   <a:schemeClr val="tx1">
                     <a:tint val="75000"/>
@@ -1121,13 +996,7 @@
       </p:sp>
       <p:sp>
         <p:nvSpPr>
-          <p:cNvPr id="4" name="Date Placeholder 3">
-            <a:extLst>
-              <a:ext uri="{FF2B5EF4-FFF2-40B4-BE49-F238E27FC236}">
-                <a16:creationId xmlns:a16="http://schemas.microsoft.com/office/drawing/2014/main" id="{437B5B3F-9B8B-4A58-B12A-B36AFEDEDF99}"/>
-              </a:ext>
-            </a:extLst>
-          </p:cNvPr>
+          <p:cNvPr id="4" name="Date Placeholder 3"/>
           <p:cNvSpPr>
             <a:spLocks noGrp="1"/>
           </p:cNvSpPr>
@@ -1142,7 +1011,7 @@
           <a:p>
             <a:fld id="{9A0015C3-2E44-486C-A5F2-7FA6CB10593F}" type="datetimeFigureOut">
               <a:rPr lang="en-US" smtClean="0"/>
-              <a:t>10/21/2021</a:t>
+              <a:t>10/27/2021</a:t>
             </a:fld>
             <a:endParaRPr lang="en-US"/>
           </a:p>
@@ -1150,13 +1019,7 @@
       </p:sp>
       <p:sp>
         <p:nvSpPr>
-          <p:cNvPr id="5" name="Footer Placeholder 4">
-            <a:extLst>
-              <a:ext uri="{FF2B5EF4-FFF2-40B4-BE49-F238E27FC236}">
-                <a16:creationId xmlns:a16="http://schemas.microsoft.com/office/drawing/2014/main" id="{908BDB11-839E-4CB2-BD0C-0CC41439DEAA}"/>
-              </a:ext>
-            </a:extLst>
-          </p:cNvPr>
+          <p:cNvPr id="5" name="Footer Placeholder 4"/>
           <p:cNvSpPr>
             <a:spLocks noGrp="1"/>
           </p:cNvSpPr>
@@ -1175,13 +1038,7 @@
       </p:sp>
       <p:sp>
         <p:nvSpPr>
-          <p:cNvPr id="6" name="Slide Number Placeholder 5">
-            <a:extLst>
-              <a:ext uri="{FF2B5EF4-FFF2-40B4-BE49-F238E27FC236}">
-                <a16:creationId xmlns:a16="http://schemas.microsoft.com/office/drawing/2014/main" id="{F48CA6C5-0E7A-48C3-B8A0-03FADD8EC72F}"/>
-              </a:ext>
-            </a:extLst>
-          </p:cNvPr>
+          <p:cNvPr id="6" name="Slide Number Placeholder 5"/>
           <p:cNvSpPr>
             <a:spLocks noGrp="1"/>
           </p:cNvSpPr>
@@ -1205,7 +1062,7 @@
     </p:spTree>
     <p:extLst>
       <p:ext uri="{BB962C8B-B14F-4D97-AF65-F5344CB8AC3E}">
-        <p14:creationId xmlns:p14="http://schemas.microsoft.com/office/powerpoint/2010/main" val="3960442436"/>
+        <p14:creationId xmlns:p14="http://schemas.microsoft.com/office/powerpoint/2010/main" val="1214254189"/>
       </p:ext>
     </p:extLst>
   </p:cSld>
@@ -1234,13 +1091,7 @@
       </p:grpSpPr>
       <p:sp>
         <p:nvSpPr>
-          <p:cNvPr id="2" name="Title 1">
-            <a:extLst>
-              <a:ext uri="{FF2B5EF4-FFF2-40B4-BE49-F238E27FC236}">
-                <a16:creationId xmlns:a16="http://schemas.microsoft.com/office/drawing/2014/main" id="{0A97E52C-150F-4EC3-8A15-E6D0C6D6EE95}"/>
-              </a:ext>
-            </a:extLst>
-          </p:cNvPr>
+          <p:cNvPr id="2" name="Title 1"/>
           <p:cNvSpPr>
             <a:spLocks noGrp="1"/>
           </p:cNvSpPr>
@@ -1257,18 +1108,13 @@
               <a:rPr lang="en-US"/>
               <a:t>Click to edit Master title style</a:t>
             </a:r>
-          </a:p>
-        </p:txBody>
-      </p:sp>
-      <p:sp>
-        <p:nvSpPr>
-          <p:cNvPr id="3" name="Content Placeholder 2">
-            <a:extLst>
-              <a:ext uri="{FF2B5EF4-FFF2-40B4-BE49-F238E27FC236}">
-                <a16:creationId xmlns:a16="http://schemas.microsoft.com/office/drawing/2014/main" id="{E6C0EC92-7F7C-4E81-8AB3-88E58DA3A7B6}"/>
-              </a:ext>
-            </a:extLst>
-          </p:cNvPr>
+            <a:endParaRPr lang="en-US" dirty="0"/>
+          </a:p>
+        </p:txBody>
+      </p:sp>
+      <p:sp>
+        <p:nvSpPr>
+          <p:cNvPr id="3" name="Content Placeholder 2"/>
           <p:cNvSpPr>
             <a:spLocks noGrp="1"/>
           </p:cNvSpPr>
@@ -1278,8 +1124,8 @@
         </p:nvSpPr>
         <p:spPr>
           <a:xfrm>
-            <a:off x="838200" y="1825625"/>
-            <a:ext cx="5181600" cy="4351338"/>
+            <a:off x="629305" y="1582208"/>
+            <a:ext cx="3890248" cy="3771160"/>
           </a:xfrm>
         </p:spPr>
         <p:txBody>
@@ -1319,18 +1165,13 @@
               <a:rPr lang="en-US"/>
               <a:t>Fifth level</a:t>
             </a:r>
-          </a:p>
-        </p:txBody>
-      </p:sp>
-      <p:sp>
-        <p:nvSpPr>
-          <p:cNvPr id="4" name="Content Placeholder 3">
-            <a:extLst>
-              <a:ext uri="{FF2B5EF4-FFF2-40B4-BE49-F238E27FC236}">
-                <a16:creationId xmlns:a16="http://schemas.microsoft.com/office/drawing/2014/main" id="{A9D95EBC-7C31-4A3D-BE66-5D64A8428741}"/>
-              </a:ext>
-            </a:extLst>
-          </p:cNvPr>
+            <a:endParaRPr lang="en-US" dirty="0"/>
+          </a:p>
+        </p:txBody>
+      </p:sp>
+      <p:sp>
+        <p:nvSpPr>
+          <p:cNvPr id="4" name="Content Placeholder 3"/>
           <p:cNvSpPr>
             <a:spLocks noGrp="1"/>
           </p:cNvSpPr>
@@ -1340,8 +1181,8 @@
         </p:nvSpPr>
         <p:spPr>
           <a:xfrm>
-            <a:off x="6172200" y="1825625"/>
-            <a:ext cx="5181600" cy="4351338"/>
+            <a:off x="4633972" y="1582208"/>
+            <a:ext cx="3890248" cy="3771160"/>
           </a:xfrm>
         </p:spPr>
         <p:txBody>
@@ -1381,18 +1222,13 @@
               <a:rPr lang="en-US"/>
               <a:t>Fifth level</a:t>
             </a:r>
-          </a:p>
-        </p:txBody>
-      </p:sp>
-      <p:sp>
-        <p:nvSpPr>
-          <p:cNvPr id="5" name="Date Placeholder 4">
-            <a:extLst>
-              <a:ext uri="{FF2B5EF4-FFF2-40B4-BE49-F238E27FC236}">
-                <a16:creationId xmlns:a16="http://schemas.microsoft.com/office/drawing/2014/main" id="{EAD625AC-C07C-4E66-8232-2D346CC9769D}"/>
-              </a:ext>
-            </a:extLst>
-          </p:cNvPr>
+            <a:endParaRPr lang="en-US" dirty="0"/>
+          </a:p>
+        </p:txBody>
+      </p:sp>
+      <p:sp>
+        <p:nvSpPr>
+          <p:cNvPr id="5" name="Date Placeholder 4"/>
           <p:cNvSpPr>
             <a:spLocks noGrp="1"/>
           </p:cNvSpPr>
@@ -1407,7 +1243,7 @@
           <a:p>
             <a:fld id="{9A0015C3-2E44-486C-A5F2-7FA6CB10593F}" type="datetimeFigureOut">
               <a:rPr lang="en-US" smtClean="0"/>
-              <a:t>10/21/2021</a:t>
+              <a:t>10/27/2021</a:t>
             </a:fld>
             <a:endParaRPr lang="en-US"/>
           </a:p>
@@ -1415,13 +1251,7 @@
       </p:sp>
       <p:sp>
         <p:nvSpPr>
-          <p:cNvPr id="6" name="Footer Placeholder 5">
-            <a:extLst>
-              <a:ext uri="{FF2B5EF4-FFF2-40B4-BE49-F238E27FC236}">
-                <a16:creationId xmlns:a16="http://schemas.microsoft.com/office/drawing/2014/main" id="{0DBF597D-4698-4F04-92CF-92ACE6C58B94}"/>
-              </a:ext>
-            </a:extLst>
-          </p:cNvPr>
+          <p:cNvPr id="6" name="Footer Placeholder 5"/>
           <p:cNvSpPr>
             <a:spLocks noGrp="1"/>
           </p:cNvSpPr>
@@ -1440,13 +1270,7 @@
       </p:sp>
       <p:sp>
         <p:nvSpPr>
-          <p:cNvPr id="7" name="Slide Number Placeholder 6">
-            <a:extLst>
-              <a:ext uri="{FF2B5EF4-FFF2-40B4-BE49-F238E27FC236}">
-                <a16:creationId xmlns:a16="http://schemas.microsoft.com/office/drawing/2014/main" id="{0989A065-8BBE-4557-A680-86B8F31EC651}"/>
-              </a:ext>
-            </a:extLst>
-          </p:cNvPr>
+          <p:cNvPr id="7" name="Slide Number Placeholder 6"/>
           <p:cNvSpPr>
             <a:spLocks noGrp="1"/>
           </p:cNvSpPr>
@@ -1470,7 +1294,7 @@
     </p:spTree>
     <p:extLst>
       <p:ext uri="{BB962C8B-B14F-4D97-AF65-F5344CB8AC3E}">
-        <p14:creationId xmlns:p14="http://schemas.microsoft.com/office/powerpoint/2010/main" val="4064605366"/>
+        <p14:creationId xmlns:p14="http://schemas.microsoft.com/office/powerpoint/2010/main" val="1726989378"/>
       </p:ext>
     </p:extLst>
   </p:cSld>
@@ -1499,13 +1323,7 @@
       </p:grpSpPr>
       <p:sp>
         <p:nvSpPr>
-          <p:cNvPr id="2" name="Title 1">
-            <a:extLst>
-              <a:ext uri="{FF2B5EF4-FFF2-40B4-BE49-F238E27FC236}">
-                <a16:creationId xmlns:a16="http://schemas.microsoft.com/office/drawing/2014/main" id="{5F244E07-A8B3-4D45-AA7F-A142E50F0257}"/>
-              </a:ext>
-            </a:extLst>
-          </p:cNvPr>
+          <p:cNvPr id="2" name="Title 1"/>
           <p:cNvSpPr>
             <a:spLocks noGrp="1"/>
           </p:cNvSpPr>
@@ -1515,8 +1333,8 @@
         </p:nvSpPr>
         <p:spPr>
           <a:xfrm>
-            <a:off x="839788" y="365125"/>
-            <a:ext cx="10515600" cy="1325563"/>
+            <a:off x="630497" y="316443"/>
+            <a:ext cx="7894915" cy="1148821"/>
           </a:xfrm>
         </p:spPr>
         <p:txBody>
@@ -1527,18 +1345,13 @@
               <a:rPr lang="en-US"/>
               <a:t>Click to edit Master title style</a:t>
             </a:r>
-          </a:p>
-        </p:txBody>
-      </p:sp>
-      <p:sp>
-        <p:nvSpPr>
-          <p:cNvPr id="3" name="Text Placeholder 2">
-            <a:extLst>
-              <a:ext uri="{FF2B5EF4-FFF2-40B4-BE49-F238E27FC236}">
-                <a16:creationId xmlns:a16="http://schemas.microsoft.com/office/drawing/2014/main" id="{36273BCD-C6B0-432F-9D95-89CF1E9F28CC}"/>
-              </a:ext>
-            </a:extLst>
-          </p:cNvPr>
+            <a:endParaRPr lang="en-US" dirty="0"/>
+          </a:p>
+        </p:txBody>
+      </p:sp>
+      <p:sp>
+        <p:nvSpPr>
+          <p:cNvPr id="3" name="Text Placeholder 2"/>
           <p:cNvSpPr>
             <a:spLocks noGrp="1"/>
           </p:cNvSpPr>
@@ -1548,8 +1361,8 @@
         </p:nvSpPr>
         <p:spPr>
           <a:xfrm>
-            <a:off x="839788" y="1681163"/>
-            <a:ext cx="5157787" cy="823912"/>
+            <a:off x="630498" y="1457008"/>
+            <a:ext cx="3872370" cy="714057"/>
           </a:xfrm>
         </p:spPr>
         <p:txBody>
@@ -1557,39 +1370,39 @@
           <a:lstStyle>
             <a:lvl1pPr marL="0" indent="0">
               <a:buNone/>
-              <a:defRPr sz="2400" b="1"/>
+              <a:defRPr sz="2080" b="1"/>
             </a:lvl1pPr>
-            <a:lvl2pPr marL="457200" indent="0">
-              <a:buNone/>
-              <a:defRPr sz="2000" b="1"/>
+            <a:lvl2pPr marL="396255" indent="0">
+              <a:buNone/>
+              <a:defRPr sz="1733" b="1"/>
             </a:lvl2pPr>
-            <a:lvl3pPr marL="914400" indent="0">
-              <a:buNone/>
-              <a:defRPr sz="1800" b="1"/>
+            <a:lvl3pPr marL="792510" indent="0">
+              <a:buNone/>
+              <a:defRPr sz="1560" b="1"/>
             </a:lvl3pPr>
-            <a:lvl4pPr marL="1371600" indent="0">
-              <a:buNone/>
-              <a:defRPr sz="1600" b="1"/>
+            <a:lvl4pPr marL="1188766" indent="0">
+              <a:buNone/>
+              <a:defRPr sz="1387" b="1"/>
             </a:lvl4pPr>
-            <a:lvl5pPr marL="1828800" indent="0">
-              <a:buNone/>
-              <a:defRPr sz="1600" b="1"/>
+            <a:lvl5pPr marL="1585021" indent="0">
+              <a:buNone/>
+              <a:defRPr sz="1387" b="1"/>
             </a:lvl5pPr>
-            <a:lvl6pPr marL="2286000" indent="0">
-              <a:buNone/>
-              <a:defRPr sz="1600" b="1"/>
+            <a:lvl6pPr marL="1981276" indent="0">
+              <a:buNone/>
+              <a:defRPr sz="1387" b="1"/>
             </a:lvl6pPr>
-            <a:lvl7pPr marL="2743200" indent="0">
-              <a:buNone/>
-              <a:defRPr sz="1600" b="1"/>
+            <a:lvl7pPr marL="2377531" indent="0">
+              <a:buNone/>
+              <a:defRPr sz="1387" b="1"/>
             </a:lvl7pPr>
-            <a:lvl8pPr marL="3200400" indent="0">
-              <a:buNone/>
-              <a:defRPr sz="1600" b="1"/>
+            <a:lvl8pPr marL="2773787" indent="0">
+              <a:buNone/>
+              <a:defRPr sz="1387" b="1"/>
             </a:lvl8pPr>
-            <a:lvl9pPr marL="3657600" indent="0">
-              <a:buNone/>
-              <a:defRPr sz="1600" b="1"/>
+            <a:lvl9pPr marL="3170042" indent="0">
+              <a:buNone/>
+              <a:defRPr sz="1387" b="1"/>
             </a:lvl9pPr>
           </a:lstStyle>
           <a:p>
@@ -1603,13 +1416,7 @@
       </p:sp>
       <p:sp>
         <p:nvSpPr>
-          <p:cNvPr id="4" name="Content Placeholder 3">
-            <a:extLst>
-              <a:ext uri="{FF2B5EF4-FFF2-40B4-BE49-F238E27FC236}">
-                <a16:creationId xmlns:a16="http://schemas.microsoft.com/office/drawing/2014/main" id="{CBE35C30-7A42-4B99-81BF-13059F5F9F0F}"/>
-              </a:ext>
-            </a:extLst>
-          </p:cNvPr>
+          <p:cNvPr id="4" name="Content Placeholder 3"/>
           <p:cNvSpPr>
             <a:spLocks noGrp="1"/>
           </p:cNvSpPr>
@@ -1619,8 +1426,8 @@
         </p:nvSpPr>
         <p:spPr>
           <a:xfrm>
-            <a:off x="839788" y="2505075"/>
-            <a:ext cx="5157787" cy="3684588"/>
+            <a:off x="630498" y="2171065"/>
+            <a:ext cx="3872370" cy="3193310"/>
           </a:xfrm>
         </p:spPr>
         <p:txBody>
@@ -1660,18 +1467,13 @@
               <a:rPr lang="en-US"/>
               <a:t>Fifth level</a:t>
             </a:r>
-          </a:p>
-        </p:txBody>
-      </p:sp>
-      <p:sp>
-        <p:nvSpPr>
-          <p:cNvPr id="5" name="Text Placeholder 4">
-            <a:extLst>
-              <a:ext uri="{FF2B5EF4-FFF2-40B4-BE49-F238E27FC236}">
-                <a16:creationId xmlns:a16="http://schemas.microsoft.com/office/drawing/2014/main" id="{95737295-A18B-4BE5-9A53-E261E4F34FAE}"/>
-              </a:ext>
-            </a:extLst>
-          </p:cNvPr>
+            <a:endParaRPr lang="en-US" dirty="0"/>
+          </a:p>
+        </p:txBody>
+      </p:sp>
+      <p:sp>
+        <p:nvSpPr>
+          <p:cNvPr id="5" name="Text Placeholder 4"/>
           <p:cNvSpPr>
             <a:spLocks noGrp="1"/>
           </p:cNvSpPr>
@@ -1681,8 +1483,8 @@
         </p:nvSpPr>
         <p:spPr>
           <a:xfrm>
-            <a:off x="6172200" y="1681163"/>
-            <a:ext cx="5183188" cy="823912"/>
+            <a:off x="4633973" y="1457008"/>
+            <a:ext cx="3891440" cy="714057"/>
           </a:xfrm>
         </p:spPr>
         <p:txBody>
@@ -1690,39 +1492,39 @@
           <a:lstStyle>
             <a:lvl1pPr marL="0" indent="0">
               <a:buNone/>
-              <a:defRPr sz="2400" b="1"/>
+              <a:defRPr sz="2080" b="1"/>
             </a:lvl1pPr>
-            <a:lvl2pPr marL="457200" indent="0">
-              <a:buNone/>
-              <a:defRPr sz="2000" b="1"/>
+            <a:lvl2pPr marL="396255" indent="0">
+              <a:buNone/>
+              <a:defRPr sz="1733" b="1"/>
             </a:lvl2pPr>
-            <a:lvl3pPr marL="914400" indent="0">
-              <a:buNone/>
-              <a:defRPr sz="1800" b="1"/>
+            <a:lvl3pPr marL="792510" indent="0">
+              <a:buNone/>
+              <a:defRPr sz="1560" b="1"/>
             </a:lvl3pPr>
-            <a:lvl4pPr marL="1371600" indent="0">
-              <a:buNone/>
-              <a:defRPr sz="1600" b="1"/>
+            <a:lvl4pPr marL="1188766" indent="0">
+              <a:buNone/>
+              <a:defRPr sz="1387" b="1"/>
             </a:lvl4pPr>
-            <a:lvl5pPr marL="1828800" indent="0">
-              <a:buNone/>
-              <a:defRPr sz="1600" b="1"/>
+            <a:lvl5pPr marL="1585021" indent="0">
+              <a:buNone/>
+              <a:defRPr sz="1387" b="1"/>
             </a:lvl5pPr>
-            <a:lvl6pPr marL="2286000" indent="0">
-              <a:buNone/>
-              <a:defRPr sz="1600" b="1"/>
+            <a:lvl6pPr marL="1981276" indent="0">
+              <a:buNone/>
+              <a:defRPr sz="1387" b="1"/>
             </a:lvl6pPr>
-            <a:lvl7pPr marL="2743200" indent="0">
-              <a:buNone/>
-              <a:defRPr sz="1600" b="1"/>
+            <a:lvl7pPr marL="2377531" indent="0">
+              <a:buNone/>
+              <a:defRPr sz="1387" b="1"/>
             </a:lvl7pPr>
-            <a:lvl8pPr marL="3200400" indent="0">
-              <a:buNone/>
-              <a:defRPr sz="1600" b="1"/>
+            <a:lvl8pPr marL="2773787" indent="0">
+              <a:buNone/>
+              <a:defRPr sz="1387" b="1"/>
             </a:lvl8pPr>
-            <a:lvl9pPr marL="3657600" indent="0">
-              <a:buNone/>
-              <a:defRPr sz="1600" b="1"/>
+            <a:lvl9pPr marL="3170042" indent="0">
+              <a:buNone/>
+              <a:defRPr sz="1387" b="1"/>
             </a:lvl9pPr>
           </a:lstStyle>
           <a:p>
@@ -1736,13 +1538,7 @@
       </p:sp>
       <p:sp>
         <p:nvSpPr>
-          <p:cNvPr id="6" name="Content Placeholder 5">
-            <a:extLst>
-              <a:ext uri="{FF2B5EF4-FFF2-40B4-BE49-F238E27FC236}">
-                <a16:creationId xmlns:a16="http://schemas.microsoft.com/office/drawing/2014/main" id="{E1DAFE09-E4D8-41CC-8B81-08CD86D61D94}"/>
-              </a:ext>
-            </a:extLst>
-          </p:cNvPr>
+          <p:cNvPr id="6" name="Content Placeholder 5"/>
           <p:cNvSpPr>
             <a:spLocks noGrp="1"/>
           </p:cNvSpPr>
@@ -1752,8 +1548,8 @@
         </p:nvSpPr>
         <p:spPr>
           <a:xfrm>
-            <a:off x="6172200" y="2505075"/>
-            <a:ext cx="5183188" cy="3684588"/>
+            <a:off x="4633973" y="2171065"/>
+            <a:ext cx="3891440" cy="3193310"/>
           </a:xfrm>
         </p:spPr>
         <p:txBody>
@@ -1793,18 +1589,13 @@
               <a:rPr lang="en-US"/>
               <a:t>Fifth level</a:t>
             </a:r>
-          </a:p>
-        </p:txBody>
-      </p:sp>
-      <p:sp>
-        <p:nvSpPr>
-          <p:cNvPr id="7" name="Date Placeholder 6">
-            <a:extLst>
-              <a:ext uri="{FF2B5EF4-FFF2-40B4-BE49-F238E27FC236}">
-                <a16:creationId xmlns:a16="http://schemas.microsoft.com/office/drawing/2014/main" id="{EAAA11DE-33CD-43A0-853F-0D019D93852B}"/>
-              </a:ext>
-            </a:extLst>
-          </p:cNvPr>
+            <a:endParaRPr lang="en-US" dirty="0"/>
+          </a:p>
+        </p:txBody>
+      </p:sp>
+      <p:sp>
+        <p:nvSpPr>
+          <p:cNvPr id="7" name="Date Placeholder 6"/>
           <p:cNvSpPr>
             <a:spLocks noGrp="1"/>
           </p:cNvSpPr>
@@ -1819,7 +1610,7 @@
           <a:p>
             <a:fld id="{9A0015C3-2E44-486C-A5F2-7FA6CB10593F}" type="datetimeFigureOut">
               <a:rPr lang="en-US" smtClean="0"/>
-              <a:t>10/21/2021</a:t>
+              <a:t>10/27/2021</a:t>
             </a:fld>
             <a:endParaRPr lang="en-US"/>
           </a:p>
@@ -1827,13 +1618,7 @@
       </p:sp>
       <p:sp>
         <p:nvSpPr>
-          <p:cNvPr id="8" name="Footer Placeholder 7">
-            <a:extLst>
-              <a:ext uri="{FF2B5EF4-FFF2-40B4-BE49-F238E27FC236}">
-                <a16:creationId xmlns:a16="http://schemas.microsoft.com/office/drawing/2014/main" id="{9972CC23-9C0D-4DF1-AF1B-9D50A4E8E415}"/>
-              </a:ext>
-            </a:extLst>
-          </p:cNvPr>
+          <p:cNvPr id="8" name="Footer Placeholder 7"/>
           <p:cNvSpPr>
             <a:spLocks noGrp="1"/>
           </p:cNvSpPr>
@@ -1852,13 +1637,7 @@
       </p:sp>
       <p:sp>
         <p:nvSpPr>
-          <p:cNvPr id="9" name="Slide Number Placeholder 8">
-            <a:extLst>
-              <a:ext uri="{FF2B5EF4-FFF2-40B4-BE49-F238E27FC236}">
-                <a16:creationId xmlns:a16="http://schemas.microsoft.com/office/drawing/2014/main" id="{006BA8F0-CDAC-410D-B0A5-736D76D57E7F}"/>
-              </a:ext>
-            </a:extLst>
-          </p:cNvPr>
+          <p:cNvPr id="9" name="Slide Number Placeholder 8"/>
           <p:cNvSpPr>
             <a:spLocks noGrp="1"/>
           </p:cNvSpPr>
@@ -1882,7 +1661,7 @@
     </p:spTree>
     <p:extLst>
       <p:ext uri="{BB962C8B-B14F-4D97-AF65-F5344CB8AC3E}">
-        <p14:creationId xmlns:p14="http://schemas.microsoft.com/office/powerpoint/2010/main" val="3056375644"/>
+        <p14:creationId xmlns:p14="http://schemas.microsoft.com/office/powerpoint/2010/main" val="315681353"/>
       </p:ext>
     </p:extLst>
   </p:cSld>
@@ -1911,13 +1690,7 @@
       </p:grpSpPr>
       <p:sp>
         <p:nvSpPr>
-          <p:cNvPr id="2" name="Title 1">
-            <a:extLst>
-              <a:ext uri="{FF2B5EF4-FFF2-40B4-BE49-F238E27FC236}">
-                <a16:creationId xmlns:a16="http://schemas.microsoft.com/office/drawing/2014/main" id="{C1C2C2A4-3A06-4C1A-8A56-E202329CBE43}"/>
-              </a:ext>
-            </a:extLst>
-          </p:cNvPr>
+          <p:cNvPr id="2" name="Title 1"/>
           <p:cNvSpPr>
             <a:spLocks noGrp="1"/>
           </p:cNvSpPr>
@@ -1934,18 +1707,13 @@
               <a:rPr lang="en-US"/>
               <a:t>Click to edit Master title style</a:t>
             </a:r>
-          </a:p>
-        </p:txBody>
-      </p:sp>
-      <p:sp>
-        <p:nvSpPr>
-          <p:cNvPr id="3" name="Date Placeholder 2">
-            <a:extLst>
-              <a:ext uri="{FF2B5EF4-FFF2-40B4-BE49-F238E27FC236}">
-                <a16:creationId xmlns:a16="http://schemas.microsoft.com/office/drawing/2014/main" id="{D2F19529-59F6-41D7-9448-120CAB30756F}"/>
-              </a:ext>
-            </a:extLst>
-          </p:cNvPr>
+            <a:endParaRPr lang="en-US" dirty="0"/>
+          </a:p>
+        </p:txBody>
+      </p:sp>
+      <p:sp>
+        <p:nvSpPr>
+          <p:cNvPr id="3" name="Date Placeholder 2"/>
           <p:cNvSpPr>
             <a:spLocks noGrp="1"/>
           </p:cNvSpPr>
@@ -1960,7 +1728,7 @@
           <a:p>
             <a:fld id="{9A0015C3-2E44-486C-A5F2-7FA6CB10593F}" type="datetimeFigureOut">
               <a:rPr lang="en-US" smtClean="0"/>
-              <a:t>10/21/2021</a:t>
+              <a:t>10/27/2021</a:t>
             </a:fld>
             <a:endParaRPr lang="en-US"/>
           </a:p>
@@ -1968,13 +1736,7 @@
       </p:sp>
       <p:sp>
         <p:nvSpPr>
-          <p:cNvPr id="4" name="Footer Placeholder 3">
-            <a:extLst>
-              <a:ext uri="{FF2B5EF4-FFF2-40B4-BE49-F238E27FC236}">
-                <a16:creationId xmlns:a16="http://schemas.microsoft.com/office/drawing/2014/main" id="{F7AA297A-0E97-453B-BB1A-226E83936D96}"/>
-              </a:ext>
-            </a:extLst>
-          </p:cNvPr>
+          <p:cNvPr id="4" name="Footer Placeholder 3"/>
           <p:cNvSpPr>
             <a:spLocks noGrp="1"/>
           </p:cNvSpPr>
@@ -1993,13 +1755,7 @@
       </p:sp>
       <p:sp>
         <p:nvSpPr>
-          <p:cNvPr id="5" name="Slide Number Placeholder 4">
-            <a:extLst>
-              <a:ext uri="{FF2B5EF4-FFF2-40B4-BE49-F238E27FC236}">
-                <a16:creationId xmlns:a16="http://schemas.microsoft.com/office/drawing/2014/main" id="{A40753CA-A05E-49E6-8D74-5D6451EF0F8F}"/>
-              </a:ext>
-            </a:extLst>
-          </p:cNvPr>
+          <p:cNvPr id="5" name="Slide Number Placeholder 4"/>
           <p:cNvSpPr>
             <a:spLocks noGrp="1"/>
           </p:cNvSpPr>
@@ -2023,7 +1779,7 @@
     </p:spTree>
     <p:extLst>
       <p:ext uri="{BB962C8B-B14F-4D97-AF65-F5344CB8AC3E}">
-        <p14:creationId xmlns:p14="http://schemas.microsoft.com/office/powerpoint/2010/main" val="1685372457"/>
+        <p14:creationId xmlns:p14="http://schemas.microsoft.com/office/powerpoint/2010/main" val="3720758463"/>
       </p:ext>
     </p:extLst>
   </p:cSld>
@@ -2052,13 +1808,7 @@
       </p:grpSpPr>
       <p:sp>
         <p:nvSpPr>
-          <p:cNvPr id="2" name="Date Placeholder 1">
-            <a:extLst>
-              <a:ext uri="{FF2B5EF4-FFF2-40B4-BE49-F238E27FC236}">
-                <a16:creationId xmlns:a16="http://schemas.microsoft.com/office/drawing/2014/main" id="{F5E0E2A2-80BA-4B23-90B9-BE65E9B77D95}"/>
-              </a:ext>
-            </a:extLst>
-          </p:cNvPr>
+          <p:cNvPr id="2" name="Date Placeholder 1"/>
           <p:cNvSpPr>
             <a:spLocks noGrp="1"/>
           </p:cNvSpPr>
@@ -2073,7 +1823,7 @@
           <a:p>
             <a:fld id="{9A0015C3-2E44-486C-A5F2-7FA6CB10593F}" type="datetimeFigureOut">
               <a:rPr lang="en-US" smtClean="0"/>
-              <a:t>10/21/2021</a:t>
+              <a:t>10/27/2021</a:t>
             </a:fld>
             <a:endParaRPr lang="en-US"/>
           </a:p>
@@ -2081,13 +1831,7 @@
       </p:sp>
       <p:sp>
         <p:nvSpPr>
-          <p:cNvPr id="3" name="Footer Placeholder 2">
-            <a:extLst>
-              <a:ext uri="{FF2B5EF4-FFF2-40B4-BE49-F238E27FC236}">
-                <a16:creationId xmlns:a16="http://schemas.microsoft.com/office/drawing/2014/main" id="{428416A3-7E10-4E17-A97B-A504E5D78D7F}"/>
-              </a:ext>
-            </a:extLst>
-          </p:cNvPr>
+          <p:cNvPr id="3" name="Footer Placeholder 2"/>
           <p:cNvSpPr>
             <a:spLocks noGrp="1"/>
           </p:cNvSpPr>
@@ -2106,13 +1850,7 @@
       </p:sp>
       <p:sp>
         <p:nvSpPr>
-          <p:cNvPr id="4" name="Slide Number Placeholder 3">
-            <a:extLst>
-              <a:ext uri="{FF2B5EF4-FFF2-40B4-BE49-F238E27FC236}">
-                <a16:creationId xmlns:a16="http://schemas.microsoft.com/office/drawing/2014/main" id="{164173BF-D4A4-416E-AC5A-18E95673481C}"/>
-              </a:ext>
-            </a:extLst>
-          </p:cNvPr>
+          <p:cNvPr id="4" name="Slide Number Placeholder 3"/>
           <p:cNvSpPr>
             <a:spLocks noGrp="1"/>
           </p:cNvSpPr>
@@ -2136,7 +1874,7 @@
     </p:spTree>
     <p:extLst>
       <p:ext uri="{BB962C8B-B14F-4D97-AF65-F5344CB8AC3E}">
-        <p14:creationId xmlns:p14="http://schemas.microsoft.com/office/powerpoint/2010/main" val="3996884912"/>
+        <p14:creationId xmlns:p14="http://schemas.microsoft.com/office/powerpoint/2010/main" val="3679984615"/>
       </p:ext>
     </p:extLst>
   </p:cSld>
@@ -2165,13 +1903,7 @@
       </p:grpSpPr>
       <p:sp>
         <p:nvSpPr>
-          <p:cNvPr id="2" name="Title 1">
-            <a:extLst>
-              <a:ext uri="{FF2B5EF4-FFF2-40B4-BE49-F238E27FC236}">
-                <a16:creationId xmlns:a16="http://schemas.microsoft.com/office/drawing/2014/main" id="{E126BC7C-72DB-4772-9E59-E46F92DA6086}"/>
-              </a:ext>
-            </a:extLst>
-          </p:cNvPr>
+          <p:cNvPr id="2" name="Title 1"/>
           <p:cNvSpPr>
             <a:spLocks noGrp="1"/>
           </p:cNvSpPr>
@@ -2181,15 +1913,15 @@
         </p:nvSpPr>
         <p:spPr>
           <a:xfrm>
-            <a:off x="839788" y="457200"/>
-            <a:ext cx="3932237" cy="1600200"/>
+            <a:off x="630497" y="396240"/>
+            <a:ext cx="2952250" cy="1386840"/>
           </a:xfrm>
         </p:spPr>
         <p:txBody>
           <a:bodyPr anchor="b"/>
           <a:lstStyle>
             <a:lvl1pPr>
-              <a:defRPr sz="3200"/>
+              <a:defRPr sz="2773"/>
             </a:lvl1pPr>
           </a:lstStyle>
           <a:p>
@@ -2197,18 +1929,13 @@
               <a:rPr lang="en-US"/>
               <a:t>Click to edit Master title style</a:t>
             </a:r>
-          </a:p>
-        </p:txBody>
-      </p:sp>
-      <p:sp>
-        <p:nvSpPr>
-          <p:cNvPr id="3" name="Content Placeholder 2">
-            <a:extLst>
-              <a:ext uri="{FF2B5EF4-FFF2-40B4-BE49-F238E27FC236}">
-                <a16:creationId xmlns:a16="http://schemas.microsoft.com/office/drawing/2014/main" id="{98234C39-34EC-465C-A41A-B7E360618CBA}"/>
-              </a:ext>
-            </a:extLst>
-          </p:cNvPr>
+            <a:endParaRPr lang="en-US" dirty="0"/>
+          </a:p>
+        </p:txBody>
+      </p:sp>
+      <p:sp>
+        <p:nvSpPr>
+          <p:cNvPr id="3" name="Content Placeholder 2"/>
           <p:cNvSpPr>
             <a:spLocks noGrp="1"/>
           </p:cNvSpPr>
@@ -2218,39 +1945,39 @@
         </p:nvSpPr>
         <p:spPr>
           <a:xfrm>
-            <a:off x="5183188" y="987425"/>
-            <a:ext cx="6172200" cy="4873625"/>
+            <a:off x="3891440" y="855770"/>
+            <a:ext cx="4633972" cy="4223808"/>
           </a:xfrm>
         </p:spPr>
         <p:txBody>
           <a:bodyPr/>
           <a:lstStyle>
             <a:lvl1pPr>
-              <a:defRPr sz="3200"/>
+              <a:defRPr sz="2773"/>
             </a:lvl1pPr>
             <a:lvl2pPr>
-              <a:defRPr sz="2800"/>
+              <a:defRPr sz="2427"/>
             </a:lvl2pPr>
             <a:lvl3pPr>
-              <a:defRPr sz="2400"/>
+              <a:defRPr sz="2080"/>
             </a:lvl3pPr>
             <a:lvl4pPr>
-              <a:defRPr sz="2000"/>
+              <a:defRPr sz="1733"/>
             </a:lvl4pPr>
             <a:lvl5pPr>
-              <a:defRPr sz="2000"/>
+              <a:defRPr sz="1733"/>
             </a:lvl5pPr>
             <a:lvl6pPr>
-              <a:defRPr sz="2000"/>
+              <a:defRPr sz="1733"/>
             </a:lvl6pPr>
             <a:lvl7pPr>
-              <a:defRPr sz="2000"/>
+              <a:defRPr sz="1733"/>
             </a:lvl7pPr>
             <a:lvl8pPr>
-              <a:defRPr sz="2000"/>
+              <a:defRPr sz="1733"/>
             </a:lvl8pPr>
             <a:lvl9pPr>
-              <a:defRPr sz="2000"/>
+              <a:defRPr sz="1733"/>
             </a:lvl9pPr>
           </a:lstStyle>
           <a:p>
@@ -2287,18 +2014,13 @@
               <a:rPr lang="en-US"/>
               <a:t>Fifth level</a:t>
             </a:r>
-          </a:p>
-        </p:txBody>
-      </p:sp>
-      <p:sp>
-        <p:nvSpPr>
-          <p:cNvPr id="4" name="Text Placeholder 3">
-            <a:extLst>
-              <a:ext uri="{FF2B5EF4-FFF2-40B4-BE49-F238E27FC236}">
-                <a16:creationId xmlns:a16="http://schemas.microsoft.com/office/drawing/2014/main" id="{D60D869B-B769-42E1-A7F5-13021E5EF438}"/>
-              </a:ext>
-            </a:extLst>
-          </p:cNvPr>
+            <a:endParaRPr lang="en-US" dirty="0"/>
+          </a:p>
+        </p:txBody>
+      </p:sp>
+      <p:sp>
+        <p:nvSpPr>
+          <p:cNvPr id="4" name="Text Placeholder 3"/>
           <p:cNvSpPr>
             <a:spLocks noGrp="1"/>
           </p:cNvSpPr>
@@ -2308,8 +2030,8 @@
         </p:nvSpPr>
         <p:spPr>
           <a:xfrm>
-            <a:off x="839788" y="2057400"/>
-            <a:ext cx="3932237" cy="3811588"/>
+            <a:off x="630497" y="1783080"/>
+            <a:ext cx="2952250" cy="3303376"/>
           </a:xfrm>
         </p:spPr>
         <p:txBody>
@@ -2317,39 +2039,39 @@
           <a:lstStyle>
             <a:lvl1pPr marL="0" indent="0">
               <a:buNone/>
-              <a:defRPr sz="1600"/>
+              <a:defRPr sz="1387"/>
             </a:lvl1pPr>
-            <a:lvl2pPr marL="457200" indent="0">
-              <a:buNone/>
-              <a:defRPr sz="1400"/>
+            <a:lvl2pPr marL="396255" indent="0">
+              <a:buNone/>
+              <a:defRPr sz="1213"/>
             </a:lvl2pPr>
-            <a:lvl3pPr marL="914400" indent="0">
-              <a:buNone/>
-              <a:defRPr sz="1200"/>
+            <a:lvl3pPr marL="792510" indent="0">
+              <a:buNone/>
+              <a:defRPr sz="1040"/>
             </a:lvl3pPr>
-            <a:lvl4pPr marL="1371600" indent="0">
-              <a:buNone/>
-              <a:defRPr sz="1000"/>
+            <a:lvl4pPr marL="1188766" indent="0">
+              <a:buNone/>
+              <a:defRPr sz="867"/>
             </a:lvl4pPr>
-            <a:lvl5pPr marL="1828800" indent="0">
-              <a:buNone/>
-              <a:defRPr sz="1000"/>
+            <a:lvl5pPr marL="1585021" indent="0">
+              <a:buNone/>
+              <a:defRPr sz="867"/>
             </a:lvl5pPr>
-            <a:lvl6pPr marL="2286000" indent="0">
-              <a:buNone/>
-              <a:defRPr sz="1000"/>
+            <a:lvl6pPr marL="1981276" indent="0">
+              <a:buNone/>
+              <a:defRPr sz="867"/>
             </a:lvl6pPr>
-            <a:lvl7pPr marL="2743200" indent="0">
-              <a:buNone/>
-              <a:defRPr sz="1000"/>
+            <a:lvl7pPr marL="2377531" indent="0">
+              <a:buNone/>
+              <a:defRPr sz="867"/>
             </a:lvl7pPr>
-            <a:lvl8pPr marL="3200400" indent="0">
-              <a:buNone/>
-              <a:defRPr sz="1000"/>
+            <a:lvl8pPr marL="2773787" indent="0">
+              <a:buNone/>
+              <a:defRPr sz="867"/>
             </a:lvl8pPr>
-            <a:lvl9pPr marL="3657600" indent="0">
-              <a:buNone/>
-              <a:defRPr sz="1000"/>
+            <a:lvl9pPr marL="3170042" indent="0">
+              <a:buNone/>
+              <a:defRPr sz="867"/>
             </a:lvl9pPr>
           </a:lstStyle>
           <a:p>
@@ -2363,13 +2085,7 @@
       </p:sp>
       <p:sp>
         <p:nvSpPr>
-          <p:cNvPr id="5" name="Date Placeholder 4">
-            <a:extLst>
-              <a:ext uri="{FF2B5EF4-FFF2-40B4-BE49-F238E27FC236}">
-                <a16:creationId xmlns:a16="http://schemas.microsoft.com/office/drawing/2014/main" id="{7458B596-8E5F-4D73-A6F2-8D947EBF3779}"/>
-              </a:ext>
-            </a:extLst>
-          </p:cNvPr>
+          <p:cNvPr id="5" name="Date Placeholder 4"/>
           <p:cNvSpPr>
             <a:spLocks noGrp="1"/>
           </p:cNvSpPr>
@@ -2384,7 +2100,7 @@
           <a:p>
             <a:fld id="{9A0015C3-2E44-486C-A5F2-7FA6CB10593F}" type="datetimeFigureOut">
               <a:rPr lang="en-US" smtClean="0"/>
-              <a:t>10/21/2021</a:t>
+              <a:t>10/27/2021</a:t>
             </a:fld>
             <a:endParaRPr lang="en-US"/>
           </a:p>
@@ -2392,13 +2108,7 @@
       </p:sp>
       <p:sp>
         <p:nvSpPr>
-          <p:cNvPr id="6" name="Footer Placeholder 5">
-            <a:extLst>
-              <a:ext uri="{FF2B5EF4-FFF2-40B4-BE49-F238E27FC236}">
-                <a16:creationId xmlns:a16="http://schemas.microsoft.com/office/drawing/2014/main" id="{DAB84D99-D5DB-4E68-BA07-54BF7C729B60}"/>
-              </a:ext>
-            </a:extLst>
-          </p:cNvPr>
+          <p:cNvPr id="6" name="Footer Placeholder 5"/>
           <p:cNvSpPr>
             <a:spLocks noGrp="1"/>
           </p:cNvSpPr>
@@ -2417,13 +2127,7 @@
       </p:sp>
       <p:sp>
         <p:nvSpPr>
-          <p:cNvPr id="7" name="Slide Number Placeholder 6">
-            <a:extLst>
-              <a:ext uri="{FF2B5EF4-FFF2-40B4-BE49-F238E27FC236}">
-                <a16:creationId xmlns:a16="http://schemas.microsoft.com/office/drawing/2014/main" id="{1BB7FD35-60F9-48C4-B554-EEDD65E8F617}"/>
-              </a:ext>
-            </a:extLst>
-          </p:cNvPr>
+          <p:cNvPr id="7" name="Slide Number Placeholder 6"/>
           <p:cNvSpPr>
             <a:spLocks noGrp="1"/>
           </p:cNvSpPr>
@@ -2447,7 +2151,7 @@
     </p:spTree>
     <p:extLst>
       <p:ext uri="{BB962C8B-B14F-4D97-AF65-F5344CB8AC3E}">
-        <p14:creationId xmlns:p14="http://schemas.microsoft.com/office/powerpoint/2010/main" val="4186536386"/>
+        <p14:creationId xmlns:p14="http://schemas.microsoft.com/office/powerpoint/2010/main" val="1597152343"/>
       </p:ext>
     </p:extLst>
   </p:cSld>
@@ -2476,13 +2180,7 @@
       </p:grpSpPr>
       <p:sp>
         <p:nvSpPr>
-          <p:cNvPr id="2" name="Title 1">
-            <a:extLst>
-              <a:ext uri="{FF2B5EF4-FFF2-40B4-BE49-F238E27FC236}">
-                <a16:creationId xmlns:a16="http://schemas.microsoft.com/office/drawing/2014/main" id="{D26B0C18-97CC-4F05-A264-A4DB7CB670A6}"/>
-              </a:ext>
-            </a:extLst>
-          </p:cNvPr>
+          <p:cNvPr id="2" name="Title 1"/>
           <p:cNvSpPr>
             <a:spLocks noGrp="1"/>
           </p:cNvSpPr>
@@ -2492,15 +2190,15 @@
         </p:nvSpPr>
         <p:spPr>
           <a:xfrm>
-            <a:off x="839788" y="457200"/>
-            <a:ext cx="3932237" cy="1600200"/>
+            <a:off x="630497" y="396240"/>
+            <a:ext cx="2952250" cy="1386840"/>
           </a:xfrm>
         </p:spPr>
         <p:txBody>
           <a:bodyPr anchor="b"/>
           <a:lstStyle>
             <a:lvl1pPr>
-              <a:defRPr sz="3200"/>
+              <a:defRPr sz="2773"/>
             </a:lvl1pPr>
           </a:lstStyle>
           <a:p>
@@ -2508,20 +2206,15 @@
               <a:rPr lang="en-US"/>
               <a:t>Click to edit Master title style</a:t>
             </a:r>
-          </a:p>
-        </p:txBody>
-      </p:sp>
-      <p:sp>
-        <p:nvSpPr>
-          <p:cNvPr id="3" name="Picture Placeholder 2">
-            <a:extLst>
-              <a:ext uri="{FF2B5EF4-FFF2-40B4-BE49-F238E27FC236}">
-                <a16:creationId xmlns:a16="http://schemas.microsoft.com/office/drawing/2014/main" id="{B54C7CA7-9CF4-4F34-815C-15DA109E42DE}"/>
-              </a:ext>
-            </a:extLst>
-          </p:cNvPr>
-          <p:cNvSpPr>
-            <a:spLocks noGrp="1"/>
+            <a:endParaRPr lang="en-US" dirty="0"/>
+          </a:p>
+        </p:txBody>
+      </p:sp>
+      <p:sp>
+        <p:nvSpPr>
+          <p:cNvPr id="3" name="Picture Placeholder 2"/>
+          <p:cNvSpPr>
+            <a:spLocks noGrp="1" noChangeAspect="1"/>
           </p:cNvSpPr>
           <p:nvPr>
             <p:ph type="pic" idx="1"/>
@@ -2529,8 +2222,73 @@
         </p:nvSpPr>
         <p:spPr>
           <a:xfrm>
-            <a:off x="5183188" y="987425"/>
-            <a:ext cx="6172200" cy="4873625"/>
+            <a:off x="3891440" y="855770"/>
+            <a:ext cx="4633972" cy="4223808"/>
+          </a:xfrm>
+        </p:spPr>
+        <p:txBody>
+          <a:bodyPr anchor="t"/>
+          <a:lstStyle>
+            <a:lvl1pPr marL="0" indent="0">
+              <a:buNone/>
+              <a:defRPr sz="2773"/>
+            </a:lvl1pPr>
+            <a:lvl2pPr marL="396255" indent="0">
+              <a:buNone/>
+              <a:defRPr sz="2427"/>
+            </a:lvl2pPr>
+            <a:lvl3pPr marL="792510" indent="0">
+              <a:buNone/>
+              <a:defRPr sz="2080"/>
+            </a:lvl3pPr>
+            <a:lvl4pPr marL="1188766" indent="0">
+              <a:buNone/>
+              <a:defRPr sz="1733"/>
+            </a:lvl4pPr>
+            <a:lvl5pPr marL="1585021" indent="0">
+              <a:buNone/>
+              <a:defRPr sz="1733"/>
+            </a:lvl5pPr>
+            <a:lvl6pPr marL="1981276" indent="0">
+              <a:buNone/>
+              <a:defRPr sz="1733"/>
+            </a:lvl6pPr>
+            <a:lvl7pPr marL="2377531" indent="0">
+              <a:buNone/>
+              <a:defRPr sz="1733"/>
+            </a:lvl7pPr>
+            <a:lvl8pPr marL="2773787" indent="0">
+              <a:buNone/>
+              <a:defRPr sz="1733"/>
+            </a:lvl8pPr>
+            <a:lvl9pPr marL="3170042" indent="0">
+              <a:buNone/>
+              <a:defRPr sz="1733"/>
+            </a:lvl9pPr>
+          </a:lstStyle>
+          <a:p>
+            <a:r>
+              <a:rPr lang="en-US"/>
+              <a:t>Click icon to add picture</a:t>
+            </a:r>
+            <a:endParaRPr lang="en-US" dirty="0"/>
+          </a:p>
+        </p:txBody>
+      </p:sp>
+      <p:sp>
+        <p:nvSpPr>
+          <p:cNvPr id="4" name="Text Placeholder 3"/>
+          <p:cNvSpPr>
+            <a:spLocks noGrp="1"/>
+          </p:cNvSpPr>
+          <p:nvPr>
+            <p:ph type="body" sz="half" idx="2"/>
+          </p:nvPr>
+        </p:nvSpPr>
+        <p:spPr>
+          <a:xfrm>
+            <a:off x="630497" y="1783080"/>
+            <a:ext cx="2952250" cy="3303376"/>
           </a:xfrm>
         </p:spPr>
         <p:txBody>
@@ -2538,109 +2296,42 @@
           <a:lstStyle>
             <a:lvl1pPr marL="0" indent="0">
               <a:buNone/>
-              <a:defRPr sz="3200"/>
+              <a:defRPr sz="1387"/>
             </a:lvl1pPr>
-            <a:lvl2pPr marL="457200" indent="0">
-              <a:buNone/>
-              <a:defRPr sz="2800"/>
+            <a:lvl2pPr marL="396255" indent="0">
+              <a:buNone/>
+              <a:defRPr sz="1213"/>
             </a:lvl2pPr>
-            <a:lvl3pPr marL="914400" indent="0">
-              <a:buNone/>
-              <a:defRPr sz="2400"/>
+            <a:lvl3pPr marL="792510" indent="0">
+              <a:buNone/>
+              <a:defRPr sz="1040"/>
             </a:lvl3pPr>
-            <a:lvl4pPr marL="1371600" indent="0">
-              <a:buNone/>
-              <a:defRPr sz="2000"/>
+            <a:lvl4pPr marL="1188766" indent="0">
+              <a:buNone/>
+              <a:defRPr sz="867"/>
             </a:lvl4pPr>
-            <a:lvl5pPr marL="1828800" indent="0">
-              <a:buNone/>
-              <a:defRPr sz="2000"/>
+            <a:lvl5pPr marL="1585021" indent="0">
+              <a:buNone/>
+              <a:defRPr sz="867"/>
             </a:lvl5pPr>
-            <a:lvl6pPr marL="2286000" indent="0">
-              <a:buNone/>
-              <a:defRPr sz="2000"/>
+            <a:lvl6pPr marL="1981276" indent="0">
+              <a:buNone/>
+              <a:defRPr sz="867"/>
             </a:lvl6pPr>
-            <a:lvl7pPr marL="2743200" indent="0">
-              <a:buNone/>
-              <a:defRPr sz="2000"/>
+            <a:lvl7pPr marL="2377531" indent="0">
+              <a:buNone/>
+              <a:defRPr sz="867"/>
             </a:lvl7pPr>
-            <a:lvl8pPr marL="3200400" indent="0">
-              <a:buNone/>
-              <a:defRPr sz="2000"/>
+            <a:lvl8pPr marL="2773787" indent="0">
+              <a:buNone/>
+              <a:defRPr sz="867"/>
             </a:lvl8pPr>
-            <a:lvl9pPr marL="3657600" indent="0">
-              <a:buNone/>
-              <a:defRPr sz="2000"/>
+            <a:lvl9pPr marL="3170042" indent="0">
+              <a:buNone/>
+              <a:defRPr sz="867"/>
             </a:lvl9pPr>
           </a:lstStyle>
           <a:p>
-            <a:endParaRPr lang="en-US"/>
-          </a:p>
-        </p:txBody>
-      </p:sp>
-      <p:sp>
-        <p:nvSpPr>
-          <p:cNvPr id="4" name="Text Placeholder 3">
-            <a:extLst>
-              <a:ext uri="{FF2B5EF4-FFF2-40B4-BE49-F238E27FC236}">
-                <a16:creationId xmlns:a16="http://schemas.microsoft.com/office/drawing/2014/main" id="{A6A7F57B-C181-49A7-B079-1981DF3B8AD6}"/>
-              </a:ext>
-            </a:extLst>
-          </p:cNvPr>
-          <p:cNvSpPr>
-            <a:spLocks noGrp="1"/>
-          </p:cNvSpPr>
-          <p:nvPr>
-            <p:ph type="body" sz="half" idx="2"/>
-          </p:nvPr>
-        </p:nvSpPr>
-        <p:spPr>
-          <a:xfrm>
-            <a:off x="839788" y="2057400"/>
-            <a:ext cx="3932237" cy="3811588"/>
-          </a:xfrm>
-        </p:spPr>
-        <p:txBody>
-          <a:bodyPr/>
-          <a:lstStyle>
-            <a:lvl1pPr marL="0" indent="0">
-              <a:buNone/>
-              <a:defRPr sz="1600"/>
-            </a:lvl1pPr>
-            <a:lvl2pPr marL="457200" indent="0">
-              <a:buNone/>
-              <a:defRPr sz="1400"/>
-            </a:lvl2pPr>
-            <a:lvl3pPr marL="914400" indent="0">
-              <a:buNone/>
-              <a:defRPr sz="1200"/>
-            </a:lvl3pPr>
-            <a:lvl4pPr marL="1371600" indent="0">
-              <a:buNone/>
-              <a:defRPr sz="1000"/>
-            </a:lvl4pPr>
-            <a:lvl5pPr marL="1828800" indent="0">
-              <a:buNone/>
-              <a:defRPr sz="1000"/>
-            </a:lvl5pPr>
-            <a:lvl6pPr marL="2286000" indent="0">
-              <a:buNone/>
-              <a:defRPr sz="1000"/>
-            </a:lvl6pPr>
-            <a:lvl7pPr marL="2743200" indent="0">
-              <a:buNone/>
-              <a:defRPr sz="1000"/>
-            </a:lvl7pPr>
-            <a:lvl8pPr marL="3200400" indent="0">
-              <a:buNone/>
-              <a:defRPr sz="1000"/>
-            </a:lvl8pPr>
-            <a:lvl9pPr marL="3657600" indent="0">
-              <a:buNone/>
-              <a:defRPr sz="1000"/>
-            </a:lvl9pPr>
-          </a:lstStyle>
-          <a:p>
             <a:pPr lvl="0"/>
             <a:r>
               <a:rPr lang="en-US"/>
@@ -2651,13 +2342,7 @@
       </p:sp>
       <p:sp>
         <p:nvSpPr>
-          <p:cNvPr id="5" name="Date Placeholder 4">
-            <a:extLst>
-              <a:ext uri="{FF2B5EF4-FFF2-40B4-BE49-F238E27FC236}">
-                <a16:creationId xmlns:a16="http://schemas.microsoft.com/office/drawing/2014/main" id="{9C192C5C-3E5E-49AC-8F27-608620F5B56D}"/>
-              </a:ext>
-            </a:extLst>
-          </p:cNvPr>
+          <p:cNvPr id="5" name="Date Placeholder 4"/>
           <p:cNvSpPr>
             <a:spLocks noGrp="1"/>
           </p:cNvSpPr>
@@ -2672,7 +2357,7 @@
           <a:p>
             <a:fld id="{9A0015C3-2E44-486C-A5F2-7FA6CB10593F}" type="datetimeFigureOut">
               <a:rPr lang="en-US" smtClean="0"/>
-              <a:t>10/21/2021</a:t>
+              <a:t>10/27/2021</a:t>
             </a:fld>
             <a:endParaRPr lang="en-US"/>
           </a:p>
@@ -2680,13 +2365,7 @@
       </p:sp>
       <p:sp>
         <p:nvSpPr>
-          <p:cNvPr id="6" name="Footer Placeholder 5">
-            <a:extLst>
-              <a:ext uri="{FF2B5EF4-FFF2-40B4-BE49-F238E27FC236}">
-                <a16:creationId xmlns:a16="http://schemas.microsoft.com/office/drawing/2014/main" id="{4C62EF88-DE98-43AE-BB39-290BCD5115DA}"/>
-              </a:ext>
-            </a:extLst>
-          </p:cNvPr>
+          <p:cNvPr id="6" name="Footer Placeholder 5"/>
           <p:cNvSpPr>
             <a:spLocks noGrp="1"/>
           </p:cNvSpPr>
@@ -2705,13 +2384,7 @@
       </p:sp>
       <p:sp>
         <p:nvSpPr>
-          <p:cNvPr id="7" name="Slide Number Placeholder 6">
-            <a:extLst>
-              <a:ext uri="{FF2B5EF4-FFF2-40B4-BE49-F238E27FC236}">
-                <a16:creationId xmlns:a16="http://schemas.microsoft.com/office/drawing/2014/main" id="{E83E90D9-0119-437F-B8B5-05821DB9DD23}"/>
-              </a:ext>
-            </a:extLst>
-          </p:cNvPr>
+          <p:cNvPr id="7" name="Slide Number Placeholder 6"/>
           <p:cNvSpPr>
             <a:spLocks noGrp="1"/>
           </p:cNvSpPr>
@@ -2735,7 +2408,7 @@
     </p:spTree>
     <p:extLst>
       <p:ext uri="{BB962C8B-B14F-4D97-AF65-F5344CB8AC3E}">
-        <p14:creationId xmlns:p14="http://schemas.microsoft.com/office/powerpoint/2010/main" val="3689545874"/>
+        <p14:creationId xmlns:p14="http://schemas.microsoft.com/office/powerpoint/2010/main" val="893885414"/>
       </p:ext>
     </p:extLst>
   </p:cSld>
@@ -2769,13 +2442,7 @@
       </p:grpSpPr>
       <p:sp>
         <p:nvSpPr>
-          <p:cNvPr id="2" name="Title Placeholder 1">
-            <a:extLst>
-              <a:ext uri="{FF2B5EF4-FFF2-40B4-BE49-F238E27FC236}">
-                <a16:creationId xmlns:a16="http://schemas.microsoft.com/office/drawing/2014/main" id="{49C44EA5-EFFD-44D7-BB86-2181813C7270}"/>
-              </a:ext>
-            </a:extLst>
-          </p:cNvPr>
+          <p:cNvPr id="2" name="Title Placeholder 1"/>
           <p:cNvSpPr>
             <a:spLocks noGrp="1"/>
           </p:cNvSpPr>
@@ -2785,8 +2452,8 @@
         </p:nvSpPr>
         <p:spPr>
           <a:xfrm>
-            <a:off x="838200" y="365125"/>
-            <a:ext cx="10515600" cy="1325563"/>
+            <a:off x="629305" y="316443"/>
+            <a:ext cx="7894915" cy="1148821"/>
           </a:xfrm>
           <a:prstGeom prst="rect">
             <a:avLst/>
@@ -2802,18 +2469,13 @@
               <a:rPr lang="en-US"/>
               <a:t>Click to edit Master title style</a:t>
             </a:r>
-          </a:p>
-        </p:txBody>
-      </p:sp>
-      <p:sp>
-        <p:nvSpPr>
-          <p:cNvPr id="3" name="Text Placeholder 2">
-            <a:extLst>
-              <a:ext uri="{FF2B5EF4-FFF2-40B4-BE49-F238E27FC236}">
-                <a16:creationId xmlns:a16="http://schemas.microsoft.com/office/drawing/2014/main" id="{553CDC06-39CF-4D91-B90F-AA5F3EFE35E9}"/>
-              </a:ext>
-            </a:extLst>
-          </p:cNvPr>
+            <a:endParaRPr lang="en-US" dirty="0"/>
+          </a:p>
+        </p:txBody>
+      </p:sp>
+      <p:sp>
+        <p:nvSpPr>
+          <p:cNvPr id="3" name="Text Placeholder 2"/>
           <p:cNvSpPr>
             <a:spLocks noGrp="1"/>
           </p:cNvSpPr>
@@ -2823,8 +2485,8 @@
         </p:nvSpPr>
         <p:spPr>
           <a:xfrm>
-            <a:off x="838200" y="1825625"/>
-            <a:ext cx="10515600" cy="4351338"/>
+            <a:off x="629305" y="1582208"/>
+            <a:ext cx="7894915" cy="3771160"/>
           </a:xfrm>
           <a:prstGeom prst="rect">
             <a:avLst/>
@@ -2869,18 +2531,13 @@
               <a:rPr lang="en-US"/>
               <a:t>Fifth level</a:t>
             </a:r>
-          </a:p>
-        </p:txBody>
-      </p:sp>
-      <p:sp>
-        <p:nvSpPr>
-          <p:cNvPr id="4" name="Date Placeholder 3">
-            <a:extLst>
-              <a:ext uri="{FF2B5EF4-FFF2-40B4-BE49-F238E27FC236}">
-                <a16:creationId xmlns:a16="http://schemas.microsoft.com/office/drawing/2014/main" id="{EA65E20B-809F-4503-8AAD-54435876AE2A}"/>
-              </a:ext>
-            </a:extLst>
-          </p:cNvPr>
+            <a:endParaRPr lang="en-US" dirty="0"/>
+          </a:p>
+        </p:txBody>
+      </p:sp>
+      <p:sp>
+        <p:nvSpPr>
+          <p:cNvPr id="4" name="Date Placeholder 3"/>
           <p:cNvSpPr>
             <a:spLocks noGrp="1"/>
           </p:cNvSpPr>
@@ -2890,8 +2547,8 @@
         </p:nvSpPr>
         <p:spPr>
           <a:xfrm>
-            <a:off x="838200" y="6356350"/>
-            <a:ext cx="2743200" cy="365125"/>
+            <a:off x="629305" y="5508838"/>
+            <a:ext cx="2059543" cy="316442"/>
           </a:xfrm>
           <a:prstGeom prst="rect">
             <a:avLst/>
@@ -2901,7 +2558,7 @@
           <a:bodyPr vert="horz" lIns="91440" tIns="45720" rIns="91440" bIns="45720" rtlCol="0" anchor="ctr"/>
           <a:lstStyle>
             <a:lvl1pPr algn="l">
-              <a:defRPr sz="1200">
+              <a:defRPr sz="1040">
                 <a:solidFill>
                   <a:schemeClr val="tx1">
                     <a:tint val="75000"/>
@@ -2913,7 +2570,7 @@
           <a:p>
             <a:fld id="{9A0015C3-2E44-486C-A5F2-7FA6CB10593F}" type="datetimeFigureOut">
               <a:rPr lang="en-US" smtClean="0"/>
-              <a:t>10/21/2021</a:t>
+              <a:t>10/27/2021</a:t>
             </a:fld>
             <a:endParaRPr lang="en-US"/>
           </a:p>
@@ -2921,13 +2578,7 @@
       </p:sp>
       <p:sp>
         <p:nvSpPr>
-          <p:cNvPr id="5" name="Footer Placeholder 4">
-            <a:extLst>
-              <a:ext uri="{FF2B5EF4-FFF2-40B4-BE49-F238E27FC236}">
-                <a16:creationId xmlns:a16="http://schemas.microsoft.com/office/drawing/2014/main" id="{C4E5D587-E4A2-41AC-B53D-9B40009BE365}"/>
-              </a:ext>
-            </a:extLst>
-          </p:cNvPr>
+          <p:cNvPr id="5" name="Footer Placeholder 4"/>
           <p:cNvSpPr>
             <a:spLocks noGrp="1"/>
           </p:cNvSpPr>
@@ -2937,8 +2588,8 @@
         </p:nvSpPr>
         <p:spPr>
           <a:xfrm>
-            <a:off x="4038600" y="6356350"/>
-            <a:ext cx="4114800" cy="365125"/>
+            <a:off x="3032105" y="5508838"/>
+            <a:ext cx="3089315" cy="316442"/>
           </a:xfrm>
           <a:prstGeom prst="rect">
             <a:avLst/>
@@ -2948,7 +2599,7 @@
           <a:bodyPr vert="horz" lIns="91440" tIns="45720" rIns="91440" bIns="45720" rtlCol="0" anchor="ctr"/>
           <a:lstStyle>
             <a:lvl1pPr algn="ctr">
-              <a:defRPr sz="1200">
+              <a:defRPr sz="1040">
                 <a:solidFill>
                   <a:schemeClr val="tx1">
                     <a:tint val="75000"/>
@@ -2964,13 +2615,7 @@
       </p:sp>
       <p:sp>
         <p:nvSpPr>
-          <p:cNvPr id="6" name="Slide Number Placeholder 5">
-            <a:extLst>
-              <a:ext uri="{FF2B5EF4-FFF2-40B4-BE49-F238E27FC236}">
-                <a16:creationId xmlns:a16="http://schemas.microsoft.com/office/drawing/2014/main" id="{41629826-EE47-490B-903A-034A846EFB3D}"/>
-              </a:ext>
-            </a:extLst>
-          </p:cNvPr>
+          <p:cNvPr id="6" name="Slide Number Placeholder 5"/>
           <p:cNvSpPr>
             <a:spLocks noGrp="1"/>
           </p:cNvSpPr>
@@ -2980,8 +2625,8 @@
         </p:nvSpPr>
         <p:spPr>
           <a:xfrm>
-            <a:off x="8610600" y="6356350"/>
-            <a:ext cx="2743200" cy="365125"/>
+            <a:off x="6464677" y="5508838"/>
+            <a:ext cx="2059543" cy="316442"/>
           </a:xfrm>
           <a:prstGeom prst="rect">
             <a:avLst/>
@@ -2991,7 +2636,7 @@
           <a:bodyPr vert="horz" lIns="91440" tIns="45720" rIns="91440" bIns="45720" rtlCol="0" anchor="ctr"/>
           <a:lstStyle>
             <a:lvl1pPr algn="r">
-              <a:defRPr sz="1200">
+              <a:defRPr sz="1040">
                 <a:solidFill>
                   <a:schemeClr val="tx1">
                     <a:tint val="75000"/>
@@ -3012,27 +2657,27 @@
     </p:spTree>
     <p:extLst>
       <p:ext uri="{BB962C8B-B14F-4D97-AF65-F5344CB8AC3E}">
-        <p14:creationId xmlns:p14="http://schemas.microsoft.com/office/powerpoint/2010/main" val="1877942459"/>
+        <p14:creationId xmlns:p14="http://schemas.microsoft.com/office/powerpoint/2010/main" val="1120577670"/>
       </p:ext>
     </p:extLst>
   </p:cSld>
   <p:clrMap bg1="lt1" tx1="dk1" bg2="lt2" tx2="dk2" accent1="accent1" accent2="accent2" accent3="accent3" accent4="accent4" accent5="accent5" accent6="accent6" hlink="hlink" folHlink="folHlink"/>
   <p:sldLayoutIdLst>
-    <p:sldLayoutId id="2147483649" r:id="rId1"/>
-    <p:sldLayoutId id="2147483650" r:id="rId2"/>
-    <p:sldLayoutId id="2147483651" r:id="rId3"/>
-    <p:sldLayoutId id="2147483652" r:id="rId4"/>
-    <p:sldLayoutId id="2147483653" r:id="rId5"/>
-    <p:sldLayoutId id="2147483654" r:id="rId6"/>
-    <p:sldLayoutId id="2147483655" r:id="rId7"/>
-    <p:sldLayoutId id="2147483656" r:id="rId8"/>
-    <p:sldLayoutId id="2147483657" r:id="rId9"/>
-    <p:sldLayoutId id="2147483658" r:id="rId10"/>
-    <p:sldLayoutId id="2147483659" r:id="rId11"/>
+    <p:sldLayoutId id="2147483661" r:id="rId1"/>
+    <p:sldLayoutId id="2147483662" r:id="rId2"/>
+    <p:sldLayoutId id="2147483663" r:id="rId3"/>
+    <p:sldLayoutId id="2147483664" r:id="rId4"/>
+    <p:sldLayoutId id="2147483665" r:id="rId5"/>
+    <p:sldLayoutId id="2147483666" r:id="rId6"/>
+    <p:sldLayoutId id="2147483667" r:id="rId7"/>
+    <p:sldLayoutId id="2147483668" r:id="rId8"/>
+    <p:sldLayoutId id="2147483669" r:id="rId9"/>
+    <p:sldLayoutId id="2147483670" r:id="rId10"/>
+    <p:sldLayoutId id="2147483671" r:id="rId11"/>
   </p:sldLayoutIdLst>
   <p:txStyles>
     <p:titleStyle>
-      <a:lvl1pPr algn="l" defTabSz="914400" rtl="0" eaLnBrk="1" latinLnBrk="0" hangingPunct="1">
+      <a:lvl1pPr algn="l" defTabSz="792510" rtl="0" eaLnBrk="1" latinLnBrk="0" hangingPunct="1">
         <a:lnSpc>
           <a:spcPct val="90000"/>
         </a:lnSpc>
@@ -3040,7 +2685,7 @@
           <a:spcPct val="0"/>
         </a:spcBef>
         <a:buNone/>
-        <a:defRPr sz="4400" kern="1200">
+        <a:defRPr sz="3813" kern="1200">
           <a:solidFill>
             <a:schemeClr val="tx1"/>
           </a:solidFill>
@@ -3051,16 +2696,16 @@
       </a:lvl1pPr>
     </p:titleStyle>
     <p:bodyStyle>
-      <a:lvl1pPr marL="228600" indent="-228600" algn="l" defTabSz="914400" rtl="0" eaLnBrk="1" latinLnBrk="0" hangingPunct="1">
+      <a:lvl1pPr marL="198128" indent="-198128" algn="l" defTabSz="792510" rtl="0" eaLnBrk="1" latinLnBrk="0" hangingPunct="1">
         <a:lnSpc>
           <a:spcPct val="90000"/>
         </a:lnSpc>
         <a:spcBef>
-          <a:spcPts val="1000"/>
+          <a:spcPts val="867"/>
         </a:spcBef>
         <a:buFont typeface="Arial" panose="020B0604020202020204" pitchFamily="34" charset="0"/>
         <a:buChar char="•"/>
-        <a:defRPr sz="2800" kern="1200">
+        <a:defRPr sz="2427" kern="1200">
           <a:solidFill>
             <a:schemeClr val="tx1"/>
           </a:solidFill>
@@ -3069,16 +2714,16 @@
           <a:cs typeface="+mn-cs"/>
         </a:defRPr>
       </a:lvl1pPr>
-      <a:lvl2pPr marL="685800" indent="-228600" algn="l" defTabSz="914400" rtl="0" eaLnBrk="1" latinLnBrk="0" hangingPunct="1">
+      <a:lvl2pPr marL="594383" indent="-198128" algn="l" defTabSz="792510" rtl="0" eaLnBrk="1" latinLnBrk="0" hangingPunct="1">
         <a:lnSpc>
           <a:spcPct val="90000"/>
         </a:lnSpc>
         <a:spcBef>
-          <a:spcPts val="500"/>
+          <a:spcPts val="433"/>
         </a:spcBef>
         <a:buFont typeface="Arial" panose="020B0604020202020204" pitchFamily="34" charset="0"/>
         <a:buChar char="•"/>
-        <a:defRPr sz="2400" kern="1200">
+        <a:defRPr sz="2080" kern="1200">
           <a:solidFill>
             <a:schemeClr val="tx1"/>
           </a:solidFill>
@@ -3087,16 +2732,16 @@
           <a:cs typeface="+mn-cs"/>
         </a:defRPr>
       </a:lvl2pPr>
-      <a:lvl3pPr marL="1143000" indent="-228600" algn="l" defTabSz="914400" rtl="0" eaLnBrk="1" latinLnBrk="0" hangingPunct="1">
+      <a:lvl3pPr marL="990638" indent="-198128" algn="l" defTabSz="792510" rtl="0" eaLnBrk="1" latinLnBrk="0" hangingPunct="1">
         <a:lnSpc>
           <a:spcPct val="90000"/>
         </a:lnSpc>
         <a:spcBef>
-          <a:spcPts val="500"/>
+          <a:spcPts val="433"/>
         </a:spcBef>
         <a:buFont typeface="Arial" panose="020B0604020202020204" pitchFamily="34" charset="0"/>
         <a:buChar char="•"/>
-        <a:defRPr sz="2000" kern="1200">
+        <a:defRPr sz="1733" kern="1200">
           <a:solidFill>
             <a:schemeClr val="tx1"/>
           </a:solidFill>
@@ -3105,16 +2750,16 @@
           <a:cs typeface="+mn-cs"/>
         </a:defRPr>
       </a:lvl3pPr>
-      <a:lvl4pPr marL="1600200" indent="-228600" algn="l" defTabSz="914400" rtl="0" eaLnBrk="1" latinLnBrk="0" hangingPunct="1">
+      <a:lvl4pPr marL="1386893" indent="-198128" algn="l" defTabSz="792510" rtl="0" eaLnBrk="1" latinLnBrk="0" hangingPunct="1">
         <a:lnSpc>
           <a:spcPct val="90000"/>
         </a:lnSpc>
         <a:spcBef>
-          <a:spcPts val="500"/>
+          <a:spcPts val="433"/>
         </a:spcBef>
         <a:buFont typeface="Arial" panose="020B0604020202020204" pitchFamily="34" charset="0"/>
         <a:buChar char="•"/>
-        <a:defRPr sz="1800" kern="1200">
+        <a:defRPr sz="1560" kern="1200">
           <a:solidFill>
             <a:schemeClr val="tx1"/>
           </a:solidFill>
@@ -3123,16 +2768,16 @@
           <a:cs typeface="+mn-cs"/>
         </a:defRPr>
       </a:lvl4pPr>
-      <a:lvl5pPr marL="2057400" indent="-228600" algn="l" defTabSz="914400" rtl="0" eaLnBrk="1" latinLnBrk="0" hangingPunct="1">
+      <a:lvl5pPr marL="1783149" indent="-198128" algn="l" defTabSz="792510" rtl="0" eaLnBrk="1" latinLnBrk="0" hangingPunct="1">
         <a:lnSpc>
           <a:spcPct val="90000"/>
         </a:lnSpc>
         <a:spcBef>
-          <a:spcPts val="500"/>
+          <a:spcPts val="433"/>
         </a:spcBef>
         <a:buFont typeface="Arial" panose="020B0604020202020204" pitchFamily="34" charset="0"/>
         <a:buChar char="•"/>
-        <a:defRPr sz="1800" kern="1200">
+        <a:defRPr sz="1560" kern="1200">
           <a:solidFill>
             <a:schemeClr val="tx1"/>
           </a:solidFill>
@@ -3141,16 +2786,16 @@
           <a:cs typeface="+mn-cs"/>
         </a:defRPr>
       </a:lvl5pPr>
-      <a:lvl6pPr marL="2514600" indent="-228600" algn="l" defTabSz="914400" rtl="0" eaLnBrk="1" latinLnBrk="0" hangingPunct="1">
+      <a:lvl6pPr marL="2179404" indent="-198128" algn="l" defTabSz="792510" rtl="0" eaLnBrk="1" latinLnBrk="0" hangingPunct="1">
         <a:lnSpc>
           <a:spcPct val="90000"/>
         </a:lnSpc>
         <a:spcBef>
-          <a:spcPts val="500"/>
+          <a:spcPts val="433"/>
         </a:spcBef>
         <a:buFont typeface="Arial" panose="020B0604020202020204" pitchFamily="34" charset="0"/>
         <a:buChar char="•"/>
-        <a:defRPr sz="1800" kern="1200">
+        <a:defRPr sz="1560" kern="1200">
           <a:solidFill>
             <a:schemeClr val="tx1"/>
           </a:solidFill>
@@ -3159,16 +2804,16 @@
           <a:cs typeface="+mn-cs"/>
         </a:defRPr>
       </a:lvl6pPr>
-      <a:lvl7pPr marL="2971800" indent="-228600" algn="l" defTabSz="914400" rtl="0" eaLnBrk="1" latinLnBrk="0" hangingPunct="1">
+      <a:lvl7pPr marL="2575659" indent="-198128" algn="l" defTabSz="792510" rtl="0" eaLnBrk="1" latinLnBrk="0" hangingPunct="1">
         <a:lnSpc>
           <a:spcPct val="90000"/>
         </a:lnSpc>
         <a:spcBef>
-          <a:spcPts val="500"/>
+          <a:spcPts val="433"/>
         </a:spcBef>
         <a:buFont typeface="Arial" panose="020B0604020202020204" pitchFamily="34" charset="0"/>
         <a:buChar char="•"/>
-        <a:defRPr sz="1800" kern="1200">
+        <a:defRPr sz="1560" kern="1200">
           <a:solidFill>
             <a:schemeClr val="tx1"/>
           </a:solidFill>
@@ -3177,16 +2822,16 @@
           <a:cs typeface="+mn-cs"/>
         </a:defRPr>
       </a:lvl7pPr>
-      <a:lvl8pPr marL="3429000" indent="-228600" algn="l" defTabSz="914400" rtl="0" eaLnBrk="1" latinLnBrk="0" hangingPunct="1">
+      <a:lvl8pPr marL="2971914" indent="-198128" algn="l" defTabSz="792510" rtl="0" eaLnBrk="1" latinLnBrk="0" hangingPunct="1">
         <a:lnSpc>
           <a:spcPct val="90000"/>
         </a:lnSpc>
         <a:spcBef>
-          <a:spcPts val="500"/>
+          <a:spcPts val="433"/>
         </a:spcBef>
         <a:buFont typeface="Arial" panose="020B0604020202020204" pitchFamily="34" charset="0"/>
         <a:buChar char="•"/>
-        <a:defRPr sz="1800" kern="1200">
+        <a:defRPr sz="1560" kern="1200">
           <a:solidFill>
             <a:schemeClr val="tx1"/>
           </a:solidFill>
@@ -3195,16 +2840,16 @@
           <a:cs typeface="+mn-cs"/>
         </a:defRPr>
       </a:lvl8pPr>
-      <a:lvl9pPr marL="3886200" indent="-228600" algn="l" defTabSz="914400" rtl="0" eaLnBrk="1" latinLnBrk="0" hangingPunct="1">
+      <a:lvl9pPr marL="3368170" indent="-198128" algn="l" defTabSz="792510" rtl="0" eaLnBrk="1" latinLnBrk="0" hangingPunct="1">
         <a:lnSpc>
           <a:spcPct val="90000"/>
         </a:lnSpc>
         <a:spcBef>
-          <a:spcPts val="500"/>
+          <a:spcPts val="433"/>
         </a:spcBef>
         <a:buFont typeface="Arial" panose="020B0604020202020204" pitchFamily="34" charset="0"/>
         <a:buChar char="•"/>
-        <a:defRPr sz="1800" kern="1200">
+        <a:defRPr sz="1560" kern="1200">
           <a:solidFill>
             <a:schemeClr val="tx1"/>
           </a:solidFill>
@@ -3218,8 +2863,8 @@
       <a:defPPr>
         <a:defRPr lang="en-US"/>
       </a:defPPr>
-      <a:lvl1pPr marL="0" algn="l" defTabSz="914400" rtl="0" eaLnBrk="1" latinLnBrk="0" hangingPunct="1">
-        <a:defRPr sz="1800" kern="1200">
+      <a:lvl1pPr marL="0" algn="l" defTabSz="792510" rtl="0" eaLnBrk="1" latinLnBrk="0" hangingPunct="1">
+        <a:defRPr sz="1560" kern="1200">
           <a:solidFill>
             <a:schemeClr val="tx1"/>
           </a:solidFill>
@@ -3228,8 +2873,8 @@
           <a:cs typeface="+mn-cs"/>
         </a:defRPr>
       </a:lvl1pPr>
-      <a:lvl2pPr marL="457200" algn="l" defTabSz="914400" rtl="0" eaLnBrk="1" latinLnBrk="0" hangingPunct="1">
-        <a:defRPr sz="1800" kern="1200">
+      <a:lvl2pPr marL="396255" algn="l" defTabSz="792510" rtl="0" eaLnBrk="1" latinLnBrk="0" hangingPunct="1">
+        <a:defRPr sz="1560" kern="1200">
           <a:solidFill>
             <a:schemeClr val="tx1"/>
           </a:solidFill>
@@ -3238,8 +2883,8 @@
           <a:cs typeface="+mn-cs"/>
         </a:defRPr>
       </a:lvl2pPr>
-      <a:lvl3pPr marL="914400" algn="l" defTabSz="914400" rtl="0" eaLnBrk="1" latinLnBrk="0" hangingPunct="1">
-        <a:defRPr sz="1800" kern="1200">
+      <a:lvl3pPr marL="792510" algn="l" defTabSz="792510" rtl="0" eaLnBrk="1" latinLnBrk="0" hangingPunct="1">
+        <a:defRPr sz="1560" kern="1200">
           <a:solidFill>
             <a:schemeClr val="tx1"/>
           </a:solidFill>
@@ -3248,8 +2893,8 @@
           <a:cs typeface="+mn-cs"/>
         </a:defRPr>
       </a:lvl3pPr>
-      <a:lvl4pPr marL="1371600" algn="l" defTabSz="914400" rtl="0" eaLnBrk="1" latinLnBrk="0" hangingPunct="1">
-        <a:defRPr sz="1800" kern="1200">
+      <a:lvl4pPr marL="1188766" algn="l" defTabSz="792510" rtl="0" eaLnBrk="1" latinLnBrk="0" hangingPunct="1">
+        <a:defRPr sz="1560" kern="1200">
           <a:solidFill>
             <a:schemeClr val="tx1"/>
           </a:solidFill>
@@ -3258,8 +2903,8 @@
           <a:cs typeface="+mn-cs"/>
         </a:defRPr>
       </a:lvl4pPr>
-      <a:lvl5pPr marL="1828800" algn="l" defTabSz="914400" rtl="0" eaLnBrk="1" latinLnBrk="0" hangingPunct="1">
-        <a:defRPr sz="1800" kern="1200">
+      <a:lvl5pPr marL="1585021" algn="l" defTabSz="792510" rtl="0" eaLnBrk="1" latinLnBrk="0" hangingPunct="1">
+        <a:defRPr sz="1560" kern="1200">
           <a:solidFill>
             <a:schemeClr val="tx1"/>
           </a:solidFill>
@@ -3268,8 +2913,8 @@
           <a:cs typeface="+mn-cs"/>
         </a:defRPr>
       </a:lvl5pPr>
-      <a:lvl6pPr marL="2286000" algn="l" defTabSz="914400" rtl="0" eaLnBrk="1" latinLnBrk="0" hangingPunct="1">
-        <a:defRPr sz="1800" kern="1200">
+      <a:lvl6pPr marL="1981276" algn="l" defTabSz="792510" rtl="0" eaLnBrk="1" latinLnBrk="0" hangingPunct="1">
+        <a:defRPr sz="1560" kern="1200">
           <a:solidFill>
             <a:schemeClr val="tx1"/>
           </a:solidFill>
@@ -3278,8 +2923,8 @@
           <a:cs typeface="+mn-cs"/>
         </a:defRPr>
       </a:lvl6pPr>
-      <a:lvl7pPr marL="2743200" algn="l" defTabSz="914400" rtl="0" eaLnBrk="1" latinLnBrk="0" hangingPunct="1">
-        <a:defRPr sz="1800" kern="1200">
+      <a:lvl7pPr marL="2377531" algn="l" defTabSz="792510" rtl="0" eaLnBrk="1" latinLnBrk="0" hangingPunct="1">
+        <a:defRPr sz="1560" kern="1200">
           <a:solidFill>
             <a:schemeClr val="tx1"/>
           </a:solidFill>
@@ -3288,8 +2933,8 @@
           <a:cs typeface="+mn-cs"/>
         </a:defRPr>
       </a:lvl7pPr>
-      <a:lvl8pPr marL="3200400" algn="l" defTabSz="914400" rtl="0" eaLnBrk="1" latinLnBrk="0" hangingPunct="1">
-        <a:defRPr sz="1800" kern="1200">
+      <a:lvl8pPr marL="2773787" algn="l" defTabSz="792510" rtl="0" eaLnBrk="1" latinLnBrk="0" hangingPunct="1">
+        <a:defRPr sz="1560" kern="1200">
           <a:solidFill>
             <a:schemeClr val="tx1"/>
           </a:solidFill>
@@ -3298,8 +2943,8 @@
           <a:cs typeface="+mn-cs"/>
         </a:defRPr>
       </a:lvl8pPr>
-      <a:lvl9pPr marL="3657600" algn="l" defTabSz="914400" rtl="0" eaLnBrk="1" latinLnBrk="0" hangingPunct="1">
-        <a:defRPr sz="1800" kern="1200">
+      <a:lvl9pPr marL="3170042" algn="l" defTabSz="792510" rtl="0" eaLnBrk="1" latinLnBrk="0" hangingPunct="1">
+        <a:defRPr sz="1560" kern="1200">
           <a:solidFill>
             <a:schemeClr val="tx1"/>
           </a:solidFill>
@@ -3358,7 +3003,7 @@
         </p:blipFill>
         <p:spPr>
           <a:xfrm>
-            <a:off x="3438574" y="8466"/>
+            <a:off x="1919336" y="-448735"/>
             <a:ext cx="6938682" cy="6858000"/>
           </a:xfrm>
           <a:prstGeom prst="rect">
@@ -3404,7 +3049,7 @@
         </p:blipFill>
         <p:spPr>
           <a:xfrm>
-            <a:off x="5496025" y="668668"/>
+            <a:off x="3976787" y="211469"/>
             <a:ext cx="1544200" cy="1544200"/>
           </a:xfrm>
           <a:prstGeom prst="rect">
@@ -3445,8 +3090,8 @@
         </p:blipFill>
         <p:spPr>
           <a:xfrm>
-            <a:off x="9644460" y="4186263"/>
-            <a:ext cx="644574" cy="531827"/>
+            <a:off x="8125223" y="3729064"/>
+            <a:ext cx="644573" cy="531826"/>
           </a:xfrm>
           <a:prstGeom prst="rect">
             <a:avLst/>
@@ -3474,8 +3119,8 @@
         </p:blipFill>
         <p:spPr>
           <a:xfrm>
-            <a:off x="1665171" y="2825604"/>
-            <a:ext cx="845440" cy="1360659"/>
+            <a:off x="145934" y="2368405"/>
+            <a:ext cx="845439" cy="1360659"/>
           </a:xfrm>
           <a:prstGeom prst="rect">
             <a:avLst/>
@@ -3504,7 +3149,7 @@
         </p:blipFill>
         <p:spPr>
           <a:xfrm>
-            <a:off x="953592" y="4720496"/>
+            <a:off x="-565645" y="4263298"/>
             <a:ext cx="1898748" cy="958899"/>
           </a:xfrm>
           <a:prstGeom prst="rect">
@@ -3534,8 +3179,8 @@
         </p:blipFill>
         <p:spPr>
           <a:xfrm>
-            <a:off x="1665171" y="1573772"/>
-            <a:ext cx="844593" cy="2305168"/>
+            <a:off x="145935" y="1116574"/>
+            <a:ext cx="844593" cy="2305167"/>
           </a:xfrm>
           <a:prstGeom prst="rect">
             <a:avLst/>
@@ -3599,130 +3244,8 @@
         </p:blipFill>
         <p:spPr>
           <a:xfrm>
-            <a:off x="1455184" y="218162"/>
+            <a:off x="0" y="-73953"/>
             <a:ext cx="9157191" cy="6017553"/>
-          </a:xfrm>
-          <a:prstGeom prst="rect">
-            <a:avLst/>
-          </a:prstGeom>
-        </p:spPr>
-      </p:pic>
-      <p:pic>
-        <p:nvPicPr>
-          <p:cNvPr id="15" name="Picture 14">
-            <a:extLst>
-              <a:ext uri="{FF2B5EF4-FFF2-40B4-BE49-F238E27FC236}">
-                <a16:creationId xmlns:a16="http://schemas.microsoft.com/office/drawing/2014/main" id="{A2D7E8FA-BDA1-4B10-99E3-7A817C5A1634}"/>
-              </a:ext>
-            </a:extLst>
-          </p:cNvPr>
-          <p:cNvPicPr>
-            <a:picLocks noChangeAspect="1"/>
-          </p:cNvPicPr>
-          <p:nvPr/>
-        </p:nvPicPr>
-        <p:blipFill rotWithShape="1">
-          <a:blip r:embed="rId3">
-            <a:clrChange>
-              <a:clrFrom>
-                <a:srgbClr val="FFFFFF"/>
-              </a:clrFrom>
-              <a:clrTo>
-                <a:srgbClr val="FFFFFF">
-                  <a:alpha val="0"/>
-                </a:srgbClr>
-              </a:clrTo>
-            </a:clrChange>
-          </a:blip>
-          <a:srcRect r="10573"/>
-          <a:stretch/>
-        </p:blipFill>
-        <p:spPr>
-          <a:xfrm>
-            <a:off x="1831477" y="4382199"/>
-            <a:ext cx="442382" cy="711974"/>
-          </a:xfrm>
-          <a:prstGeom prst="rect">
-            <a:avLst/>
-          </a:prstGeom>
-        </p:spPr>
-      </p:pic>
-      <p:pic>
-        <p:nvPicPr>
-          <p:cNvPr id="16" name="Picture 15">
-            <a:extLst>
-              <a:ext uri="{FF2B5EF4-FFF2-40B4-BE49-F238E27FC236}">
-                <a16:creationId xmlns:a16="http://schemas.microsoft.com/office/drawing/2014/main" id="{40A4AFD2-34F3-46AA-9CDA-66124527A2E6}"/>
-              </a:ext>
-            </a:extLst>
-          </p:cNvPr>
-          <p:cNvPicPr>
-            <a:picLocks noChangeAspect="1"/>
-          </p:cNvPicPr>
-          <p:nvPr/>
-        </p:nvPicPr>
-        <p:blipFill>
-          <a:blip r:embed="rId4">
-            <a:clrChange>
-              <a:clrFrom>
-                <a:srgbClr val="FFFFFF"/>
-              </a:clrFrom>
-              <a:clrTo>
-                <a:srgbClr val="FFFFFF">
-                  <a:alpha val="0"/>
-                </a:srgbClr>
-              </a:clrTo>
-            </a:clrChange>
-          </a:blip>
-          <a:stretch>
-            <a:fillRect/>
-          </a:stretch>
-        </p:blipFill>
-        <p:spPr>
-          <a:xfrm>
-            <a:off x="1938009" y="2934746"/>
-            <a:ext cx="1018255" cy="514235"/>
-          </a:xfrm>
-          <a:prstGeom prst="rect">
-            <a:avLst/>
-          </a:prstGeom>
-        </p:spPr>
-      </p:pic>
-      <p:pic>
-        <p:nvPicPr>
-          <p:cNvPr id="17" name="Picture 16">
-            <a:extLst>
-              <a:ext uri="{FF2B5EF4-FFF2-40B4-BE49-F238E27FC236}">
-                <a16:creationId xmlns:a16="http://schemas.microsoft.com/office/drawing/2014/main" id="{D8CE6332-EB93-4EFF-B4DF-077000CF3000}"/>
-              </a:ext>
-            </a:extLst>
-          </p:cNvPr>
-          <p:cNvPicPr>
-            <a:picLocks noChangeAspect="1"/>
-          </p:cNvPicPr>
-          <p:nvPr/>
-        </p:nvPicPr>
-        <p:blipFill>
-          <a:blip r:embed="rId5">
-            <a:clrChange>
-              <a:clrFrom>
-                <a:srgbClr val="FFFFFF"/>
-              </a:clrFrom>
-              <a:clrTo>
-                <a:srgbClr val="FFFFFF">
-                  <a:alpha val="0"/>
-                </a:srgbClr>
-              </a:clrTo>
-            </a:clrChange>
-          </a:blip>
-          <a:stretch>
-            <a:fillRect/>
-          </a:stretch>
-        </p:blipFill>
-        <p:spPr>
-          <a:xfrm rot="16200000" flipH="1">
-            <a:off x="6691955" y="2620909"/>
-            <a:ext cx="444087" cy="1212057"/>
           </a:xfrm>
           <a:prstGeom prst="rect">
             <a:avLst/>
@@ -3735,6 +3258,124 @@
             <a:extLst>
               <a:ext uri="{FF2B5EF4-FFF2-40B4-BE49-F238E27FC236}">
                 <a16:creationId xmlns:a16="http://schemas.microsoft.com/office/drawing/2014/main" id="{BF846594-0A0D-48D7-8D58-76DE97EFDBA3}"/>
+              </a:ext>
+            </a:extLst>
+          </p:cNvPr>
+          <p:cNvPicPr>
+            <a:picLocks noChangeAspect="1"/>
+          </p:cNvPicPr>
+          <p:nvPr/>
+        </p:nvPicPr>
+        <p:blipFill>
+          <a:blip r:embed="rId3">
+            <a:clrChange>
+              <a:clrFrom>
+                <a:srgbClr val="FFFFFF"/>
+              </a:clrFrom>
+              <a:clrTo>
+                <a:srgbClr val="FFFFFF">
+                  <a:alpha val="0"/>
+                </a:srgbClr>
+              </a:clrTo>
+            </a:clrChange>
+            <a:extLst>
+              <a:ext uri="{28A0092B-C50C-407E-A947-70E740481C1C}">
+                <a14:useLocalDpi xmlns:a14="http://schemas.microsoft.com/office/drawing/2010/main" val="0"/>
+              </a:ext>
+            </a:extLst>
+          </a:blip>
+          <a:stretch>
+            <a:fillRect/>
+          </a:stretch>
+        </p:blipFill>
+        <p:spPr>
+          <a:xfrm>
+            <a:off x="2812010" y="3634043"/>
+            <a:ext cx="1828804" cy="1188722"/>
+          </a:xfrm>
+          <a:prstGeom prst="rect">
+            <a:avLst/>
+          </a:prstGeom>
+        </p:spPr>
+      </p:pic>
+      <p:pic>
+        <p:nvPicPr>
+          <p:cNvPr id="7" name="Picture 6">
+            <a:extLst>
+              <a:ext uri="{FF2B5EF4-FFF2-40B4-BE49-F238E27FC236}">
+                <a16:creationId xmlns:a16="http://schemas.microsoft.com/office/drawing/2014/main" id="{91199093-F944-4E67-A9FB-B2F2DC33D70B}"/>
+              </a:ext>
+            </a:extLst>
+          </p:cNvPr>
+          <p:cNvPicPr>
+            <a:picLocks noChangeAspect="1"/>
+          </p:cNvPicPr>
+          <p:nvPr/>
+        </p:nvPicPr>
+        <p:blipFill>
+          <a:blip r:embed="rId4">
+            <a:extLst>
+              <a:ext uri="{28A0092B-C50C-407E-A947-70E740481C1C}">
+                <a14:useLocalDpi xmlns:a14="http://schemas.microsoft.com/office/drawing/2010/main" val="0"/>
+              </a:ext>
+            </a:extLst>
+          </a:blip>
+          <a:stretch>
+            <a:fillRect/>
+          </a:stretch>
+        </p:blipFill>
+        <p:spPr>
+          <a:xfrm>
+            <a:off x="2869469" y="1968143"/>
+            <a:ext cx="1828804" cy="1188722"/>
+          </a:xfrm>
+          <a:prstGeom prst="rect">
+            <a:avLst/>
+          </a:prstGeom>
+        </p:spPr>
+      </p:pic>
+      <p:pic>
+        <p:nvPicPr>
+          <p:cNvPr id="12" name="Picture 11">
+            <a:extLst>
+              <a:ext uri="{FF2B5EF4-FFF2-40B4-BE49-F238E27FC236}">
+                <a16:creationId xmlns:a16="http://schemas.microsoft.com/office/drawing/2014/main" id="{55D1B51B-C68F-4681-B610-2D1EDE746952}"/>
+              </a:ext>
+            </a:extLst>
+          </p:cNvPr>
+          <p:cNvPicPr>
+            <a:picLocks noChangeAspect="1"/>
+          </p:cNvPicPr>
+          <p:nvPr/>
+        </p:nvPicPr>
+        <p:blipFill>
+          <a:blip r:embed="rId5">
+            <a:extLst>
+              <a:ext uri="{28A0092B-C50C-407E-A947-70E740481C1C}">
+                <a14:useLocalDpi xmlns:a14="http://schemas.microsoft.com/office/drawing/2010/main" val="0"/>
+              </a:ext>
+            </a:extLst>
+          </a:blip>
+          <a:stretch>
+            <a:fillRect/>
+          </a:stretch>
+        </p:blipFill>
+        <p:spPr>
+          <a:xfrm>
+            <a:off x="7197582" y="3613334"/>
+            <a:ext cx="1828804" cy="1188722"/>
+          </a:xfrm>
+          <a:prstGeom prst="rect">
+            <a:avLst/>
+          </a:prstGeom>
+        </p:spPr>
+      </p:pic>
+      <p:pic>
+        <p:nvPicPr>
+          <p:cNvPr id="18" name="Picture 17">
+            <a:extLst>
+              <a:ext uri="{FF2B5EF4-FFF2-40B4-BE49-F238E27FC236}">
+                <a16:creationId xmlns:a16="http://schemas.microsoft.com/office/drawing/2014/main" id="{9E5BC0B3-BD8D-47B6-8DFF-8B7DA3367093}"/>
               </a:ext>
             </a:extLst>
           </p:cNvPr>
@@ -3767,7 +3408,7 @@
         </p:blipFill>
         <p:spPr>
           <a:xfrm>
-            <a:off x="4267196" y="3926160"/>
+            <a:off x="2812010" y="302242"/>
             <a:ext cx="1828804" cy="1188722"/>
           </a:xfrm>
           <a:prstGeom prst="rect">
@@ -3777,10 +3418,10 @@
       </p:pic>
       <p:pic>
         <p:nvPicPr>
-          <p:cNvPr id="7" name="Picture 6">
+          <p:cNvPr id="23" name="Picture 22">
             <a:extLst>
               <a:ext uri="{FF2B5EF4-FFF2-40B4-BE49-F238E27FC236}">
-                <a16:creationId xmlns:a16="http://schemas.microsoft.com/office/drawing/2014/main" id="{91199093-F944-4E67-A9FB-B2F2DC33D70B}"/>
+                <a16:creationId xmlns:a16="http://schemas.microsoft.com/office/drawing/2014/main" id="{B3CC4C02-5B2D-4EC6-8F57-71CACA4788D4}"/>
               </a:ext>
             </a:extLst>
           </p:cNvPr>
@@ -3803,7 +3444,7 @@
         </p:blipFill>
         <p:spPr>
           <a:xfrm>
-            <a:off x="4324654" y="2260259"/>
+            <a:off x="7197582" y="1970697"/>
             <a:ext cx="1828804" cy="1188722"/>
           </a:xfrm>
           <a:prstGeom prst="rect">
@@ -3813,10 +3454,10 @@
       </p:pic>
       <p:pic>
         <p:nvPicPr>
-          <p:cNvPr id="12" name="Picture 11">
+          <p:cNvPr id="25" name="Picture 24">
             <a:extLst>
               <a:ext uri="{FF2B5EF4-FFF2-40B4-BE49-F238E27FC236}">
-                <a16:creationId xmlns:a16="http://schemas.microsoft.com/office/drawing/2014/main" id="{55D1B51B-C68F-4681-B610-2D1EDE746952}"/>
+                <a16:creationId xmlns:a16="http://schemas.microsoft.com/office/drawing/2014/main" id="{5235AFD1-3B54-441E-BAE7-D74211F32AA0}"/>
               </a:ext>
             </a:extLst>
           </p:cNvPr>
@@ -3839,7 +3480,7 @@
         </p:blipFill>
         <p:spPr>
           <a:xfrm>
-            <a:off x="8652767" y="3905451"/>
+            <a:off x="7197582" y="330170"/>
             <a:ext cx="1828804" cy="1188722"/>
           </a:xfrm>
           <a:prstGeom prst="rect">
@@ -3849,10 +3490,10 @@
       </p:pic>
       <p:pic>
         <p:nvPicPr>
-          <p:cNvPr id="18" name="Picture 17">
+          <p:cNvPr id="14" name="Picture 13">
             <a:extLst>
               <a:ext uri="{FF2B5EF4-FFF2-40B4-BE49-F238E27FC236}">
-                <a16:creationId xmlns:a16="http://schemas.microsoft.com/office/drawing/2014/main" id="{9E5BC0B3-BD8D-47B6-8DFF-8B7DA3367093}"/>
+                <a16:creationId xmlns:a16="http://schemas.microsoft.com/office/drawing/2014/main" id="{A19D39EF-17D6-4328-A4A5-42FC33E76A31}"/>
               </a:ext>
             </a:extLst>
           </p:cNvPr>
@@ -3861,7 +3502,7 @@
           </p:cNvPicPr>
           <p:nvPr/>
         </p:nvPicPr>
-        <p:blipFill>
+        <p:blipFill rotWithShape="1">
           <a:blip r:embed="rId9">
             <a:clrChange>
               <a:clrFrom>
@@ -3873,20 +3514,14 @@
                 </a:srgbClr>
               </a:clrTo>
             </a:clrChange>
-            <a:extLst>
-              <a:ext uri="{28A0092B-C50C-407E-A947-70E740481C1C}">
-                <a14:useLocalDpi xmlns:a14="http://schemas.microsoft.com/office/drawing/2010/main" val="0"/>
-              </a:ext>
-            </a:extLst>
           </a:blip>
-          <a:stretch>
-            <a:fillRect/>
-          </a:stretch>
+          <a:srcRect t="13885" b="24921"/>
+          <a:stretch/>
         </p:blipFill>
         <p:spPr>
           <a:xfrm>
-            <a:off x="4267196" y="594358"/>
-            <a:ext cx="1828804" cy="1188722"/>
+            <a:off x="4829379" y="4347821"/>
+            <a:ext cx="863822" cy="474946"/>
           </a:xfrm>
           <a:prstGeom prst="rect">
             <a:avLst/>
@@ -3895,10 +3530,10 @@
       </p:pic>
       <p:pic>
         <p:nvPicPr>
-          <p:cNvPr id="23" name="Picture 22">
+          <p:cNvPr id="19" name="Picture 18">
             <a:extLst>
               <a:ext uri="{FF2B5EF4-FFF2-40B4-BE49-F238E27FC236}">
-                <a16:creationId xmlns:a16="http://schemas.microsoft.com/office/drawing/2014/main" id="{B3CC4C02-5B2D-4EC6-8F57-71CACA4788D4}"/>
+                <a16:creationId xmlns:a16="http://schemas.microsoft.com/office/drawing/2014/main" id="{C8EEE195-7663-4C2B-AC70-16644377A598}"/>
               </a:ext>
             </a:extLst>
           </p:cNvPr>
@@ -3909,32 +3544,169 @@
         </p:nvPicPr>
         <p:blipFill>
           <a:blip r:embed="rId10">
-            <a:extLst>
-              <a:ext uri="{28A0092B-C50C-407E-A947-70E740481C1C}">
-                <a14:useLocalDpi xmlns:a14="http://schemas.microsoft.com/office/drawing/2010/main" val="0"/>
-              </a:ext>
-            </a:extLst>
+            <a:clrChange>
+              <a:clrFrom>
+                <a:srgbClr val="FFFFFF"/>
+              </a:clrFrom>
+              <a:clrTo>
+                <a:srgbClr val="FFFFFF">
+                  <a:alpha val="0"/>
+                </a:srgbClr>
+              </a:clrTo>
+            </a:clrChange>
           </a:blip>
+          <a:srcRect/>
           <a:stretch>
             <a:fillRect/>
           </a:stretch>
         </p:blipFill>
         <p:spPr>
-          <a:xfrm>
-            <a:off x="8652767" y="2262813"/>
-            <a:ext cx="1828804" cy="1188722"/>
+          <a:xfrm flipH="1">
+            <a:off x="4829380" y="2287714"/>
+            <a:ext cx="311128" cy="849170"/>
           </a:xfrm>
-          <a:prstGeom prst="rect">
+          <a:custGeom>
             <a:avLst/>
-          </a:prstGeom>
+            <a:gdLst>
+              <a:gd name="connsiteX0" fmla="*/ 480491 w 936409"/>
+              <a:gd name="connsiteY0" fmla="*/ 0 h 2555763"/>
+              <a:gd name="connsiteX1" fmla="*/ 391056 w 936409"/>
+              <a:gd name="connsiteY1" fmla="*/ 0 h 2555763"/>
+              <a:gd name="connsiteX2" fmla="*/ 14572 w 936409"/>
+              <a:gd name="connsiteY2" fmla="*/ 167326 h 2555763"/>
+              <a:gd name="connsiteX3" fmla="*/ 87724 w 936409"/>
+              <a:gd name="connsiteY3" fmla="*/ 377638 h 2555763"/>
+              <a:gd name="connsiteX4" fmla="*/ 0 w 936409"/>
+              <a:gd name="connsiteY4" fmla="*/ 537136 h 2555763"/>
+              <a:gd name="connsiteX5" fmla="*/ 0 w 936409"/>
+              <a:gd name="connsiteY5" fmla="*/ 1124983 h 2555763"/>
+              <a:gd name="connsiteX6" fmla="*/ 87724 w 936409"/>
+              <a:gd name="connsiteY6" fmla="*/ 1420054 h 2555763"/>
+              <a:gd name="connsiteX7" fmla="*/ 188308 w 936409"/>
+              <a:gd name="connsiteY7" fmla="*/ 2105854 h 2555763"/>
+              <a:gd name="connsiteX8" fmla="*/ 445399 w 936409"/>
+              <a:gd name="connsiteY8" fmla="*/ 2555763 h 2555763"/>
+              <a:gd name="connsiteX9" fmla="*/ 492898 w 936409"/>
+              <a:gd name="connsiteY9" fmla="*/ 2555763 h 2555763"/>
+              <a:gd name="connsiteX10" fmla="*/ 627220 w 936409"/>
+              <a:gd name="connsiteY10" fmla="*/ 1858966 h 2555763"/>
+              <a:gd name="connsiteX11" fmla="*/ 700372 w 936409"/>
+              <a:gd name="connsiteY11" fmla="*/ 1356046 h 2555763"/>
+              <a:gd name="connsiteX12" fmla="*/ 936409 w 936409"/>
+              <a:gd name="connsiteY12" fmla="*/ 1077093 h 2555763"/>
+              <a:gd name="connsiteX13" fmla="*/ 936409 w 936409"/>
+              <a:gd name="connsiteY13" fmla="*/ 762387 h 2555763"/>
+              <a:gd name="connsiteX14" fmla="*/ 746092 w 936409"/>
+              <a:gd name="connsiteY14" fmla="*/ 75886 h 2555763"/>
+            </a:gdLst>
+            <a:ahLst/>
+            <a:cxnLst>
+              <a:cxn ang="0">
+                <a:pos x="connsiteX0" y="connsiteY0"/>
+              </a:cxn>
+              <a:cxn ang="0">
+                <a:pos x="connsiteX1" y="connsiteY1"/>
+              </a:cxn>
+              <a:cxn ang="0">
+                <a:pos x="connsiteX2" y="connsiteY2"/>
+              </a:cxn>
+              <a:cxn ang="0">
+                <a:pos x="connsiteX3" y="connsiteY3"/>
+              </a:cxn>
+              <a:cxn ang="0">
+                <a:pos x="connsiteX4" y="connsiteY4"/>
+              </a:cxn>
+              <a:cxn ang="0">
+                <a:pos x="connsiteX5" y="connsiteY5"/>
+              </a:cxn>
+              <a:cxn ang="0">
+                <a:pos x="connsiteX6" y="connsiteY6"/>
+              </a:cxn>
+              <a:cxn ang="0">
+                <a:pos x="connsiteX7" y="connsiteY7"/>
+              </a:cxn>
+              <a:cxn ang="0">
+                <a:pos x="connsiteX8" y="connsiteY8"/>
+              </a:cxn>
+              <a:cxn ang="0">
+                <a:pos x="connsiteX9" y="connsiteY9"/>
+              </a:cxn>
+              <a:cxn ang="0">
+                <a:pos x="connsiteX10" y="connsiteY10"/>
+              </a:cxn>
+              <a:cxn ang="0">
+                <a:pos x="connsiteX11" y="connsiteY11"/>
+              </a:cxn>
+              <a:cxn ang="0">
+                <a:pos x="connsiteX12" y="connsiteY12"/>
+              </a:cxn>
+              <a:cxn ang="0">
+                <a:pos x="connsiteX13" y="connsiteY13"/>
+              </a:cxn>
+              <a:cxn ang="0">
+                <a:pos x="connsiteX14" y="connsiteY14"/>
+              </a:cxn>
+            </a:cxnLst>
+            <a:rect l="l" t="t" r="r" b="b"/>
+            <a:pathLst>
+              <a:path w="936409" h="2555763">
+                <a:moveTo>
+                  <a:pt x="480491" y="0"/>
+                </a:moveTo>
+                <a:lnTo>
+                  <a:pt x="391056" y="0"/>
+                </a:lnTo>
+                <a:lnTo>
+                  <a:pt x="14572" y="167326"/>
+                </a:lnTo>
+                <a:lnTo>
+                  <a:pt x="87724" y="377638"/>
+                </a:lnTo>
+                <a:lnTo>
+                  <a:pt x="0" y="537136"/>
+                </a:lnTo>
+                <a:lnTo>
+                  <a:pt x="0" y="1124983"/>
+                </a:lnTo>
+                <a:lnTo>
+                  <a:pt x="87724" y="1420054"/>
+                </a:lnTo>
+                <a:lnTo>
+                  <a:pt x="188308" y="2105854"/>
+                </a:lnTo>
+                <a:lnTo>
+                  <a:pt x="445399" y="2555763"/>
+                </a:lnTo>
+                <a:lnTo>
+                  <a:pt x="492898" y="2555763"/>
+                </a:lnTo>
+                <a:lnTo>
+                  <a:pt x="627220" y="1858966"/>
+                </a:lnTo>
+                <a:lnTo>
+                  <a:pt x="700372" y="1356046"/>
+                </a:lnTo>
+                <a:lnTo>
+                  <a:pt x="936409" y="1077093"/>
+                </a:lnTo>
+                <a:lnTo>
+                  <a:pt x="936409" y="762387"/>
+                </a:lnTo>
+                <a:lnTo>
+                  <a:pt x="746092" y="75886"/>
+                </a:lnTo>
+                <a:close/>
+              </a:path>
+            </a:pathLst>
+          </a:custGeom>
         </p:spPr>
       </p:pic>
       <p:pic>
         <p:nvPicPr>
-          <p:cNvPr id="25" name="Picture 24">
+          <p:cNvPr id="20" name="Picture 19">
             <a:extLst>
               <a:ext uri="{FF2B5EF4-FFF2-40B4-BE49-F238E27FC236}">
-                <a16:creationId xmlns:a16="http://schemas.microsoft.com/office/drawing/2014/main" id="{5235AFD1-3B54-441E-BAE7-D74211F32AA0}"/>
+                <a16:creationId xmlns:a16="http://schemas.microsoft.com/office/drawing/2014/main" id="{0EA21556-6170-4FDB-B5B5-C6A2335C566E}"/>
               </a:ext>
             </a:extLst>
           </p:cNvPr>
@@ -3944,25 +3716,634 @@
           <p:nvPr/>
         </p:nvPicPr>
         <p:blipFill>
-          <a:blip r:embed="rId11">
-            <a:extLst>
-              <a:ext uri="{28A0092B-C50C-407E-A947-70E740481C1C}">
-                <a14:useLocalDpi xmlns:a14="http://schemas.microsoft.com/office/drawing/2010/main" val="0"/>
-              </a:ext>
-            </a:extLst>
-          </a:blip>
+          <a:blip r:embed="rId11"/>
+          <a:srcRect l="7405" t="298" r="20269" b="2305"/>
           <a:stretch>
             <a:fillRect/>
           </a:stretch>
         </p:blipFill>
         <p:spPr>
           <a:xfrm>
-            <a:off x="8652767" y="622285"/>
-            <a:ext cx="1828804" cy="1188722"/>
+            <a:off x="4829380" y="600527"/>
+            <a:ext cx="473076" cy="952500"/>
           </a:xfrm>
-          <a:prstGeom prst="rect">
+          <a:custGeom>
             <a:avLst/>
-          </a:prstGeom>
+            <a:gdLst>
+              <a:gd name="connsiteX0" fmla="*/ 520700 w 946150"/>
+              <a:gd name="connsiteY0" fmla="*/ 0 h 1905000"/>
+              <a:gd name="connsiteX1" fmla="*/ 596900 w 946150"/>
+              <a:gd name="connsiteY1" fmla="*/ 31750 h 1905000"/>
+              <a:gd name="connsiteX2" fmla="*/ 565150 w 946150"/>
+              <a:gd name="connsiteY2" fmla="*/ 825500 h 1905000"/>
+              <a:gd name="connsiteX3" fmla="*/ 946150 w 946150"/>
+              <a:gd name="connsiteY3" fmla="*/ 939800 h 1905000"/>
+              <a:gd name="connsiteX4" fmla="*/ 889000 w 946150"/>
+              <a:gd name="connsiteY4" fmla="*/ 1041400 h 1905000"/>
+              <a:gd name="connsiteX5" fmla="*/ 558800 w 946150"/>
+              <a:gd name="connsiteY5" fmla="*/ 1104900 h 1905000"/>
+              <a:gd name="connsiteX6" fmla="*/ 615950 w 946150"/>
+              <a:gd name="connsiteY6" fmla="*/ 1898650 h 1905000"/>
+              <a:gd name="connsiteX7" fmla="*/ 463550 w 946150"/>
+              <a:gd name="connsiteY7" fmla="*/ 1905000 h 1905000"/>
+              <a:gd name="connsiteX8" fmla="*/ 228600 w 946150"/>
+              <a:gd name="connsiteY8" fmla="*/ 1644650 h 1905000"/>
+              <a:gd name="connsiteX9" fmla="*/ 203200 w 946150"/>
+              <a:gd name="connsiteY9" fmla="*/ 1149350 h 1905000"/>
+              <a:gd name="connsiteX10" fmla="*/ 0 w 946150"/>
+              <a:gd name="connsiteY10" fmla="*/ 850900 h 1905000"/>
+              <a:gd name="connsiteX11" fmla="*/ 292100 w 946150"/>
+              <a:gd name="connsiteY11" fmla="*/ 762000 h 1905000"/>
+              <a:gd name="connsiteX12" fmla="*/ 285750 w 946150"/>
+              <a:gd name="connsiteY12" fmla="*/ 190500 h 1905000"/>
+            </a:gdLst>
+            <a:ahLst/>
+            <a:cxnLst>
+              <a:cxn ang="0">
+                <a:pos x="connsiteX0" y="connsiteY0"/>
+              </a:cxn>
+              <a:cxn ang="0">
+                <a:pos x="connsiteX1" y="connsiteY1"/>
+              </a:cxn>
+              <a:cxn ang="0">
+                <a:pos x="connsiteX2" y="connsiteY2"/>
+              </a:cxn>
+              <a:cxn ang="0">
+                <a:pos x="connsiteX3" y="connsiteY3"/>
+              </a:cxn>
+              <a:cxn ang="0">
+                <a:pos x="connsiteX4" y="connsiteY4"/>
+              </a:cxn>
+              <a:cxn ang="0">
+                <a:pos x="connsiteX5" y="connsiteY5"/>
+              </a:cxn>
+              <a:cxn ang="0">
+                <a:pos x="connsiteX6" y="connsiteY6"/>
+              </a:cxn>
+              <a:cxn ang="0">
+                <a:pos x="connsiteX7" y="connsiteY7"/>
+              </a:cxn>
+              <a:cxn ang="0">
+                <a:pos x="connsiteX8" y="connsiteY8"/>
+              </a:cxn>
+              <a:cxn ang="0">
+                <a:pos x="connsiteX9" y="connsiteY9"/>
+              </a:cxn>
+              <a:cxn ang="0">
+                <a:pos x="connsiteX10" y="connsiteY10"/>
+              </a:cxn>
+              <a:cxn ang="0">
+                <a:pos x="connsiteX11" y="connsiteY11"/>
+              </a:cxn>
+              <a:cxn ang="0">
+                <a:pos x="connsiteX12" y="connsiteY12"/>
+              </a:cxn>
+            </a:cxnLst>
+            <a:rect l="l" t="t" r="r" b="b"/>
+            <a:pathLst>
+              <a:path w="946150" h="1905000">
+                <a:moveTo>
+                  <a:pt x="520700" y="0"/>
+                </a:moveTo>
+                <a:lnTo>
+                  <a:pt x="596900" y="31750"/>
+                </a:lnTo>
+                <a:lnTo>
+                  <a:pt x="565150" y="825500"/>
+                </a:lnTo>
+                <a:lnTo>
+                  <a:pt x="946150" y="939800"/>
+                </a:lnTo>
+                <a:lnTo>
+                  <a:pt x="889000" y="1041400"/>
+                </a:lnTo>
+                <a:lnTo>
+                  <a:pt x="558800" y="1104900"/>
+                </a:lnTo>
+                <a:lnTo>
+                  <a:pt x="615950" y="1898650"/>
+                </a:lnTo>
+                <a:lnTo>
+                  <a:pt x="463550" y="1905000"/>
+                </a:lnTo>
+                <a:lnTo>
+                  <a:pt x="228600" y="1644650"/>
+                </a:lnTo>
+                <a:lnTo>
+                  <a:pt x="203200" y="1149350"/>
+                </a:lnTo>
+                <a:lnTo>
+                  <a:pt x="0" y="850900"/>
+                </a:lnTo>
+                <a:lnTo>
+                  <a:pt x="292100" y="762000"/>
+                </a:lnTo>
+                <a:cubicBezTo>
+                  <a:pt x="289983" y="571500"/>
+                  <a:pt x="287867" y="381000"/>
+                  <a:pt x="285750" y="190500"/>
+                </a:cubicBezTo>
+                <a:close/>
+              </a:path>
+            </a:pathLst>
+          </a:custGeom>
+        </p:spPr>
+      </p:pic>
+      <p:pic>
+        <p:nvPicPr>
+          <p:cNvPr id="21" name="Picture 20">
+            <a:extLst>
+              <a:ext uri="{FF2B5EF4-FFF2-40B4-BE49-F238E27FC236}">
+                <a16:creationId xmlns:a16="http://schemas.microsoft.com/office/drawing/2014/main" id="{6E6959A2-2E4B-4328-9061-07BFF088AAAD}"/>
+              </a:ext>
+            </a:extLst>
+          </p:cNvPr>
+          <p:cNvPicPr>
+            <a:picLocks noChangeAspect="1"/>
+          </p:cNvPicPr>
+          <p:nvPr/>
+        </p:nvPicPr>
+        <p:blipFill>
+          <a:blip r:embed="rId12">
+            <a:clrChange>
+              <a:clrFrom>
+                <a:srgbClr val="FFFFFF"/>
+              </a:clrFrom>
+              <a:clrTo>
+                <a:srgbClr val="FFFFFF">
+                  <a:alpha val="0"/>
+                </a:srgbClr>
+              </a:clrTo>
+            </a:clrChange>
+          </a:blip>
+          <a:srcRect l="4171" t="2630" r="49202" b="28085"/>
+          <a:stretch>
+            <a:fillRect/>
+          </a:stretch>
+        </p:blipFill>
+        <p:spPr>
+          <a:xfrm>
+            <a:off x="482823" y="903716"/>
+            <a:ext cx="567492" cy="632446"/>
+          </a:xfrm>
+          <a:custGeom>
+            <a:avLst/>
+            <a:gdLst>
+              <a:gd name="connsiteX0" fmla="*/ 831850 w 1054100"/>
+              <a:gd name="connsiteY0" fmla="*/ 0 h 1174750"/>
+              <a:gd name="connsiteX1" fmla="*/ 1028700 w 1054100"/>
+              <a:gd name="connsiteY1" fmla="*/ 114300 h 1174750"/>
+              <a:gd name="connsiteX2" fmla="*/ 1054100 w 1054100"/>
+              <a:gd name="connsiteY2" fmla="*/ 1136650 h 1174750"/>
+              <a:gd name="connsiteX3" fmla="*/ 863600 w 1054100"/>
+              <a:gd name="connsiteY3" fmla="*/ 1130300 h 1174750"/>
+              <a:gd name="connsiteX4" fmla="*/ 647700 w 1054100"/>
+              <a:gd name="connsiteY4" fmla="*/ 1143000 h 1174750"/>
+              <a:gd name="connsiteX5" fmla="*/ 6350 w 1054100"/>
+              <a:gd name="connsiteY5" fmla="*/ 1174750 h 1174750"/>
+              <a:gd name="connsiteX6" fmla="*/ 0 w 1054100"/>
+              <a:gd name="connsiteY6" fmla="*/ 450850 h 1174750"/>
+              <a:gd name="connsiteX7" fmla="*/ 209550 w 1054100"/>
+              <a:gd name="connsiteY7" fmla="*/ 6350 h 1174750"/>
+            </a:gdLst>
+            <a:ahLst/>
+            <a:cxnLst>
+              <a:cxn ang="0">
+                <a:pos x="connsiteX0" y="connsiteY0"/>
+              </a:cxn>
+              <a:cxn ang="0">
+                <a:pos x="connsiteX1" y="connsiteY1"/>
+              </a:cxn>
+              <a:cxn ang="0">
+                <a:pos x="connsiteX2" y="connsiteY2"/>
+              </a:cxn>
+              <a:cxn ang="0">
+                <a:pos x="connsiteX3" y="connsiteY3"/>
+              </a:cxn>
+              <a:cxn ang="0">
+                <a:pos x="connsiteX4" y="connsiteY4"/>
+              </a:cxn>
+              <a:cxn ang="0">
+                <a:pos x="connsiteX5" y="connsiteY5"/>
+              </a:cxn>
+              <a:cxn ang="0">
+                <a:pos x="connsiteX6" y="connsiteY6"/>
+              </a:cxn>
+              <a:cxn ang="0">
+                <a:pos x="connsiteX7" y="connsiteY7"/>
+              </a:cxn>
+            </a:cxnLst>
+            <a:rect l="l" t="t" r="r" b="b"/>
+            <a:pathLst>
+              <a:path w="1054100" h="1174750">
+                <a:moveTo>
+                  <a:pt x="831850" y="0"/>
+                </a:moveTo>
+                <a:lnTo>
+                  <a:pt x="1028700" y="114300"/>
+                </a:lnTo>
+                <a:lnTo>
+                  <a:pt x="1054100" y="1136650"/>
+                </a:lnTo>
+                <a:lnTo>
+                  <a:pt x="863600" y="1130300"/>
+                </a:lnTo>
+                <a:lnTo>
+                  <a:pt x="647700" y="1143000"/>
+                </a:lnTo>
+                <a:lnTo>
+                  <a:pt x="6350" y="1174750"/>
+                </a:lnTo>
+                <a:cubicBezTo>
+                  <a:pt x="4233" y="933450"/>
+                  <a:pt x="2117" y="692150"/>
+                  <a:pt x="0" y="450850"/>
+                </a:cubicBezTo>
+                <a:lnTo>
+                  <a:pt x="209550" y="6350"/>
+                </a:lnTo>
+                <a:close/>
+              </a:path>
+            </a:pathLst>
+          </a:custGeom>
+        </p:spPr>
+      </p:pic>
+      <p:pic>
+        <p:nvPicPr>
+          <p:cNvPr id="22" name="Picture 21">
+            <a:extLst>
+              <a:ext uri="{FF2B5EF4-FFF2-40B4-BE49-F238E27FC236}">
+                <a16:creationId xmlns:a16="http://schemas.microsoft.com/office/drawing/2014/main" id="{E1821BF1-7A75-4556-8A94-432E3FAB2E29}"/>
+              </a:ext>
+            </a:extLst>
+          </p:cNvPr>
+          <p:cNvPicPr>
+            <a:picLocks noChangeAspect="1"/>
+          </p:cNvPicPr>
+          <p:nvPr/>
+        </p:nvPicPr>
+        <p:blipFill>
+          <a:blip r:embed="rId13">
+            <a:clrChange>
+              <a:clrFrom>
+                <a:srgbClr val="FFFFFF"/>
+              </a:clrFrom>
+              <a:clrTo>
+                <a:srgbClr val="FFFFFF">
+                  <a:alpha val="0"/>
+                </a:srgbClr>
+              </a:clrTo>
+            </a:clrChange>
+          </a:blip>
+          <a:srcRect l="6865" t="8931" r="43383" b="23216"/>
+          <a:stretch>
+            <a:fillRect/>
+          </a:stretch>
+        </p:blipFill>
+        <p:spPr>
+          <a:xfrm>
+            <a:off x="552095" y="4219771"/>
+            <a:ext cx="388829" cy="582286"/>
+          </a:xfrm>
+          <a:custGeom>
+            <a:avLst/>
+            <a:gdLst>
+              <a:gd name="connsiteX0" fmla="*/ 381000 w 966788"/>
+              <a:gd name="connsiteY0" fmla="*/ 0 h 1447800"/>
+              <a:gd name="connsiteX1" fmla="*/ 700088 w 966788"/>
+              <a:gd name="connsiteY1" fmla="*/ 4763 h 1447800"/>
+              <a:gd name="connsiteX2" fmla="*/ 762000 w 966788"/>
+              <a:gd name="connsiteY2" fmla="*/ 309563 h 1447800"/>
+              <a:gd name="connsiteX3" fmla="*/ 785813 w 966788"/>
+              <a:gd name="connsiteY3" fmla="*/ 457200 h 1447800"/>
+              <a:gd name="connsiteX4" fmla="*/ 914400 w 966788"/>
+              <a:gd name="connsiteY4" fmla="*/ 590550 h 1447800"/>
+              <a:gd name="connsiteX5" fmla="*/ 957263 w 966788"/>
+              <a:gd name="connsiteY5" fmla="*/ 661988 h 1447800"/>
+              <a:gd name="connsiteX6" fmla="*/ 966788 w 966788"/>
+              <a:gd name="connsiteY6" fmla="*/ 800100 h 1447800"/>
+              <a:gd name="connsiteX7" fmla="*/ 952500 w 966788"/>
+              <a:gd name="connsiteY7" fmla="*/ 914400 h 1447800"/>
+              <a:gd name="connsiteX8" fmla="*/ 909638 w 966788"/>
+              <a:gd name="connsiteY8" fmla="*/ 1019175 h 1447800"/>
+              <a:gd name="connsiteX9" fmla="*/ 819150 w 966788"/>
+              <a:gd name="connsiteY9" fmla="*/ 1100138 h 1447800"/>
+              <a:gd name="connsiteX10" fmla="*/ 804863 w 966788"/>
+              <a:gd name="connsiteY10" fmla="*/ 1109663 h 1447800"/>
+              <a:gd name="connsiteX11" fmla="*/ 814388 w 966788"/>
+              <a:gd name="connsiteY11" fmla="*/ 1447800 h 1447800"/>
+              <a:gd name="connsiteX12" fmla="*/ 152400 w 966788"/>
+              <a:gd name="connsiteY12" fmla="*/ 1414463 h 1447800"/>
+              <a:gd name="connsiteX13" fmla="*/ 138113 w 966788"/>
+              <a:gd name="connsiteY13" fmla="*/ 1109663 h 1447800"/>
+              <a:gd name="connsiteX14" fmla="*/ 0 w 966788"/>
+              <a:gd name="connsiteY14" fmla="*/ 914400 h 1447800"/>
+              <a:gd name="connsiteX15" fmla="*/ 33338 w 966788"/>
+              <a:gd name="connsiteY15" fmla="*/ 585788 h 1447800"/>
+              <a:gd name="connsiteX16" fmla="*/ 190500 w 966788"/>
+              <a:gd name="connsiteY16" fmla="*/ 471488 h 1447800"/>
+              <a:gd name="connsiteX17" fmla="*/ 304800 w 966788"/>
+              <a:gd name="connsiteY17" fmla="*/ 419100 h 1447800"/>
+              <a:gd name="connsiteX18" fmla="*/ 319088 w 966788"/>
+              <a:gd name="connsiteY18" fmla="*/ 352425 h 1447800"/>
+              <a:gd name="connsiteX19" fmla="*/ 323850 w 966788"/>
+              <a:gd name="connsiteY19" fmla="*/ 147638 h 1447800"/>
+            </a:gdLst>
+            <a:ahLst/>
+            <a:cxnLst>
+              <a:cxn ang="0">
+                <a:pos x="connsiteX0" y="connsiteY0"/>
+              </a:cxn>
+              <a:cxn ang="0">
+                <a:pos x="connsiteX1" y="connsiteY1"/>
+              </a:cxn>
+              <a:cxn ang="0">
+                <a:pos x="connsiteX2" y="connsiteY2"/>
+              </a:cxn>
+              <a:cxn ang="0">
+                <a:pos x="connsiteX3" y="connsiteY3"/>
+              </a:cxn>
+              <a:cxn ang="0">
+                <a:pos x="connsiteX4" y="connsiteY4"/>
+              </a:cxn>
+              <a:cxn ang="0">
+                <a:pos x="connsiteX5" y="connsiteY5"/>
+              </a:cxn>
+              <a:cxn ang="0">
+                <a:pos x="connsiteX6" y="connsiteY6"/>
+              </a:cxn>
+              <a:cxn ang="0">
+                <a:pos x="connsiteX7" y="connsiteY7"/>
+              </a:cxn>
+              <a:cxn ang="0">
+                <a:pos x="connsiteX8" y="connsiteY8"/>
+              </a:cxn>
+              <a:cxn ang="0">
+                <a:pos x="connsiteX9" y="connsiteY9"/>
+              </a:cxn>
+              <a:cxn ang="0">
+                <a:pos x="connsiteX10" y="connsiteY10"/>
+              </a:cxn>
+              <a:cxn ang="0">
+                <a:pos x="connsiteX11" y="connsiteY11"/>
+              </a:cxn>
+              <a:cxn ang="0">
+                <a:pos x="connsiteX12" y="connsiteY12"/>
+              </a:cxn>
+              <a:cxn ang="0">
+                <a:pos x="connsiteX13" y="connsiteY13"/>
+              </a:cxn>
+              <a:cxn ang="0">
+                <a:pos x="connsiteX14" y="connsiteY14"/>
+              </a:cxn>
+              <a:cxn ang="0">
+                <a:pos x="connsiteX15" y="connsiteY15"/>
+              </a:cxn>
+              <a:cxn ang="0">
+                <a:pos x="connsiteX16" y="connsiteY16"/>
+              </a:cxn>
+              <a:cxn ang="0">
+                <a:pos x="connsiteX17" y="connsiteY17"/>
+              </a:cxn>
+              <a:cxn ang="0">
+                <a:pos x="connsiteX18" y="connsiteY18"/>
+              </a:cxn>
+              <a:cxn ang="0">
+                <a:pos x="connsiteX19" y="connsiteY19"/>
+              </a:cxn>
+            </a:cxnLst>
+            <a:rect l="l" t="t" r="r" b="b"/>
+            <a:pathLst>
+              <a:path w="966788" h="1447800">
+                <a:moveTo>
+                  <a:pt x="381000" y="0"/>
+                </a:moveTo>
+                <a:lnTo>
+                  <a:pt x="700088" y="4763"/>
+                </a:lnTo>
+                <a:lnTo>
+                  <a:pt x="762000" y="309563"/>
+                </a:lnTo>
+                <a:lnTo>
+                  <a:pt x="785813" y="457200"/>
+                </a:lnTo>
+                <a:lnTo>
+                  <a:pt x="914400" y="590550"/>
+                </a:lnTo>
+                <a:lnTo>
+                  <a:pt x="957263" y="661988"/>
+                </a:lnTo>
+                <a:lnTo>
+                  <a:pt x="966788" y="800100"/>
+                </a:lnTo>
+                <a:lnTo>
+                  <a:pt x="952500" y="914400"/>
+                </a:lnTo>
+                <a:lnTo>
+                  <a:pt x="909638" y="1019175"/>
+                </a:lnTo>
+                <a:lnTo>
+                  <a:pt x="819150" y="1100138"/>
+                </a:lnTo>
+                <a:lnTo>
+                  <a:pt x="804863" y="1109663"/>
+                </a:lnTo>
+                <a:lnTo>
+                  <a:pt x="814388" y="1447800"/>
+                </a:lnTo>
+                <a:lnTo>
+                  <a:pt x="152400" y="1414463"/>
+                </a:lnTo>
+                <a:lnTo>
+                  <a:pt x="138113" y="1109663"/>
+                </a:lnTo>
+                <a:lnTo>
+                  <a:pt x="0" y="914400"/>
+                </a:lnTo>
+                <a:lnTo>
+                  <a:pt x="33338" y="585788"/>
+                </a:lnTo>
+                <a:lnTo>
+                  <a:pt x="190500" y="471488"/>
+                </a:lnTo>
+                <a:lnTo>
+                  <a:pt x="304800" y="419100"/>
+                </a:lnTo>
+                <a:lnTo>
+                  <a:pt x="319088" y="352425"/>
+                </a:lnTo>
+                <a:lnTo>
+                  <a:pt x="323850" y="147638"/>
+                </a:lnTo>
+                <a:close/>
+              </a:path>
+            </a:pathLst>
+          </a:custGeom>
+        </p:spPr>
+      </p:pic>
+      <p:pic>
+        <p:nvPicPr>
+          <p:cNvPr id="24" name="Picture 23">
+            <a:extLst>
+              <a:ext uri="{FF2B5EF4-FFF2-40B4-BE49-F238E27FC236}">
+                <a16:creationId xmlns:a16="http://schemas.microsoft.com/office/drawing/2014/main" id="{4518B797-1B95-475C-9A80-BCE53A733D7D}"/>
+              </a:ext>
+            </a:extLst>
+          </p:cNvPr>
+          <p:cNvPicPr>
+            <a:picLocks noChangeAspect="1"/>
+          </p:cNvPicPr>
+          <p:nvPr/>
+        </p:nvPicPr>
+        <p:blipFill>
+          <a:blip r:embed="rId14">
+            <a:clrChange>
+              <a:clrFrom>
+                <a:srgbClr val="FFFFFF"/>
+              </a:clrFrom>
+              <a:clrTo>
+                <a:srgbClr val="FFFFFF">
+                  <a:alpha val="0"/>
+                </a:srgbClr>
+              </a:clrTo>
+            </a:clrChange>
+          </a:blip>
+          <a:srcRect/>
+          <a:stretch>
+            <a:fillRect/>
+          </a:stretch>
+        </p:blipFill>
+        <p:spPr>
+          <a:xfrm>
+            <a:off x="482823" y="2700329"/>
+            <a:ext cx="1028538" cy="519427"/>
+          </a:xfrm>
+          <a:custGeom>
+            <a:avLst/>
+            <a:gdLst>
+              <a:gd name="connsiteX0" fmla="*/ 1194109 w 2405391"/>
+              <a:gd name="connsiteY0" fmla="*/ 0 h 1214761"/>
+              <a:gd name="connsiteX1" fmla="*/ 1495540 w 2405391"/>
+              <a:gd name="connsiteY1" fmla="*/ 0 h 1214761"/>
+              <a:gd name="connsiteX2" fmla="*/ 2109962 w 2405391"/>
+              <a:gd name="connsiteY2" fmla="*/ 163010 h 1214761"/>
+              <a:gd name="connsiteX3" fmla="*/ 2375138 w 2405391"/>
+              <a:gd name="connsiteY3" fmla="*/ 446474 h 1214761"/>
+              <a:gd name="connsiteX4" fmla="*/ 2292842 w 2405391"/>
+              <a:gd name="connsiteY4" fmla="*/ 812234 h 1214761"/>
+              <a:gd name="connsiteX5" fmla="*/ 2405391 w 2405391"/>
+              <a:gd name="connsiteY5" fmla="*/ 1173999 h 1214761"/>
+              <a:gd name="connsiteX6" fmla="*/ 2405391 w 2405391"/>
+              <a:gd name="connsiteY6" fmla="*/ 1214761 h 1214761"/>
+              <a:gd name="connsiteX7" fmla="*/ 2084481 w 2405391"/>
+              <a:gd name="connsiteY7" fmla="*/ 1214761 h 1214761"/>
+              <a:gd name="connsiteX8" fmla="*/ 15986 w 2405391"/>
+              <a:gd name="connsiteY8" fmla="*/ 1159706 h 1214761"/>
+              <a:gd name="connsiteX9" fmla="*/ 0 w 2405391"/>
+              <a:gd name="connsiteY9" fmla="*/ 1002130 h 1214761"/>
+              <a:gd name="connsiteX10" fmla="*/ 0 w 2405391"/>
+              <a:gd name="connsiteY10" fmla="*/ 526923 h 1214761"/>
+              <a:gd name="connsiteX11" fmla="*/ 189722 w 2405391"/>
+              <a:gd name="connsiteY11" fmla="*/ 519626 h 1214761"/>
+              <a:gd name="connsiteX12" fmla="*/ 445754 w 2405391"/>
+              <a:gd name="connsiteY12" fmla="*/ 492194 h 1214761"/>
+              <a:gd name="connsiteX13" fmla="*/ 1085834 w 2405391"/>
+              <a:gd name="connsiteY13" fmla="*/ 409898 h 1214761"/>
+            </a:gdLst>
+            <a:ahLst/>
+            <a:cxnLst>
+              <a:cxn ang="0">
+                <a:pos x="connsiteX0" y="connsiteY0"/>
+              </a:cxn>
+              <a:cxn ang="0">
+                <a:pos x="connsiteX1" y="connsiteY1"/>
+              </a:cxn>
+              <a:cxn ang="0">
+                <a:pos x="connsiteX2" y="connsiteY2"/>
+              </a:cxn>
+              <a:cxn ang="0">
+                <a:pos x="connsiteX3" y="connsiteY3"/>
+              </a:cxn>
+              <a:cxn ang="0">
+                <a:pos x="connsiteX4" y="connsiteY4"/>
+              </a:cxn>
+              <a:cxn ang="0">
+                <a:pos x="connsiteX5" y="connsiteY5"/>
+              </a:cxn>
+              <a:cxn ang="0">
+                <a:pos x="connsiteX6" y="connsiteY6"/>
+              </a:cxn>
+              <a:cxn ang="0">
+                <a:pos x="connsiteX7" y="connsiteY7"/>
+              </a:cxn>
+              <a:cxn ang="0">
+                <a:pos x="connsiteX8" y="connsiteY8"/>
+              </a:cxn>
+              <a:cxn ang="0">
+                <a:pos x="connsiteX9" y="connsiteY9"/>
+              </a:cxn>
+              <a:cxn ang="0">
+                <a:pos x="connsiteX10" y="connsiteY10"/>
+              </a:cxn>
+              <a:cxn ang="0">
+                <a:pos x="connsiteX11" y="connsiteY11"/>
+              </a:cxn>
+              <a:cxn ang="0">
+                <a:pos x="connsiteX12" y="connsiteY12"/>
+              </a:cxn>
+              <a:cxn ang="0">
+                <a:pos x="connsiteX13" y="connsiteY13"/>
+              </a:cxn>
+            </a:cxnLst>
+            <a:rect l="l" t="t" r="r" b="b"/>
+            <a:pathLst>
+              <a:path w="2405391" h="1214761">
+                <a:moveTo>
+                  <a:pt x="1194109" y="0"/>
+                </a:moveTo>
+                <a:lnTo>
+                  <a:pt x="1495540" y="0"/>
+                </a:lnTo>
+                <a:lnTo>
+                  <a:pt x="2109962" y="163010"/>
+                </a:lnTo>
+                <a:lnTo>
+                  <a:pt x="2375138" y="446474"/>
+                </a:lnTo>
+                <a:lnTo>
+                  <a:pt x="2292842" y="812234"/>
+                </a:lnTo>
+                <a:lnTo>
+                  <a:pt x="2405391" y="1173999"/>
+                </a:lnTo>
+                <a:lnTo>
+                  <a:pt x="2405391" y="1214761"/>
+                </a:lnTo>
+                <a:lnTo>
+                  <a:pt x="2084481" y="1214761"/>
+                </a:lnTo>
+                <a:lnTo>
+                  <a:pt x="15986" y="1159706"/>
+                </a:lnTo>
+                <a:lnTo>
+                  <a:pt x="0" y="1002130"/>
+                </a:lnTo>
+                <a:lnTo>
+                  <a:pt x="0" y="526923"/>
+                </a:lnTo>
+                <a:lnTo>
+                  <a:pt x="189722" y="519626"/>
+                </a:lnTo>
+                <a:lnTo>
+                  <a:pt x="445754" y="492194"/>
+                </a:lnTo>
+                <a:lnTo>
+                  <a:pt x="1085834" y="409898"/>
+                </a:lnTo>
+                <a:close/>
+              </a:path>
+            </a:pathLst>
+          </a:custGeom>
         </p:spPr>
       </p:pic>
     </p:spTree>
@@ -4023,8 +4404,8 @@
         </p:blipFill>
         <p:spPr>
           <a:xfrm>
-            <a:off x="2621273" y="640074"/>
-            <a:ext cx="6949454" cy="5577851"/>
+            <a:off x="1102035" y="182875"/>
+            <a:ext cx="6949454" cy="5577850"/>
           </a:xfrm>
           <a:prstGeom prst="rect">
             <a:avLst/>
@@ -4045,7 +4426,7 @@
         </p:nvSpPr>
         <p:spPr>
           <a:xfrm>
-            <a:off x="3154680" y="1380744"/>
+            <a:off x="1635441" y="923544"/>
             <a:ext cx="6336792" cy="3913632"/>
           </a:xfrm>
           <a:custGeom>
@@ -4129,7 +4510,7 @@
           <a:lstStyle/>
           <a:p>
             <a:pPr algn="ctr"/>
-            <a:endParaRPr lang="en-US"/>
+            <a:endParaRPr lang="en-US" sz="1430"/>
           </a:p>
         </p:txBody>
       </p:sp>
@@ -4147,8 +4528,8 @@
         </p:nvSpPr>
         <p:spPr>
           <a:xfrm>
-            <a:off x="3158836" y="720436"/>
-            <a:ext cx="6326909" cy="4405746"/>
+            <a:off x="1639599" y="263236"/>
+            <a:ext cx="6326908" cy="4405746"/>
           </a:xfrm>
           <a:custGeom>
             <a:avLst/>
@@ -4231,7 +4612,7 @@
           <a:lstStyle/>
           <a:p>
             <a:pPr algn="ctr"/>
-            <a:endParaRPr lang="en-US"/>
+            <a:endParaRPr lang="en-US" sz="1430"/>
           </a:p>
         </p:txBody>
       </p:sp>
@@ -4267,6 +4648,154 @@
       </p:grpSpPr>
       <p:pic>
         <p:nvPicPr>
+          <p:cNvPr id="12" name="Picture 11">
+            <a:extLst>
+              <a:ext uri="{FF2B5EF4-FFF2-40B4-BE49-F238E27FC236}">
+                <a16:creationId xmlns:a16="http://schemas.microsoft.com/office/drawing/2014/main" id="{B51238B0-6935-4070-B3B9-34177C714BC1}"/>
+              </a:ext>
+            </a:extLst>
+          </p:cNvPr>
+          <p:cNvPicPr>
+            <a:picLocks noChangeAspect="1"/>
+          </p:cNvPicPr>
+          <p:nvPr/>
+        </p:nvPicPr>
+        <p:blipFill>
+          <a:blip r:embed="rId2"/>
+          <a:srcRect l="7405" t="298" r="20269" b="2305"/>
+          <a:stretch>
+            <a:fillRect/>
+          </a:stretch>
+        </p:blipFill>
+        <p:spPr>
+          <a:xfrm>
+            <a:off x="842963" y="1295401"/>
+            <a:ext cx="946150" cy="1905000"/>
+          </a:xfrm>
+          <a:custGeom>
+            <a:avLst/>
+            <a:gdLst>
+              <a:gd name="connsiteX0" fmla="*/ 520700 w 946150"/>
+              <a:gd name="connsiteY0" fmla="*/ 0 h 1905000"/>
+              <a:gd name="connsiteX1" fmla="*/ 596900 w 946150"/>
+              <a:gd name="connsiteY1" fmla="*/ 31750 h 1905000"/>
+              <a:gd name="connsiteX2" fmla="*/ 565150 w 946150"/>
+              <a:gd name="connsiteY2" fmla="*/ 825500 h 1905000"/>
+              <a:gd name="connsiteX3" fmla="*/ 946150 w 946150"/>
+              <a:gd name="connsiteY3" fmla="*/ 939800 h 1905000"/>
+              <a:gd name="connsiteX4" fmla="*/ 889000 w 946150"/>
+              <a:gd name="connsiteY4" fmla="*/ 1041400 h 1905000"/>
+              <a:gd name="connsiteX5" fmla="*/ 558800 w 946150"/>
+              <a:gd name="connsiteY5" fmla="*/ 1104900 h 1905000"/>
+              <a:gd name="connsiteX6" fmla="*/ 615950 w 946150"/>
+              <a:gd name="connsiteY6" fmla="*/ 1898650 h 1905000"/>
+              <a:gd name="connsiteX7" fmla="*/ 463550 w 946150"/>
+              <a:gd name="connsiteY7" fmla="*/ 1905000 h 1905000"/>
+              <a:gd name="connsiteX8" fmla="*/ 228600 w 946150"/>
+              <a:gd name="connsiteY8" fmla="*/ 1644650 h 1905000"/>
+              <a:gd name="connsiteX9" fmla="*/ 203200 w 946150"/>
+              <a:gd name="connsiteY9" fmla="*/ 1149350 h 1905000"/>
+              <a:gd name="connsiteX10" fmla="*/ 0 w 946150"/>
+              <a:gd name="connsiteY10" fmla="*/ 850900 h 1905000"/>
+              <a:gd name="connsiteX11" fmla="*/ 292100 w 946150"/>
+              <a:gd name="connsiteY11" fmla="*/ 762000 h 1905000"/>
+              <a:gd name="connsiteX12" fmla="*/ 285750 w 946150"/>
+              <a:gd name="connsiteY12" fmla="*/ 190500 h 1905000"/>
+            </a:gdLst>
+            <a:ahLst/>
+            <a:cxnLst>
+              <a:cxn ang="0">
+                <a:pos x="connsiteX0" y="connsiteY0"/>
+              </a:cxn>
+              <a:cxn ang="0">
+                <a:pos x="connsiteX1" y="connsiteY1"/>
+              </a:cxn>
+              <a:cxn ang="0">
+                <a:pos x="connsiteX2" y="connsiteY2"/>
+              </a:cxn>
+              <a:cxn ang="0">
+                <a:pos x="connsiteX3" y="connsiteY3"/>
+              </a:cxn>
+              <a:cxn ang="0">
+                <a:pos x="connsiteX4" y="connsiteY4"/>
+              </a:cxn>
+              <a:cxn ang="0">
+                <a:pos x="connsiteX5" y="connsiteY5"/>
+              </a:cxn>
+              <a:cxn ang="0">
+                <a:pos x="connsiteX6" y="connsiteY6"/>
+              </a:cxn>
+              <a:cxn ang="0">
+                <a:pos x="connsiteX7" y="connsiteY7"/>
+              </a:cxn>
+              <a:cxn ang="0">
+                <a:pos x="connsiteX8" y="connsiteY8"/>
+              </a:cxn>
+              <a:cxn ang="0">
+                <a:pos x="connsiteX9" y="connsiteY9"/>
+              </a:cxn>
+              <a:cxn ang="0">
+                <a:pos x="connsiteX10" y="connsiteY10"/>
+              </a:cxn>
+              <a:cxn ang="0">
+                <a:pos x="connsiteX11" y="connsiteY11"/>
+              </a:cxn>
+              <a:cxn ang="0">
+                <a:pos x="connsiteX12" y="connsiteY12"/>
+              </a:cxn>
+            </a:cxnLst>
+            <a:rect l="l" t="t" r="r" b="b"/>
+            <a:pathLst>
+              <a:path w="946150" h="1905000">
+                <a:moveTo>
+                  <a:pt x="520700" y="0"/>
+                </a:moveTo>
+                <a:lnTo>
+                  <a:pt x="596900" y="31750"/>
+                </a:lnTo>
+                <a:lnTo>
+                  <a:pt x="565150" y="825500"/>
+                </a:lnTo>
+                <a:lnTo>
+                  <a:pt x="946150" y="939800"/>
+                </a:lnTo>
+                <a:lnTo>
+                  <a:pt x="889000" y="1041400"/>
+                </a:lnTo>
+                <a:lnTo>
+                  <a:pt x="558800" y="1104900"/>
+                </a:lnTo>
+                <a:lnTo>
+                  <a:pt x="615950" y="1898650"/>
+                </a:lnTo>
+                <a:lnTo>
+                  <a:pt x="463550" y="1905000"/>
+                </a:lnTo>
+                <a:lnTo>
+                  <a:pt x="228600" y="1644650"/>
+                </a:lnTo>
+                <a:lnTo>
+                  <a:pt x="203200" y="1149350"/>
+                </a:lnTo>
+                <a:lnTo>
+                  <a:pt x="0" y="850900"/>
+                </a:lnTo>
+                <a:lnTo>
+                  <a:pt x="292100" y="762000"/>
+                </a:lnTo>
+                <a:cubicBezTo>
+                  <a:pt x="289983" y="571500"/>
+                  <a:pt x="287867" y="381000"/>
+                  <a:pt x="285750" y="190500"/>
+                </a:cubicBezTo>
+                <a:close/>
+              </a:path>
+            </a:pathLst>
+          </a:custGeom>
+        </p:spPr>
+      </p:pic>
+      <p:pic>
+        <p:nvPicPr>
           <p:cNvPr id="3" name="Picture 2">
             <a:extLst>
               <a:ext uri="{FF2B5EF4-FFF2-40B4-BE49-F238E27FC236}">
@@ -4280,7 +4809,7 @@
           <p:nvPr/>
         </p:nvPicPr>
         <p:blipFill rotWithShape="1">
-          <a:blip r:embed="rId2">
+          <a:blip r:embed="rId3">
             <a:extLst>
               <a:ext uri="{28A0092B-C50C-407E-A947-70E740481C1C}">
                 <a14:useLocalDpi xmlns:a14="http://schemas.microsoft.com/office/drawing/2010/main" val="0"/>
@@ -4292,12 +4821,689 @@
         </p:blipFill>
         <p:spPr>
           <a:xfrm>
-            <a:off x="6918036" y="2530764"/>
+            <a:off x="5398799" y="2073566"/>
             <a:ext cx="1071420" cy="193963"/>
           </a:xfrm>
           <a:prstGeom prst="rect">
             <a:avLst/>
           </a:prstGeom>
+        </p:spPr>
+      </p:pic>
+      <p:pic>
+        <p:nvPicPr>
+          <p:cNvPr id="18" name="Picture 17">
+            <a:extLst>
+              <a:ext uri="{FF2B5EF4-FFF2-40B4-BE49-F238E27FC236}">
+                <a16:creationId xmlns:a16="http://schemas.microsoft.com/office/drawing/2014/main" id="{E8B21A00-684D-40F5-A89C-9EF4FDDEC32A}"/>
+              </a:ext>
+            </a:extLst>
+          </p:cNvPr>
+          <p:cNvPicPr>
+            <a:picLocks noChangeAspect="1"/>
+          </p:cNvPicPr>
+          <p:nvPr/>
+        </p:nvPicPr>
+        <p:blipFill>
+          <a:blip r:embed="rId4"/>
+          <a:srcRect l="6865" t="8931" r="43383" b="23216"/>
+          <a:stretch>
+            <a:fillRect/>
+          </a:stretch>
+        </p:blipFill>
+        <p:spPr>
+          <a:xfrm>
+            <a:off x="3738562" y="2095501"/>
+            <a:ext cx="966788" cy="1447800"/>
+          </a:xfrm>
+          <a:custGeom>
+            <a:avLst/>
+            <a:gdLst>
+              <a:gd name="connsiteX0" fmla="*/ 381000 w 966788"/>
+              <a:gd name="connsiteY0" fmla="*/ 0 h 1447800"/>
+              <a:gd name="connsiteX1" fmla="*/ 700088 w 966788"/>
+              <a:gd name="connsiteY1" fmla="*/ 4763 h 1447800"/>
+              <a:gd name="connsiteX2" fmla="*/ 762000 w 966788"/>
+              <a:gd name="connsiteY2" fmla="*/ 309563 h 1447800"/>
+              <a:gd name="connsiteX3" fmla="*/ 785813 w 966788"/>
+              <a:gd name="connsiteY3" fmla="*/ 457200 h 1447800"/>
+              <a:gd name="connsiteX4" fmla="*/ 914400 w 966788"/>
+              <a:gd name="connsiteY4" fmla="*/ 590550 h 1447800"/>
+              <a:gd name="connsiteX5" fmla="*/ 957263 w 966788"/>
+              <a:gd name="connsiteY5" fmla="*/ 661988 h 1447800"/>
+              <a:gd name="connsiteX6" fmla="*/ 966788 w 966788"/>
+              <a:gd name="connsiteY6" fmla="*/ 800100 h 1447800"/>
+              <a:gd name="connsiteX7" fmla="*/ 952500 w 966788"/>
+              <a:gd name="connsiteY7" fmla="*/ 914400 h 1447800"/>
+              <a:gd name="connsiteX8" fmla="*/ 909638 w 966788"/>
+              <a:gd name="connsiteY8" fmla="*/ 1019175 h 1447800"/>
+              <a:gd name="connsiteX9" fmla="*/ 819150 w 966788"/>
+              <a:gd name="connsiteY9" fmla="*/ 1100138 h 1447800"/>
+              <a:gd name="connsiteX10" fmla="*/ 804863 w 966788"/>
+              <a:gd name="connsiteY10" fmla="*/ 1109663 h 1447800"/>
+              <a:gd name="connsiteX11" fmla="*/ 814388 w 966788"/>
+              <a:gd name="connsiteY11" fmla="*/ 1447800 h 1447800"/>
+              <a:gd name="connsiteX12" fmla="*/ 152400 w 966788"/>
+              <a:gd name="connsiteY12" fmla="*/ 1414463 h 1447800"/>
+              <a:gd name="connsiteX13" fmla="*/ 138113 w 966788"/>
+              <a:gd name="connsiteY13" fmla="*/ 1109663 h 1447800"/>
+              <a:gd name="connsiteX14" fmla="*/ 0 w 966788"/>
+              <a:gd name="connsiteY14" fmla="*/ 914400 h 1447800"/>
+              <a:gd name="connsiteX15" fmla="*/ 33338 w 966788"/>
+              <a:gd name="connsiteY15" fmla="*/ 585788 h 1447800"/>
+              <a:gd name="connsiteX16" fmla="*/ 190500 w 966788"/>
+              <a:gd name="connsiteY16" fmla="*/ 471488 h 1447800"/>
+              <a:gd name="connsiteX17" fmla="*/ 304800 w 966788"/>
+              <a:gd name="connsiteY17" fmla="*/ 419100 h 1447800"/>
+              <a:gd name="connsiteX18" fmla="*/ 319088 w 966788"/>
+              <a:gd name="connsiteY18" fmla="*/ 352425 h 1447800"/>
+              <a:gd name="connsiteX19" fmla="*/ 323850 w 966788"/>
+              <a:gd name="connsiteY19" fmla="*/ 147638 h 1447800"/>
+            </a:gdLst>
+            <a:ahLst/>
+            <a:cxnLst>
+              <a:cxn ang="0">
+                <a:pos x="connsiteX0" y="connsiteY0"/>
+              </a:cxn>
+              <a:cxn ang="0">
+                <a:pos x="connsiteX1" y="connsiteY1"/>
+              </a:cxn>
+              <a:cxn ang="0">
+                <a:pos x="connsiteX2" y="connsiteY2"/>
+              </a:cxn>
+              <a:cxn ang="0">
+                <a:pos x="connsiteX3" y="connsiteY3"/>
+              </a:cxn>
+              <a:cxn ang="0">
+                <a:pos x="connsiteX4" y="connsiteY4"/>
+              </a:cxn>
+              <a:cxn ang="0">
+                <a:pos x="connsiteX5" y="connsiteY5"/>
+              </a:cxn>
+              <a:cxn ang="0">
+                <a:pos x="connsiteX6" y="connsiteY6"/>
+              </a:cxn>
+              <a:cxn ang="0">
+                <a:pos x="connsiteX7" y="connsiteY7"/>
+              </a:cxn>
+              <a:cxn ang="0">
+                <a:pos x="connsiteX8" y="connsiteY8"/>
+              </a:cxn>
+              <a:cxn ang="0">
+                <a:pos x="connsiteX9" y="connsiteY9"/>
+              </a:cxn>
+              <a:cxn ang="0">
+                <a:pos x="connsiteX10" y="connsiteY10"/>
+              </a:cxn>
+              <a:cxn ang="0">
+                <a:pos x="connsiteX11" y="connsiteY11"/>
+              </a:cxn>
+              <a:cxn ang="0">
+                <a:pos x="connsiteX12" y="connsiteY12"/>
+              </a:cxn>
+              <a:cxn ang="0">
+                <a:pos x="connsiteX13" y="connsiteY13"/>
+              </a:cxn>
+              <a:cxn ang="0">
+                <a:pos x="connsiteX14" y="connsiteY14"/>
+              </a:cxn>
+              <a:cxn ang="0">
+                <a:pos x="connsiteX15" y="connsiteY15"/>
+              </a:cxn>
+              <a:cxn ang="0">
+                <a:pos x="connsiteX16" y="connsiteY16"/>
+              </a:cxn>
+              <a:cxn ang="0">
+                <a:pos x="connsiteX17" y="connsiteY17"/>
+              </a:cxn>
+              <a:cxn ang="0">
+                <a:pos x="connsiteX18" y="connsiteY18"/>
+              </a:cxn>
+              <a:cxn ang="0">
+                <a:pos x="connsiteX19" y="connsiteY19"/>
+              </a:cxn>
+            </a:cxnLst>
+            <a:rect l="l" t="t" r="r" b="b"/>
+            <a:pathLst>
+              <a:path w="966788" h="1447800">
+                <a:moveTo>
+                  <a:pt x="381000" y="0"/>
+                </a:moveTo>
+                <a:lnTo>
+                  <a:pt x="700088" y="4763"/>
+                </a:lnTo>
+                <a:lnTo>
+                  <a:pt x="762000" y="309563"/>
+                </a:lnTo>
+                <a:lnTo>
+                  <a:pt x="785813" y="457200"/>
+                </a:lnTo>
+                <a:lnTo>
+                  <a:pt x="914400" y="590550"/>
+                </a:lnTo>
+                <a:lnTo>
+                  <a:pt x="957263" y="661988"/>
+                </a:lnTo>
+                <a:lnTo>
+                  <a:pt x="966788" y="800100"/>
+                </a:lnTo>
+                <a:lnTo>
+                  <a:pt x="952500" y="914400"/>
+                </a:lnTo>
+                <a:lnTo>
+                  <a:pt x="909638" y="1019175"/>
+                </a:lnTo>
+                <a:lnTo>
+                  <a:pt x="819150" y="1100138"/>
+                </a:lnTo>
+                <a:lnTo>
+                  <a:pt x="804863" y="1109663"/>
+                </a:lnTo>
+                <a:lnTo>
+                  <a:pt x="814388" y="1447800"/>
+                </a:lnTo>
+                <a:lnTo>
+                  <a:pt x="152400" y="1414463"/>
+                </a:lnTo>
+                <a:lnTo>
+                  <a:pt x="138113" y="1109663"/>
+                </a:lnTo>
+                <a:lnTo>
+                  <a:pt x="0" y="914400"/>
+                </a:lnTo>
+                <a:lnTo>
+                  <a:pt x="33338" y="585788"/>
+                </a:lnTo>
+                <a:lnTo>
+                  <a:pt x="190500" y="471488"/>
+                </a:lnTo>
+                <a:lnTo>
+                  <a:pt x="304800" y="419100"/>
+                </a:lnTo>
+                <a:lnTo>
+                  <a:pt x="319088" y="352425"/>
+                </a:lnTo>
+                <a:lnTo>
+                  <a:pt x="323850" y="147638"/>
+                </a:lnTo>
+                <a:close/>
+              </a:path>
+            </a:pathLst>
+          </a:custGeom>
+        </p:spPr>
+      </p:pic>
+      <p:pic>
+        <p:nvPicPr>
+          <p:cNvPr id="14" name="Picture 13">
+            <a:extLst>
+              <a:ext uri="{FF2B5EF4-FFF2-40B4-BE49-F238E27FC236}">
+                <a16:creationId xmlns:a16="http://schemas.microsoft.com/office/drawing/2014/main" id="{557A37BE-796C-4D91-BD20-03FEB65058A3}"/>
+              </a:ext>
+            </a:extLst>
+          </p:cNvPr>
+          <p:cNvPicPr>
+            <a:picLocks noChangeAspect="1"/>
+          </p:cNvPicPr>
+          <p:nvPr/>
+        </p:nvPicPr>
+        <p:blipFill>
+          <a:blip r:embed="rId5"/>
+          <a:srcRect l="4171" t="2630" r="49202" b="28085"/>
+          <a:stretch>
+            <a:fillRect/>
+          </a:stretch>
+        </p:blipFill>
+        <p:spPr>
+          <a:xfrm>
+            <a:off x="6640512" y="254002"/>
+            <a:ext cx="1054100" cy="1174749"/>
+          </a:xfrm>
+          <a:custGeom>
+            <a:avLst/>
+            <a:gdLst>
+              <a:gd name="connsiteX0" fmla="*/ 831850 w 1054100"/>
+              <a:gd name="connsiteY0" fmla="*/ 0 h 1174750"/>
+              <a:gd name="connsiteX1" fmla="*/ 1028700 w 1054100"/>
+              <a:gd name="connsiteY1" fmla="*/ 114300 h 1174750"/>
+              <a:gd name="connsiteX2" fmla="*/ 1054100 w 1054100"/>
+              <a:gd name="connsiteY2" fmla="*/ 1136650 h 1174750"/>
+              <a:gd name="connsiteX3" fmla="*/ 863600 w 1054100"/>
+              <a:gd name="connsiteY3" fmla="*/ 1130300 h 1174750"/>
+              <a:gd name="connsiteX4" fmla="*/ 647700 w 1054100"/>
+              <a:gd name="connsiteY4" fmla="*/ 1143000 h 1174750"/>
+              <a:gd name="connsiteX5" fmla="*/ 6350 w 1054100"/>
+              <a:gd name="connsiteY5" fmla="*/ 1174750 h 1174750"/>
+              <a:gd name="connsiteX6" fmla="*/ 0 w 1054100"/>
+              <a:gd name="connsiteY6" fmla="*/ 450850 h 1174750"/>
+              <a:gd name="connsiteX7" fmla="*/ 209550 w 1054100"/>
+              <a:gd name="connsiteY7" fmla="*/ 6350 h 1174750"/>
+            </a:gdLst>
+            <a:ahLst/>
+            <a:cxnLst>
+              <a:cxn ang="0">
+                <a:pos x="connsiteX0" y="connsiteY0"/>
+              </a:cxn>
+              <a:cxn ang="0">
+                <a:pos x="connsiteX1" y="connsiteY1"/>
+              </a:cxn>
+              <a:cxn ang="0">
+                <a:pos x="connsiteX2" y="connsiteY2"/>
+              </a:cxn>
+              <a:cxn ang="0">
+                <a:pos x="connsiteX3" y="connsiteY3"/>
+              </a:cxn>
+              <a:cxn ang="0">
+                <a:pos x="connsiteX4" y="connsiteY4"/>
+              </a:cxn>
+              <a:cxn ang="0">
+                <a:pos x="connsiteX5" y="connsiteY5"/>
+              </a:cxn>
+              <a:cxn ang="0">
+                <a:pos x="connsiteX6" y="connsiteY6"/>
+              </a:cxn>
+              <a:cxn ang="0">
+                <a:pos x="connsiteX7" y="connsiteY7"/>
+              </a:cxn>
+            </a:cxnLst>
+            <a:rect l="l" t="t" r="r" b="b"/>
+            <a:pathLst>
+              <a:path w="1054100" h="1174750">
+                <a:moveTo>
+                  <a:pt x="831850" y="0"/>
+                </a:moveTo>
+                <a:lnTo>
+                  <a:pt x="1028700" y="114300"/>
+                </a:lnTo>
+                <a:lnTo>
+                  <a:pt x="1054100" y="1136650"/>
+                </a:lnTo>
+                <a:lnTo>
+                  <a:pt x="863600" y="1130300"/>
+                </a:lnTo>
+                <a:lnTo>
+                  <a:pt x="647700" y="1143000"/>
+                </a:lnTo>
+                <a:lnTo>
+                  <a:pt x="6350" y="1174750"/>
+                </a:lnTo>
+                <a:cubicBezTo>
+                  <a:pt x="4233" y="933450"/>
+                  <a:pt x="2117" y="692150"/>
+                  <a:pt x="0" y="450850"/>
+                </a:cubicBezTo>
+                <a:lnTo>
+                  <a:pt x="209550" y="6350"/>
+                </a:lnTo>
+                <a:close/>
+              </a:path>
+            </a:pathLst>
+          </a:custGeom>
+        </p:spPr>
+      </p:pic>
+      <p:pic>
+        <p:nvPicPr>
+          <p:cNvPr id="6" name="Picture 5">
+            <a:extLst>
+              <a:ext uri="{FF2B5EF4-FFF2-40B4-BE49-F238E27FC236}">
+                <a16:creationId xmlns:a16="http://schemas.microsoft.com/office/drawing/2014/main" id="{187C21E8-5855-465F-9219-CDF432E97F66}"/>
+              </a:ext>
+            </a:extLst>
+          </p:cNvPr>
+          <p:cNvPicPr>
+            <a:picLocks noChangeAspect="1"/>
+          </p:cNvPicPr>
+          <p:nvPr/>
+        </p:nvPicPr>
+        <p:blipFill rotWithShape="1">
+          <a:blip r:embed="rId6"/>
+          <a:srcRect t="13885" b="24921"/>
+          <a:stretch/>
+        </p:blipFill>
+        <p:spPr>
+          <a:xfrm>
+            <a:off x="75187" y="4038656"/>
+            <a:ext cx="1979077" cy="1088136"/>
+          </a:xfrm>
+          <a:prstGeom prst="rect">
+            <a:avLst/>
+          </a:prstGeom>
+        </p:spPr>
+      </p:pic>
+      <p:pic>
+        <p:nvPicPr>
+          <p:cNvPr id="10" name="Picture 9">
+            <a:extLst>
+              <a:ext uri="{FF2B5EF4-FFF2-40B4-BE49-F238E27FC236}">
+                <a16:creationId xmlns:a16="http://schemas.microsoft.com/office/drawing/2014/main" id="{E048F3D7-DDE2-4452-9BF1-2307CABE9581}"/>
+              </a:ext>
+            </a:extLst>
+          </p:cNvPr>
+          <p:cNvPicPr>
+            <a:picLocks noChangeAspect="1"/>
+          </p:cNvPicPr>
+          <p:nvPr/>
+        </p:nvPicPr>
+        <p:blipFill>
+          <a:blip r:embed="rId7">
+            <a:clrChange>
+              <a:clrFrom>
+                <a:srgbClr val="FFFFFF"/>
+              </a:clrFrom>
+              <a:clrTo>
+                <a:srgbClr val="FFFFFF">
+                  <a:alpha val="0"/>
+                </a:srgbClr>
+              </a:clrTo>
+            </a:clrChange>
+          </a:blip>
+          <a:srcRect/>
+          <a:stretch>
+            <a:fillRect/>
+          </a:stretch>
+        </p:blipFill>
+        <p:spPr>
+          <a:xfrm flipH="1">
+            <a:off x="7471023" y="2109532"/>
+            <a:ext cx="936409" cy="2555763"/>
+          </a:xfrm>
+          <a:custGeom>
+            <a:avLst/>
+            <a:gdLst>
+              <a:gd name="connsiteX0" fmla="*/ 480491 w 936409"/>
+              <a:gd name="connsiteY0" fmla="*/ 0 h 2555763"/>
+              <a:gd name="connsiteX1" fmla="*/ 391056 w 936409"/>
+              <a:gd name="connsiteY1" fmla="*/ 0 h 2555763"/>
+              <a:gd name="connsiteX2" fmla="*/ 14572 w 936409"/>
+              <a:gd name="connsiteY2" fmla="*/ 167326 h 2555763"/>
+              <a:gd name="connsiteX3" fmla="*/ 87724 w 936409"/>
+              <a:gd name="connsiteY3" fmla="*/ 377638 h 2555763"/>
+              <a:gd name="connsiteX4" fmla="*/ 0 w 936409"/>
+              <a:gd name="connsiteY4" fmla="*/ 537136 h 2555763"/>
+              <a:gd name="connsiteX5" fmla="*/ 0 w 936409"/>
+              <a:gd name="connsiteY5" fmla="*/ 1124983 h 2555763"/>
+              <a:gd name="connsiteX6" fmla="*/ 87724 w 936409"/>
+              <a:gd name="connsiteY6" fmla="*/ 1420054 h 2555763"/>
+              <a:gd name="connsiteX7" fmla="*/ 188308 w 936409"/>
+              <a:gd name="connsiteY7" fmla="*/ 2105854 h 2555763"/>
+              <a:gd name="connsiteX8" fmla="*/ 445399 w 936409"/>
+              <a:gd name="connsiteY8" fmla="*/ 2555763 h 2555763"/>
+              <a:gd name="connsiteX9" fmla="*/ 492898 w 936409"/>
+              <a:gd name="connsiteY9" fmla="*/ 2555763 h 2555763"/>
+              <a:gd name="connsiteX10" fmla="*/ 627220 w 936409"/>
+              <a:gd name="connsiteY10" fmla="*/ 1858966 h 2555763"/>
+              <a:gd name="connsiteX11" fmla="*/ 700372 w 936409"/>
+              <a:gd name="connsiteY11" fmla="*/ 1356046 h 2555763"/>
+              <a:gd name="connsiteX12" fmla="*/ 936409 w 936409"/>
+              <a:gd name="connsiteY12" fmla="*/ 1077093 h 2555763"/>
+              <a:gd name="connsiteX13" fmla="*/ 936409 w 936409"/>
+              <a:gd name="connsiteY13" fmla="*/ 762387 h 2555763"/>
+              <a:gd name="connsiteX14" fmla="*/ 746092 w 936409"/>
+              <a:gd name="connsiteY14" fmla="*/ 75886 h 2555763"/>
+            </a:gdLst>
+            <a:ahLst/>
+            <a:cxnLst>
+              <a:cxn ang="0">
+                <a:pos x="connsiteX0" y="connsiteY0"/>
+              </a:cxn>
+              <a:cxn ang="0">
+                <a:pos x="connsiteX1" y="connsiteY1"/>
+              </a:cxn>
+              <a:cxn ang="0">
+                <a:pos x="connsiteX2" y="connsiteY2"/>
+              </a:cxn>
+              <a:cxn ang="0">
+                <a:pos x="connsiteX3" y="connsiteY3"/>
+              </a:cxn>
+              <a:cxn ang="0">
+                <a:pos x="connsiteX4" y="connsiteY4"/>
+              </a:cxn>
+              <a:cxn ang="0">
+                <a:pos x="connsiteX5" y="connsiteY5"/>
+              </a:cxn>
+              <a:cxn ang="0">
+                <a:pos x="connsiteX6" y="connsiteY6"/>
+              </a:cxn>
+              <a:cxn ang="0">
+                <a:pos x="connsiteX7" y="connsiteY7"/>
+              </a:cxn>
+              <a:cxn ang="0">
+                <a:pos x="connsiteX8" y="connsiteY8"/>
+              </a:cxn>
+              <a:cxn ang="0">
+                <a:pos x="connsiteX9" y="connsiteY9"/>
+              </a:cxn>
+              <a:cxn ang="0">
+                <a:pos x="connsiteX10" y="connsiteY10"/>
+              </a:cxn>
+              <a:cxn ang="0">
+                <a:pos x="connsiteX11" y="connsiteY11"/>
+              </a:cxn>
+              <a:cxn ang="0">
+                <a:pos x="connsiteX12" y="connsiteY12"/>
+              </a:cxn>
+              <a:cxn ang="0">
+                <a:pos x="connsiteX13" y="connsiteY13"/>
+              </a:cxn>
+              <a:cxn ang="0">
+                <a:pos x="connsiteX14" y="connsiteY14"/>
+              </a:cxn>
+            </a:cxnLst>
+            <a:rect l="l" t="t" r="r" b="b"/>
+            <a:pathLst>
+              <a:path w="936409" h="2555763">
+                <a:moveTo>
+                  <a:pt x="480491" y="0"/>
+                </a:moveTo>
+                <a:lnTo>
+                  <a:pt x="391056" y="0"/>
+                </a:lnTo>
+                <a:lnTo>
+                  <a:pt x="14572" y="167326"/>
+                </a:lnTo>
+                <a:lnTo>
+                  <a:pt x="87724" y="377638"/>
+                </a:lnTo>
+                <a:lnTo>
+                  <a:pt x="0" y="537136"/>
+                </a:lnTo>
+                <a:lnTo>
+                  <a:pt x="0" y="1124983"/>
+                </a:lnTo>
+                <a:lnTo>
+                  <a:pt x="87724" y="1420054"/>
+                </a:lnTo>
+                <a:lnTo>
+                  <a:pt x="188308" y="2105854"/>
+                </a:lnTo>
+                <a:lnTo>
+                  <a:pt x="445399" y="2555763"/>
+                </a:lnTo>
+                <a:lnTo>
+                  <a:pt x="492898" y="2555763"/>
+                </a:lnTo>
+                <a:lnTo>
+                  <a:pt x="627220" y="1858966"/>
+                </a:lnTo>
+                <a:lnTo>
+                  <a:pt x="700372" y="1356046"/>
+                </a:lnTo>
+                <a:lnTo>
+                  <a:pt x="936409" y="1077093"/>
+                </a:lnTo>
+                <a:lnTo>
+                  <a:pt x="936409" y="762387"/>
+                </a:lnTo>
+                <a:lnTo>
+                  <a:pt x="746092" y="75886"/>
+                </a:lnTo>
+                <a:close/>
+              </a:path>
+            </a:pathLst>
+          </a:custGeom>
+        </p:spPr>
+      </p:pic>
+      <p:pic>
+        <p:nvPicPr>
+          <p:cNvPr id="22" name="Picture 21">
+            <a:extLst>
+              <a:ext uri="{FF2B5EF4-FFF2-40B4-BE49-F238E27FC236}">
+                <a16:creationId xmlns:a16="http://schemas.microsoft.com/office/drawing/2014/main" id="{FBC65AE1-4313-41BE-A28F-4D5AE4B96F05}"/>
+              </a:ext>
+            </a:extLst>
+          </p:cNvPr>
+          <p:cNvPicPr>
+            <a:picLocks noChangeAspect="1"/>
+          </p:cNvPicPr>
+          <p:nvPr/>
+        </p:nvPicPr>
+        <p:blipFill>
+          <a:blip r:embed="rId8">
+            <a:clrChange>
+              <a:clrFrom>
+                <a:srgbClr val="FFFFFF"/>
+              </a:clrFrom>
+              <a:clrTo>
+                <a:srgbClr val="FFFFFF">
+                  <a:alpha val="0"/>
+                </a:srgbClr>
+              </a:clrTo>
+            </a:clrChange>
+          </a:blip>
+          <a:srcRect/>
+          <a:stretch>
+            <a:fillRect/>
+          </a:stretch>
+        </p:blipFill>
+        <p:spPr>
+          <a:xfrm>
+            <a:off x="3055066" y="3842064"/>
+            <a:ext cx="2405391" cy="1214761"/>
+          </a:xfrm>
+          <a:custGeom>
+            <a:avLst/>
+            <a:gdLst>
+              <a:gd name="connsiteX0" fmla="*/ 1194109 w 2405391"/>
+              <a:gd name="connsiteY0" fmla="*/ 0 h 1214761"/>
+              <a:gd name="connsiteX1" fmla="*/ 1495540 w 2405391"/>
+              <a:gd name="connsiteY1" fmla="*/ 0 h 1214761"/>
+              <a:gd name="connsiteX2" fmla="*/ 2109962 w 2405391"/>
+              <a:gd name="connsiteY2" fmla="*/ 163010 h 1214761"/>
+              <a:gd name="connsiteX3" fmla="*/ 2375138 w 2405391"/>
+              <a:gd name="connsiteY3" fmla="*/ 446474 h 1214761"/>
+              <a:gd name="connsiteX4" fmla="*/ 2292842 w 2405391"/>
+              <a:gd name="connsiteY4" fmla="*/ 812234 h 1214761"/>
+              <a:gd name="connsiteX5" fmla="*/ 2405391 w 2405391"/>
+              <a:gd name="connsiteY5" fmla="*/ 1173999 h 1214761"/>
+              <a:gd name="connsiteX6" fmla="*/ 2405391 w 2405391"/>
+              <a:gd name="connsiteY6" fmla="*/ 1214761 h 1214761"/>
+              <a:gd name="connsiteX7" fmla="*/ 2084481 w 2405391"/>
+              <a:gd name="connsiteY7" fmla="*/ 1214761 h 1214761"/>
+              <a:gd name="connsiteX8" fmla="*/ 15986 w 2405391"/>
+              <a:gd name="connsiteY8" fmla="*/ 1159706 h 1214761"/>
+              <a:gd name="connsiteX9" fmla="*/ 0 w 2405391"/>
+              <a:gd name="connsiteY9" fmla="*/ 1002130 h 1214761"/>
+              <a:gd name="connsiteX10" fmla="*/ 0 w 2405391"/>
+              <a:gd name="connsiteY10" fmla="*/ 526923 h 1214761"/>
+              <a:gd name="connsiteX11" fmla="*/ 189722 w 2405391"/>
+              <a:gd name="connsiteY11" fmla="*/ 519626 h 1214761"/>
+              <a:gd name="connsiteX12" fmla="*/ 445754 w 2405391"/>
+              <a:gd name="connsiteY12" fmla="*/ 492194 h 1214761"/>
+              <a:gd name="connsiteX13" fmla="*/ 1085834 w 2405391"/>
+              <a:gd name="connsiteY13" fmla="*/ 409898 h 1214761"/>
+            </a:gdLst>
+            <a:ahLst/>
+            <a:cxnLst>
+              <a:cxn ang="0">
+                <a:pos x="connsiteX0" y="connsiteY0"/>
+              </a:cxn>
+              <a:cxn ang="0">
+                <a:pos x="connsiteX1" y="connsiteY1"/>
+              </a:cxn>
+              <a:cxn ang="0">
+                <a:pos x="connsiteX2" y="connsiteY2"/>
+              </a:cxn>
+              <a:cxn ang="0">
+                <a:pos x="connsiteX3" y="connsiteY3"/>
+              </a:cxn>
+              <a:cxn ang="0">
+                <a:pos x="connsiteX4" y="connsiteY4"/>
+              </a:cxn>
+              <a:cxn ang="0">
+                <a:pos x="connsiteX5" y="connsiteY5"/>
+              </a:cxn>
+              <a:cxn ang="0">
+                <a:pos x="connsiteX6" y="connsiteY6"/>
+              </a:cxn>
+              <a:cxn ang="0">
+                <a:pos x="connsiteX7" y="connsiteY7"/>
+              </a:cxn>
+              <a:cxn ang="0">
+                <a:pos x="connsiteX8" y="connsiteY8"/>
+              </a:cxn>
+              <a:cxn ang="0">
+                <a:pos x="connsiteX9" y="connsiteY9"/>
+              </a:cxn>
+              <a:cxn ang="0">
+                <a:pos x="connsiteX10" y="connsiteY10"/>
+              </a:cxn>
+              <a:cxn ang="0">
+                <a:pos x="connsiteX11" y="connsiteY11"/>
+              </a:cxn>
+              <a:cxn ang="0">
+                <a:pos x="connsiteX12" y="connsiteY12"/>
+              </a:cxn>
+              <a:cxn ang="0">
+                <a:pos x="connsiteX13" y="connsiteY13"/>
+              </a:cxn>
+            </a:cxnLst>
+            <a:rect l="l" t="t" r="r" b="b"/>
+            <a:pathLst>
+              <a:path w="2405391" h="1214761">
+                <a:moveTo>
+                  <a:pt x="1194109" y="0"/>
+                </a:moveTo>
+                <a:lnTo>
+                  <a:pt x="1495540" y="0"/>
+                </a:lnTo>
+                <a:lnTo>
+                  <a:pt x="2109962" y="163010"/>
+                </a:lnTo>
+                <a:lnTo>
+                  <a:pt x="2375138" y="446474"/>
+                </a:lnTo>
+                <a:lnTo>
+                  <a:pt x="2292842" y="812234"/>
+                </a:lnTo>
+                <a:lnTo>
+                  <a:pt x="2405391" y="1173999"/>
+                </a:lnTo>
+                <a:lnTo>
+                  <a:pt x="2405391" y="1214761"/>
+                </a:lnTo>
+                <a:lnTo>
+                  <a:pt x="2084481" y="1214761"/>
+                </a:lnTo>
+                <a:lnTo>
+                  <a:pt x="15986" y="1159706"/>
+                </a:lnTo>
+                <a:lnTo>
+                  <a:pt x="0" y="1002130"/>
+                </a:lnTo>
+                <a:lnTo>
+                  <a:pt x="0" y="526923"/>
+                </a:lnTo>
+                <a:lnTo>
+                  <a:pt x="189722" y="519626"/>
+                </a:lnTo>
+                <a:lnTo>
+                  <a:pt x="445754" y="492194"/>
+                </a:lnTo>
+                <a:lnTo>
+                  <a:pt x="1085834" y="409898"/>
+                </a:lnTo>
+                <a:close/>
+              </a:path>
+            </a:pathLst>
+          </a:custGeom>
         </p:spPr>
       </p:pic>
     </p:spTree>
@@ -4344,7 +5550,7 @@
         </p:nvSpPr>
         <p:spPr>
           <a:xfrm>
-            <a:off x="3149600" y="730250"/>
+            <a:off x="1630362" y="273050"/>
             <a:ext cx="6337300" cy="4413250"/>
           </a:xfrm>
           <a:custGeom>
@@ -4437,7 +5643,7 @@
           <a:lstStyle/>
           <a:p>
             <a:pPr algn="ctr"/>
-            <a:endParaRPr lang="en-US"/>
+            <a:endParaRPr lang="en-US" sz="1430"/>
           </a:p>
         </p:txBody>
       </p:sp>
@@ -4455,7 +5661,7 @@
         </p:nvSpPr>
         <p:spPr>
           <a:xfrm>
-            <a:off x="3136900" y="1358900"/>
+            <a:off x="1617662" y="901700"/>
             <a:ext cx="6350000" cy="3937000"/>
           </a:xfrm>
           <a:custGeom>
@@ -4546,7 +5752,7 @@
           <a:lstStyle/>
           <a:p>
             <a:pPr algn="ctr"/>
-            <a:endParaRPr lang="en-US"/>
+            <a:endParaRPr lang="en-US" sz="1430"/>
           </a:p>
         </p:txBody>
       </p:sp>
@@ -4588,8 +5794,8 @@
         </p:blipFill>
         <p:spPr>
           <a:xfrm>
-            <a:off x="2621273" y="640074"/>
-            <a:ext cx="6949454" cy="5577851"/>
+            <a:off x="1102035" y="182875"/>
+            <a:ext cx="6949454" cy="5577850"/>
           </a:xfrm>
           <a:prstGeom prst="rect">
             <a:avLst/>
@@ -4612,7 +5818,7 @@
 <file path=ppt/theme/theme1.xml><?xml version="1.0" encoding="utf-8"?>
 <a:theme xmlns:a="http://schemas.openxmlformats.org/drawingml/2006/main" name="Office Theme">
   <a:themeElements>
-    <a:clrScheme name="Office">
+    <a:clrScheme name="Office Theme">
       <a:dk1>
         <a:sysClr val="windowText" lastClr="000000"/>
       </a:dk1>
@@ -4650,7 +5856,7 @@
         <a:srgbClr val="954F72"/>
       </a:folHlink>
     </a:clrScheme>
-    <a:fontScheme name="Office">
+    <a:fontScheme name="Office Theme">
       <a:majorFont>
         <a:latin typeface="Calibri Light" panose="020F0302020204030204"/>
         <a:ea typeface=""/>
@@ -4685,23 +5891,6 @@
         <a:font script="Viet" typeface="Times New Roman"/>
         <a:font script="Uigh" typeface="Microsoft Uighur"/>
         <a:font script="Geor" typeface="Sylfaen"/>
-        <a:font script="Armn" typeface="Arial"/>
-        <a:font script="Bugi" typeface="Leelawadee UI"/>
-        <a:font script="Bopo" typeface="Microsoft JhengHei"/>
-        <a:font script="Java" typeface="Javanese Text"/>
-        <a:font script="Lisu" typeface="Segoe UI"/>
-        <a:font script="Mymr" typeface="Myanmar Text"/>
-        <a:font script="Nkoo" typeface="Ebrima"/>
-        <a:font script="Olck" typeface="Nirmala UI"/>
-        <a:font script="Osma" typeface="Ebrima"/>
-        <a:font script="Phag" typeface="Phagspa"/>
-        <a:font script="Syrn" typeface="Estrangelo Edessa"/>
-        <a:font script="Syrj" typeface="Estrangelo Edessa"/>
-        <a:font script="Syre" typeface="Estrangelo Edessa"/>
-        <a:font script="Sora" typeface="Nirmala UI"/>
-        <a:font script="Tale" typeface="Microsoft Tai Le"/>
-        <a:font script="Talu" typeface="Microsoft New Tai Lue"/>
-        <a:font script="Tfng" typeface="Ebrima"/>
       </a:majorFont>
       <a:minorFont>
         <a:latin typeface="Calibri" panose="020F0502020204030204"/>
@@ -4737,26 +5926,9 @@
         <a:font script="Viet" typeface="Arial"/>
         <a:font script="Uigh" typeface="Microsoft Uighur"/>
         <a:font script="Geor" typeface="Sylfaen"/>
-        <a:font script="Armn" typeface="Arial"/>
-        <a:font script="Bugi" typeface="Leelawadee UI"/>
-        <a:font script="Bopo" typeface="Microsoft JhengHei"/>
-        <a:font script="Java" typeface="Javanese Text"/>
-        <a:font script="Lisu" typeface="Segoe UI"/>
-        <a:font script="Mymr" typeface="Myanmar Text"/>
-        <a:font script="Nkoo" typeface="Ebrima"/>
-        <a:font script="Olck" typeface="Nirmala UI"/>
-        <a:font script="Osma" typeface="Ebrima"/>
-        <a:font script="Phag" typeface="Phagspa"/>
-        <a:font script="Syrn" typeface="Estrangelo Edessa"/>
-        <a:font script="Syrj" typeface="Estrangelo Edessa"/>
-        <a:font script="Syre" typeface="Estrangelo Edessa"/>
-        <a:font script="Sora" typeface="Nirmala UI"/>
-        <a:font script="Tale" typeface="Microsoft Tai Le"/>
-        <a:font script="Talu" typeface="Microsoft New Tai Lue"/>
-        <a:font script="Tfng" typeface="Ebrima"/>
       </a:minorFont>
     </a:fontScheme>
-    <a:fmtScheme name="Office">
+    <a:fmtScheme name="Office Theme">
       <a:fillStyleLst>
         <a:solidFill>
           <a:schemeClr val="phClr"/>

--- a/Figures/figure_making.pptx
+++ b/Figures/figure_making.pptx
@@ -247,7 +247,7 @@
           <a:p>
             <a:fld id="{9A0015C3-2E44-486C-A5F2-7FA6CB10593F}" type="datetimeFigureOut">
               <a:rPr lang="en-US" smtClean="0"/>
-              <a:t>10/27/2021</a:t>
+              <a:t>6/21/2022</a:t>
             </a:fld>
             <a:endParaRPr lang="en-US"/>
           </a:p>
@@ -417,7 +417,7 @@
           <a:p>
             <a:fld id="{9A0015C3-2E44-486C-A5F2-7FA6CB10593F}" type="datetimeFigureOut">
               <a:rPr lang="en-US" smtClean="0"/>
-              <a:t>10/27/2021</a:t>
+              <a:t>6/21/2022</a:t>
             </a:fld>
             <a:endParaRPr lang="en-US"/>
           </a:p>
@@ -597,7 +597,7 @@
           <a:p>
             <a:fld id="{9A0015C3-2E44-486C-A5F2-7FA6CB10593F}" type="datetimeFigureOut">
               <a:rPr lang="en-US" smtClean="0"/>
-              <a:t>10/27/2021</a:t>
+              <a:t>6/21/2022</a:t>
             </a:fld>
             <a:endParaRPr lang="en-US"/>
           </a:p>
@@ -767,7 +767,7 @@
           <a:p>
             <a:fld id="{9A0015C3-2E44-486C-A5F2-7FA6CB10593F}" type="datetimeFigureOut">
               <a:rPr lang="en-US" smtClean="0"/>
-              <a:t>10/27/2021</a:t>
+              <a:t>6/21/2022</a:t>
             </a:fld>
             <a:endParaRPr lang="en-US"/>
           </a:p>
@@ -1011,7 +1011,7 @@
           <a:p>
             <a:fld id="{9A0015C3-2E44-486C-A5F2-7FA6CB10593F}" type="datetimeFigureOut">
               <a:rPr lang="en-US" smtClean="0"/>
-              <a:t>10/27/2021</a:t>
+              <a:t>6/21/2022</a:t>
             </a:fld>
             <a:endParaRPr lang="en-US"/>
           </a:p>
@@ -1243,7 +1243,7 @@
           <a:p>
             <a:fld id="{9A0015C3-2E44-486C-A5F2-7FA6CB10593F}" type="datetimeFigureOut">
               <a:rPr lang="en-US" smtClean="0"/>
-              <a:t>10/27/2021</a:t>
+              <a:t>6/21/2022</a:t>
             </a:fld>
             <a:endParaRPr lang="en-US"/>
           </a:p>
@@ -1610,7 +1610,7 @@
           <a:p>
             <a:fld id="{9A0015C3-2E44-486C-A5F2-7FA6CB10593F}" type="datetimeFigureOut">
               <a:rPr lang="en-US" smtClean="0"/>
-              <a:t>10/27/2021</a:t>
+              <a:t>6/21/2022</a:t>
             </a:fld>
             <a:endParaRPr lang="en-US"/>
           </a:p>
@@ -1728,7 +1728,7 @@
           <a:p>
             <a:fld id="{9A0015C3-2E44-486C-A5F2-7FA6CB10593F}" type="datetimeFigureOut">
               <a:rPr lang="en-US" smtClean="0"/>
-              <a:t>10/27/2021</a:t>
+              <a:t>6/21/2022</a:t>
             </a:fld>
             <a:endParaRPr lang="en-US"/>
           </a:p>
@@ -1823,7 +1823,7 @@
           <a:p>
             <a:fld id="{9A0015C3-2E44-486C-A5F2-7FA6CB10593F}" type="datetimeFigureOut">
               <a:rPr lang="en-US" smtClean="0"/>
-              <a:t>10/27/2021</a:t>
+              <a:t>6/21/2022</a:t>
             </a:fld>
             <a:endParaRPr lang="en-US"/>
           </a:p>
@@ -2100,7 +2100,7 @@
           <a:p>
             <a:fld id="{9A0015C3-2E44-486C-A5F2-7FA6CB10593F}" type="datetimeFigureOut">
               <a:rPr lang="en-US" smtClean="0"/>
-              <a:t>10/27/2021</a:t>
+              <a:t>6/21/2022</a:t>
             </a:fld>
             <a:endParaRPr lang="en-US"/>
           </a:p>
@@ -2357,7 +2357,7 @@
           <a:p>
             <a:fld id="{9A0015C3-2E44-486C-A5F2-7FA6CB10593F}" type="datetimeFigureOut">
               <a:rPr lang="en-US" smtClean="0"/>
-              <a:t>10/27/2021</a:t>
+              <a:t>6/21/2022</a:t>
             </a:fld>
             <a:endParaRPr lang="en-US"/>
           </a:p>
@@ -2570,7 +2570,7 @@
           <a:p>
             <a:fld id="{9A0015C3-2E44-486C-A5F2-7FA6CB10593F}" type="datetimeFigureOut">
               <a:rPr lang="en-US" smtClean="0"/>
-              <a:t>10/27/2021</a:t>
+              <a:t>6/21/2022</a:t>
             </a:fld>
             <a:endParaRPr lang="en-US"/>
           </a:p>
@@ -5761,7 +5761,7 @@
           <p:cNvPr id="3" name="Picture 2">
             <a:extLst>
               <a:ext uri="{FF2B5EF4-FFF2-40B4-BE49-F238E27FC236}">
-                <a16:creationId xmlns:a16="http://schemas.microsoft.com/office/drawing/2014/main" id="{1674548D-CDC4-4B1E-955D-0800966F4CFC}"/>
+                <a16:creationId xmlns:a16="http://schemas.microsoft.com/office/drawing/2014/main" id="{F56815EA-883A-43A7-A55B-1CA65CE5F5EF}"/>
               </a:ext>
             </a:extLst>
           </p:cNvPr>
@@ -5794,8 +5794,8 @@
         </p:blipFill>
         <p:spPr>
           <a:xfrm>
-            <a:off x="1102035" y="182875"/>
-            <a:ext cx="6949454" cy="5577850"/>
+            <a:off x="1102035" y="182874"/>
+            <a:ext cx="6949454" cy="5577851"/>
           </a:xfrm>
           <a:prstGeom prst="rect">
             <a:avLst/>
